--- a/docs/diagrams/LogicComponentSequenceDiagram.pptx
+++ b/docs/diagrams/LogicComponentSequenceDiagram.pptx
@@ -127,7 +127,48 @@
 </file>
 
 <file path=ppt/revisionInfo.xml><?xml version="1.0" encoding="utf-8"?>
-<p1510:revInfo xmlns:a="http://schemas.openxmlformats.org/drawingml/2006/main" xmlns:r="http://schemas.openxmlformats.org/officeDocument/2006/relationships" xmlns:p1510="http://schemas.microsoft.com/office/powerpoint/2015/10/main"/>
+<p1510:revInfo xmlns:a="http://schemas.openxmlformats.org/drawingml/2006/main" xmlns:r="http://schemas.openxmlformats.org/officeDocument/2006/relationships" xmlns:p1510="http://schemas.microsoft.com/office/powerpoint/2015/10/main">
+  <p1510:revLst>
+    <p1510:client id="{F017618B-F409-4130-B0A2-5ABC20E5B5CB}" v="28" dt="2018-09-21T09:01:00.805"/>
+  </p1510:revLst>
+</p1510:revInfo>
+</file>
+
+<file path=ppt/changesInfos/changesInfo1.xml><?xml version="1.0" encoding="utf-8"?>
+<pc:chgInfo xmlns:a="http://schemas.openxmlformats.org/drawingml/2006/main" xmlns:r="http://schemas.openxmlformats.org/officeDocument/2006/relationships" xmlns:ac="http://schemas.microsoft.com/office/drawing/2013/main/command" xmlns:pc="http://schemas.microsoft.com/office/powerpoint/2013/main/command">
+  <pc:docChgLst>
+    <pc:chgData name="Lionel Tan Junzer" userId="04b849c6f1991e6b" providerId="LiveId" clId="{F017618B-F409-4130-B0A2-5ABC20E5B5CB}"/>
+    <pc:docChg chg="modSld">
+      <pc:chgData name="Lionel Tan Junzer" userId="04b849c6f1991e6b" providerId="LiveId" clId="{F017618B-F409-4130-B0A2-5ABC20E5B5CB}" dt="2018-09-21T09:01:00.805" v="27" actId="20577"/>
+      <pc:docMkLst>
+        <pc:docMk/>
+      </pc:docMkLst>
+      <pc:sldChg chg="modSp">
+        <pc:chgData name="Lionel Tan Junzer" userId="04b849c6f1991e6b" providerId="LiveId" clId="{F017618B-F409-4130-B0A2-5ABC20E5B5CB}" dt="2018-09-21T09:01:00.805" v="27" actId="20577"/>
+        <pc:sldMkLst>
+          <pc:docMk/>
+          <pc:sldMk cId="3945898909" sldId="267"/>
+        </pc:sldMkLst>
+        <pc:spChg chg="mod">
+          <ac:chgData name="Lionel Tan Junzer" userId="04b849c6f1991e6b" providerId="LiveId" clId="{F017618B-F409-4130-B0A2-5ABC20E5B5CB}" dt="2018-09-21T09:00:52.184" v="17" actId="14100"/>
+          <ac:spMkLst>
+            <pc:docMk/>
+            <pc:sldMk cId="3945898909" sldId="267"/>
+            <ac:spMk id="16" creationId="{00000000-0000-0000-0000-000000000000}"/>
+          </ac:spMkLst>
+        </pc:spChg>
+        <pc:spChg chg="mod">
+          <ac:chgData name="Lionel Tan Junzer" userId="04b849c6f1991e6b" providerId="LiveId" clId="{F017618B-F409-4130-B0A2-5ABC20E5B5CB}" dt="2018-09-21T09:01:00.805" v="27" actId="20577"/>
+          <ac:spMkLst>
+            <pc:docMk/>
+            <pc:sldMk cId="3945898909" sldId="267"/>
+            <ac:spMk id="78" creationId="{00000000-0000-0000-0000-000000000000}"/>
+          </ac:spMkLst>
+        </pc:spChg>
+      </pc:sldChg>
+    </pc:docChg>
+  </pc:docChgLst>
+</pc:chgInfo>
 </file>
 
 <file path=ppt/notesMasters/notesMaster1.xml><?xml version="1.0" encoding="utf-8"?>
@@ -212,7 +253,7 @@
           <a:p>
             <a:fld id="{F5CC4B3F-88C1-4FFA-B1B6-F41C21DC6924}" type="datetimeFigureOut">
               <a:rPr lang="en-US" smtClean="0"/>
-              <a:t>7/11/2017</a:t>
+              <a:t>9/21/2018</a:t>
             </a:fld>
             <a:endParaRPr lang="en-US"/>
           </a:p>
@@ -658,7 +699,7 @@
           <a:p>
             <a:fld id="{78C97017-6FC3-485B-9764-EAC9E56C1D49}" type="datetimeFigureOut">
               <a:rPr lang="en-US" smtClean="0"/>
-              <a:t>7/11/2017</a:t>
+              <a:t>9/21/2018</a:t>
             </a:fld>
             <a:endParaRPr lang="en-US"/>
           </a:p>
@@ -826,7 +867,7 @@
           <a:p>
             <a:fld id="{78C97017-6FC3-485B-9764-EAC9E56C1D49}" type="datetimeFigureOut">
               <a:rPr lang="en-US" smtClean="0"/>
-              <a:t>7/11/2017</a:t>
+              <a:t>9/21/2018</a:t>
             </a:fld>
             <a:endParaRPr lang="en-US"/>
           </a:p>
@@ -1004,7 +1045,7 @@
           <a:p>
             <a:fld id="{78C97017-6FC3-485B-9764-EAC9E56C1D49}" type="datetimeFigureOut">
               <a:rPr lang="en-US" smtClean="0"/>
-              <a:t>7/11/2017</a:t>
+              <a:t>9/21/2018</a:t>
             </a:fld>
             <a:endParaRPr lang="en-US"/>
           </a:p>
@@ -1172,7 +1213,7 @@
           <a:p>
             <a:fld id="{78C97017-6FC3-485B-9764-EAC9E56C1D49}" type="datetimeFigureOut">
               <a:rPr lang="en-US" smtClean="0"/>
-              <a:t>7/11/2017</a:t>
+              <a:t>9/21/2018</a:t>
             </a:fld>
             <a:endParaRPr lang="en-US"/>
           </a:p>
@@ -1417,7 +1458,7 @@
           <a:p>
             <a:fld id="{78C97017-6FC3-485B-9764-EAC9E56C1D49}" type="datetimeFigureOut">
               <a:rPr lang="en-US" smtClean="0"/>
-              <a:t>7/11/2017</a:t>
+              <a:t>9/21/2018</a:t>
             </a:fld>
             <a:endParaRPr lang="en-US"/>
           </a:p>
@@ -1702,7 +1743,7 @@
           <a:p>
             <a:fld id="{78C97017-6FC3-485B-9764-EAC9E56C1D49}" type="datetimeFigureOut">
               <a:rPr lang="en-US" smtClean="0"/>
-              <a:t>7/11/2017</a:t>
+              <a:t>9/21/2018</a:t>
             </a:fld>
             <a:endParaRPr lang="en-US"/>
           </a:p>
@@ -2121,7 +2162,7 @@
           <a:p>
             <a:fld id="{78C97017-6FC3-485B-9764-EAC9E56C1D49}" type="datetimeFigureOut">
               <a:rPr lang="en-US" smtClean="0"/>
-              <a:t>7/11/2017</a:t>
+              <a:t>9/21/2018</a:t>
             </a:fld>
             <a:endParaRPr lang="en-US"/>
           </a:p>
@@ -2238,7 +2279,7 @@
           <a:p>
             <a:fld id="{78C97017-6FC3-485B-9764-EAC9E56C1D49}" type="datetimeFigureOut">
               <a:rPr lang="en-US" smtClean="0"/>
-              <a:t>7/11/2017</a:t>
+              <a:t>9/21/2018</a:t>
             </a:fld>
             <a:endParaRPr lang="en-US"/>
           </a:p>
@@ -2333,7 +2374,7 @@
           <a:p>
             <a:fld id="{78C97017-6FC3-485B-9764-EAC9E56C1D49}" type="datetimeFigureOut">
               <a:rPr lang="en-US" smtClean="0"/>
-              <a:t>7/11/2017</a:t>
+              <a:t>9/21/2018</a:t>
             </a:fld>
             <a:endParaRPr lang="en-US"/>
           </a:p>
@@ -2608,7 +2649,7 @@
           <a:p>
             <a:fld id="{78C97017-6FC3-485B-9764-EAC9E56C1D49}" type="datetimeFigureOut">
               <a:rPr lang="en-US" smtClean="0"/>
-              <a:t>7/11/2017</a:t>
+              <a:t>9/21/2018</a:t>
             </a:fld>
             <a:endParaRPr lang="en-US"/>
           </a:p>
@@ -2860,7 +2901,7 @@
           <a:p>
             <a:fld id="{78C97017-6FC3-485B-9764-EAC9E56C1D49}" type="datetimeFigureOut">
               <a:rPr lang="en-US" smtClean="0"/>
-              <a:t>7/11/2017</a:t>
+              <a:t>9/21/2018</a:t>
             </a:fld>
             <a:endParaRPr lang="en-US"/>
           </a:p>
@@ -3071,7 +3112,7 @@
           <a:p>
             <a:fld id="{78C97017-6FC3-485B-9764-EAC9E56C1D49}" type="datetimeFigureOut">
               <a:rPr lang="en-US" smtClean="0"/>
-              <a:t>7/11/2017</a:t>
+              <a:t>9/21/2018</a:t>
             </a:fld>
             <a:endParaRPr lang="en-US"/>
           </a:p>
@@ -3666,8 +3707,8 @@
         </p:nvSpPr>
         <p:spPr>
           <a:xfrm>
-            <a:off x="2743200" y="2179309"/>
-            <a:ext cx="1219200" cy="467684"/>
+            <a:off x="2743199" y="2179309"/>
+            <a:ext cx="1371599" cy="467684"/>
           </a:xfrm>
           <a:prstGeom prst="rect">
             <a:avLst/>
@@ -3707,18 +3748,15 @@
                   <a:schemeClr val="bg1"/>
                 </a:solidFill>
               </a:rPr>
-              <a:t>:Address</a:t>
-            </a:r>
-          </a:p>
-          <a:p>
-            <a:pPr algn="ctr"/>
+              <a:t>:</a:t>
+            </a:r>
             <a:r>
               <a:rPr lang="en-US" sz="1600" dirty="0" err="1">
                 <a:solidFill>
                   <a:schemeClr val="bg1"/>
                 </a:solidFill>
               </a:rPr>
-              <a:t>BookParser</a:t>
+              <a:t>SpareParser</a:t>
             </a:r>
             <a:endParaRPr lang="en-SG" sz="1600" dirty="0">
               <a:solidFill>
@@ -4671,7 +4709,7 @@
                   <a:srgbClr val="7030A0"/>
                 </a:solidFill>
               </a:rPr>
-              <a:t>deletePerson</a:t>
+              <a:t>deleteWish</a:t>
             </a:r>
             <a:r>
               <a:rPr lang="en-US" dirty="0">

--- a/docs/diagrams/LogicComponentSequenceDiagram.pptx
+++ b/docs/diagrams/LogicComponentSequenceDiagram.pptx
@@ -126,14 +126,6 @@
 </p:presentation>
 </file>
 
-<file path=ppt/revisionInfo.xml><?xml version="1.0" encoding="utf-8"?>
-<p1510:revInfo xmlns:a="http://schemas.openxmlformats.org/drawingml/2006/main" xmlns:r="http://schemas.openxmlformats.org/officeDocument/2006/relationships" xmlns:p1510="http://schemas.microsoft.com/office/powerpoint/2015/10/main">
-  <p1510:revLst>
-    <p1510:client id="{F017618B-F409-4130-B0A2-5ABC20E5B5CB}" v="28" dt="2018-09-21T09:01:00.805"/>
-  </p1510:revLst>
-</p1510:revInfo>
-</file>
-
 <file path=ppt/changesInfos/changesInfo1.xml><?xml version="1.0" encoding="utf-8"?>
 <pc:chgInfo xmlns:a="http://schemas.openxmlformats.org/drawingml/2006/main" xmlns:r="http://schemas.openxmlformats.org/officeDocument/2006/relationships" xmlns:ac="http://schemas.microsoft.com/office/drawing/2013/main/command" xmlns:pc="http://schemas.microsoft.com/office/powerpoint/2013/main/command">
   <pc:docChgLst>
@@ -168,6 +160,30 @@
       </pc:sldChg>
     </pc:docChg>
   </pc:docChgLst>
+  <pc:docChgLst>
+    <pc:chgData name="Lionel Tan Junzer" userId="04b849c6f1991e6b" providerId="LiveId" clId="{2B64A452-AC52-4CAF-965D-7301B818D34C}"/>
+    <pc:docChg chg="modSld">
+      <pc:chgData name="Lionel Tan Junzer" userId="04b849c6f1991e6b" providerId="LiveId" clId="{2B64A452-AC52-4CAF-965D-7301B818D34C}" dt="2018-10-15T06:07:07.027" v="13" actId="20577"/>
+      <pc:docMkLst>
+        <pc:docMk/>
+      </pc:docMkLst>
+      <pc:sldChg chg="modSp">
+        <pc:chgData name="Lionel Tan Junzer" userId="04b849c6f1991e6b" providerId="LiveId" clId="{2B64A452-AC52-4CAF-965D-7301B818D34C}" dt="2018-10-15T06:07:07.027" v="13" actId="20577"/>
+        <pc:sldMkLst>
+          <pc:docMk/>
+          <pc:sldMk cId="3945898909" sldId="267"/>
+        </pc:sldMkLst>
+        <pc:spChg chg="mod">
+          <ac:chgData name="Lionel Tan Junzer" userId="04b849c6f1991e6b" providerId="LiveId" clId="{2B64A452-AC52-4CAF-965D-7301B818D34C}" dt="2018-10-15T06:07:07.027" v="13" actId="20577"/>
+          <ac:spMkLst>
+            <pc:docMk/>
+            <pc:sldMk cId="3945898909" sldId="267"/>
+            <ac:spMk id="16" creationId="{00000000-0000-0000-0000-000000000000}"/>
+          </ac:spMkLst>
+        </pc:spChg>
+      </pc:sldChg>
+    </pc:docChg>
+  </pc:docChgLst>
 </pc:chgInfo>
 </file>
 
@@ -253,7 +269,7 @@
           <a:p>
             <a:fld id="{F5CC4B3F-88C1-4FFA-B1B6-F41C21DC6924}" type="datetimeFigureOut">
               <a:rPr lang="en-US" smtClean="0"/>
-              <a:t>9/21/2018</a:t>
+              <a:t>10/15/2018</a:t>
             </a:fld>
             <a:endParaRPr lang="en-US"/>
           </a:p>
@@ -699,7 +715,7 @@
           <a:p>
             <a:fld id="{78C97017-6FC3-485B-9764-EAC9E56C1D49}" type="datetimeFigureOut">
               <a:rPr lang="en-US" smtClean="0"/>
-              <a:t>9/21/2018</a:t>
+              <a:t>10/15/2018</a:t>
             </a:fld>
             <a:endParaRPr lang="en-US"/>
           </a:p>
@@ -867,7 +883,7 @@
           <a:p>
             <a:fld id="{78C97017-6FC3-485B-9764-EAC9E56C1D49}" type="datetimeFigureOut">
               <a:rPr lang="en-US" smtClean="0"/>
-              <a:t>9/21/2018</a:t>
+              <a:t>10/15/2018</a:t>
             </a:fld>
             <a:endParaRPr lang="en-US"/>
           </a:p>
@@ -1045,7 +1061,7 @@
           <a:p>
             <a:fld id="{78C97017-6FC3-485B-9764-EAC9E56C1D49}" type="datetimeFigureOut">
               <a:rPr lang="en-US" smtClean="0"/>
-              <a:t>9/21/2018</a:t>
+              <a:t>10/15/2018</a:t>
             </a:fld>
             <a:endParaRPr lang="en-US"/>
           </a:p>
@@ -1213,7 +1229,7 @@
           <a:p>
             <a:fld id="{78C97017-6FC3-485B-9764-EAC9E56C1D49}" type="datetimeFigureOut">
               <a:rPr lang="en-US" smtClean="0"/>
-              <a:t>9/21/2018</a:t>
+              <a:t>10/15/2018</a:t>
             </a:fld>
             <a:endParaRPr lang="en-US"/>
           </a:p>
@@ -1458,7 +1474,7 @@
           <a:p>
             <a:fld id="{78C97017-6FC3-485B-9764-EAC9E56C1D49}" type="datetimeFigureOut">
               <a:rPr lang="en-US" smtClean="0"/>
-              <a:t>9/21/2018</a:t>
+              <a:t>10/15/2018</a:t>
             </a:fld>
             <a:endParaRPr lang="en-US"/>
           </a:p>
@@ -1743,7 +1759,7 @@
           <a:p>
             <a:fld id="{78C97017-6FC3-485B-9764-EAC9E56C1D49}" type="datetimeFigureOut">
               <a:rPr lang="en-US" smtClean="0"/>
-              <a:t>9/21/2018</a:t>
+              <a:t>10/15/2018</a:t>
             </a:fld>
             <a:endParaRPr lang="en-US"/>
           </a:p>
@@ -2162,7 +2178,7 @@
           <a:p>
             <a:fld id="{78C97017-6FC3-485B-9764-EAC9E56C1D49}" type="datetimeFigureOut">
               <a:rPr lang="en-US" smtClean="0"/>
-              <a:t>9/21/2018</a:t>
+              <a:t>10/15/2018</a:t>
             </a:fld>
             <a:endParaRPr lang="en-US"/>
           </a:p>
@@ -2279,7 +2295,7 @@
           <a:p>
             <a:fld id="{78C97017-6FC3-485B-9764-EAC9E56C1D49}" type="datetimeFigureOut">
               <a:rPr lang="en-US" smtClean="0"/>
-              <a:t>9/21/2018</a:t>
+              <a:t>10/15/2018</a:t>
             </a:fld>
             <a:endParaRPr lang="en-US"/>
           </a:p>
@@ -2374,7 +2390,7 @@
           <a:p>
             <a:fld id="{78C97017-6FC3-485B-9764-EAC9E56C1D49}" type="datetimeFigureOut">
               <a:rPr lang="en-US" smtClean="0"/>
-              <a:t>9/21/2018</a:t>
+              <a:t>10/15/2018</a:t>
             </a:fld>
             <a:endParaRPr lang="en-US"/>
           </a:p>
@@ -2649,7 +2665,7 @@
           <a:p>
             <a:fld id="{78C97017-6FC3-485B-9764-EAC9E56C1D49}" type="datetimeFigureOut">
               <a:rPr lang="en-US" smtClean="0"/>
-              <a:t>9/21/2018</a:t>
+              <a:t>10/15/2018</a:t>
             </a:fld>
             <a:endParaRPr lang="en-US"/>
           </a:p>
@@ -2901,7 +2917,7 @@
           <a:p>
             <a:fld id="{78C97017-6FC3-485B-9764-EAC9E56C1D49}" type="datetimeFigureOut">
               <a:rPr lang="en-US" smtClean="0"/>
-              <a:t>9/21/2018</a:t>
+              <a:t>10/15/2018</a:t>
             </a:fld>
             <a:endParaRPr lang="en-US"/>
           </a:p>
@@ -3112,7 +3128,7 @@
           <a:p>
             <a:fld id="{78C97017-6FC3-485B-9764-EAC9E56C1D49}" type="datetimeFigureOut">
               <a:rPr lang="en-US" smtClean="0"/>
-              <a:t>9/21/2018</a:t>
+              <a:t>10/15/2018</a:t>
             </a:fld>
             <a:endParaRPr lang="en-US"/>
           </a:p>
@@ -3756,7 +3772,23 @@
                   <a:schemeClr val="bg1"/>
                 </a:solidFill>
               </a:rPr>
-              <a:t>SpareParser</a:t>
+              <a:t>WishBook</a:t>
+            </a:r>
+            <a:endParaRPr lang="en-US" sz="1600" dirty="0">
+              <a:solidFill>
+                <a:schemeClr val="bg1"/>
+              </a:solidFill>
+            </a:endParaRPr>
+          </a:p>
+          <a:p>
+            <a:pPr algn="ctr"/>
+            <a:r>
+              <a:rPr lang="en-US" sz="1600" dirty="0">
+                <a:solidFill>
+                  <a:schemeClr val="bg1"/>
+                </a:solidFill>
+              </a:rPr>
+              <a:t>Parser</a:t>
             </a:r>
             <a:endParaRPr lang="en-SG" sz="1600" dirty="0">
               <a:solidFill>

--- a/docs/diagrams/LogicComponentSequenceDiagram.pptx
+++ b/docs/diagrams/LogicComponentSequenceDiagram.pptx
@@ -126,10 +126,6 @@
 </p:presentation>
 </file>
 
-<file path=ppt/revisionInfo.xml><?xml version="1.0" encoding="utf-8"?>
-<p1510:revInfo xmlns:a="http://schemas.openxmlformats.org/drawingml/2006/main" xmlns:r="http://schemas.openxmlformats.org/officeDocument/2006/relationships" xmlns:p1510="http://schemas.microsoft.com/office/powerpoint/2015/10/main"/>
-</file>
-
 <file path=ppt/notesMasters/notesMaster1.xml><?xml version="1.0" encoding="utf-8"?>
 <p:notesMaster xmlns:a="http://schemas.openxmlformats.org/drawingml/2006/main" xmlns:r="http://schemas.openxmlformats.org/officeDocument/2006/relationships" xmlns:p="http://schemas.openxmlformats.org/presentationml/2006/main">
   <p:cSld>
@@ -212,7 +208,7 @@
           <a:p>
             <a:fld id="{F5CC4B3F-88C1-4FFA-B1B6-F41C21DC6924}" type="datetimeFigureOut">
               <a:rPr lang="en-US" smtClean="0"/>
-              <a:t>7/11/2017</a:t>
+              <a:t>10/22/2018</a:t>
             </a:fld>
             <a:endParaRPr lang="en-US"/>
           </a:p>
@@ -658,7 +654,7 @@
           <a:p>
             <a:fld id="{78C97017-6FC3-485B-9764-EAC9E56C1D49}" type="datetimeFigureOut">
               <a:rPr lang="en-US" smtClean="0"/>
-              <a:t>7/11/2017</a:t>
+              <a:t>10/22/2018</a:t>
             </a:fld>
             <a:endParaRPr lang="en-US"/>
           </a:p>
@@ -826,7 +822,7 @@
           <a:p>
             <a:fld id="{78C97017-6FC3-485B-9764-EAC9E56C1D49}" type="datetimeFigureOut">
               <a:rPr lang="en-US" smtClean="0"/>
-              <a:t>7/11/2017</a:t>
+              <a:t>10/22/2018</a:t>
             </a:fld>
             <a:endParaRPr lang="en-US"/>
           </a:p>
@@ -1004,7 +1000,7 @@
           <a:p>
             <a:fld id="{78C97017-6FC3-485B-9764-EAC9E56C1D49}" type="datetimeFigureOut">
               <a:rPr lang="en-US" smtClean="0"/>
-              <a:t>7/11/2017</a:t>
+              <a:t>10/22/2018</a:t>
             </a:fld>
             <a:endParaRPr lang="en-US"/>
           </a:p>
@@ -1172,7 +1168,7 @@
           <a:p>
             <a:fld id="{78C97017-6FC3-485B-9764-EAC9E56C1D49}" type="datetimeFigureOut">
               <a:rPr lang="en-US" smtClean="0"/>
-              <a:t>7/11/2017</a:t>
+              <a:t>10/22/2018</a:t>
             </a:fld>
             <a:endParaRPr lang="en-US"/>
           </a:p>
@@ -1417,7 +1413,7 @@
           <a:p>
             <a:fld id="{78C97017-6FC3-485B-9764-EAC9E56C1D49}" type="datetimeFigureOut">
               <a:rPr lang="en-US" smtClean="0"/>
-              <a:t>7/11/2017</a:t>
+              <a:t>10/22/2018</a:t>
             </a:fld>
             <a:endParaRPr lang="en-US"/>
           </a:p>
@@ -1702,7 +1698,7 @@
           <a:p>
             <a:fld id="{78C97017-6FC3-485B-9764-EAC9E56C1D49}" type="datetimeFigureOut">
               <a:rPr lang="en-US" smtClean="0"/>
-              <a:t>7/11/2017</a:t>
+              <a:t>10/22/2018</a:t>
             </a:fld>
             <a:endParaRPr lang="en-US"/>
           </a:p>
@@ -2121,7 +2117,7 @@
           <a:p>
             <a:fld id="{78C97017-6FC3-485B-9764-EAC9E56C1D49}" type="datetimeFigureOut">
               <a:rPr lang="en-US" smtClean="0"/>
-              <a:t>7/11/2017</a:t>
+              <a:t>10/22/2018</a:t>
             </a:fld>
             <a:endParaRPr lang="en-US"/>
           </a:p>
@@ -2238,7 +2234,7 @@
           <a:p>
             <a:fld id="{78C97017-6FC3-485B-9764-EAC9E56C1D49}" type="datetimeFigureOut">
               <a:rPr lang="en-US" smtClean="0"/>
-              <a:t>7/11/2017</a:t>
+              <a:t>10/22/2018</a:t>
             </a:fld>
             <a:endParaRPr lang="en-US"/>
           </a:p>
@@ -2333,7 +2329,7 @@
           <a:p>
             <a:fld id="{78C97017-6FC3-485B-9764-EAC9E56C1D49}" type="datetimeFigureOut">
               <a:rPr lang="en-US" smtClean="0"/>
-              <a:t>7/11/2017</a:t>
+              <a:t>10/22/2018</a:t>
             </a:fld>
             <a:endParaRPr lang="en-US"/>
           </a:p>
@@ -2608,7 +2604,7 @@
           <a:p>
             <a:fld id="{78C97017-6FC3-485B-9764-EAC9E56C1D49}" type="datetimeFigureOut">
               <a:rPr lang="en-US" smtClean="0"/>
-              <a:t>7/11/2017</a:t>
+              <a:t>10/22/2018</a:t>
             </a:fld>
             <a:endParaRPr lang="en-US"/>
           </a:p>
@@ -2860,7 +2856,7 @@
           <a:p>
             <a:fld id="{78C97017-6FC3-485B-9764-EAC9E56C1D49}" type="datetimeFigureOut">
               <a:rPr lang="en-US" smtClean="0"/>
-              <a:t>7/11/2017</a:t>
+              <a:t>10/22/2018</a:t>
             </a:fld>
             <a:endParaRPr lang="en-US"/>
           </a:p>
@@ -3071,7 +3067,7 @@
           <a:p>
             <a:fld id="{78C97017-6FC3-485B-9764-EAC9E56C1D49}" type="datetimeFigureOut">
               <a:rPr lang="en-US" smtClean="0"/>
-              <a:t>7/11/2017</a:t>
+              <a:t>10/22/2018</a:t>
             </a:fld>
             <a:endParaRPr lang="en-US"/>
           </a:p>
@@ -3666,8 +3662,8 @@
         </p:nvSpPr>
         <p:spPr>
           <a:xfrm>
-            <a:off x="2743200" y="2179309"/>
-            <a:ext cx="1219200" cy="467684"/>
+            <a:off x="2743199" y="2179309"/>
+            <a:ext cx="1676399" cy="467684"/>
           </a:xfrm>
           <a:prstGeom prst="rect">
             <a:avLst/>
@@ -3707,18 +3703,15 @@
                   <a:schemeClr val="bg1"/>
                 </a:solidFill>
               </a:rPr>
-              <a:t>:Address</a:t>
-            </a:r>
-          </a:p>
-          <a:p>
-            <a:pPr algn="ctr"/>
+              <a:t>:</a:t>
+            </a:r>
             <a:r>
               <a:rPr lang="en-US" sz="1600" dirty="0" err="1">
                 <a:solidFill>
                   <a:schemeClr val="bg1"/>
                 </a:solidFill>
               </a:rPr>
-              <a:t>BookParser</a:t>
+              <a:t>SchedulePlannerParser</a:t>
             </a:r>
             <a:endParaRPr lang="en-SG" sz="1600" dirty="0">
               <a:solidFill>
@@ -4671,7 +4664,7 @@
                   <a:srgbClr val="7030A0"/>
                 </a:solidFill>
               </a:rPr>
-              <a:t>deletePerson</a:t>
+              <a:t>deleteTask</a:t>
             </a:r>
             <a:r>
               <a:rPr lang="en-US" dirty="0">
@@ -4679,7 +4672,7 @@
                   <a:srgbClr val="7030A0"/>
                 </a:solidFill>
               </a:rPr>
-              <a:t>(p)</a:t>
+              <a:t>(t)</a:t>
             </a:r>
           </a:p>
         </p:txBody>

--- a/docs/diagrams/LogicComponentSequenceDiagram.pptx
+++ b/docs/diagrams/LogicComponentSequenceDiagram.pptx
@@ -8,7 +8,7 @@
     <p:notesMasterId r:id="rId3"/>
   </p:notesMasterIdLst>
   <p:sldIdLst>
-    <p:sldId id="267" r:id="rId2"/>
+    <p:sldId id="268" r:id="rId2"/>
   </p:sldIdLst>
   <p:sldSz cx="9144000" cy="6858000" type="screen4x3"/>
   <p:notesSz cx="6858000" cy="9144000"/>
@@ -126,10 +126,6 @@
 </p:presentation>
 </file>
 
-<file path=ppt/revisionInfo.xml><?xml version="1.0" encoding="utf-8"?>
-<p1510:revInfo xmlns:a="http://schemas.openxmlformats.org/drawingml/2006/main" xmlns:r="http://schemas.openxmlformats.org/officeDocument/2006/relationships" xmlns:p1510="http://schemas.microsoft.com/office/powerpoint/2015/10/main"/>
-</file>
-
 <file path=ppt/notesMasters/notesMaster1.xml><?xml version="1.0" encoding="utf-8"?>
 <p:notesMaster xmlns:a="http://schemas.openxmlformats.org/drawingml/2006/main" xmlns:r="http://schemas.openxmlformats.org/officeDocument/2006/relationships" xmlns:p="http://schemas.openxmlformats.org/presentationml/2006/main">
   <p:cSld>
@@ -212,7 +208,7 @@
           <a:p>
             <a:fld id="{F5CC4B3F-88C1-4FFA-B1B6-F41C21DC6924}" type="datetimeFigureOut">
               <a:rPr lang="en-US" smtClean="0"/>
-              <a:t>7/11/2017</a:t>
+              <a:t>10/24/18</a:t>
             </a:fld>
             <a:endParaRPr lang="en-US"/>
           </a:p>
@@ -658,7 +654,7 @@
           <a:p>
             <a:fld id="{78C97017-6FC3-485B-9764-EAC9E56C1D49}" type="datetimeFigureOut">
               <a:rPr lang="en-US" smtClean="0"/>
-              <a:t>7/11/2017</a:t>
+              <a:t>10/24/18</a:t>
             </a:fld>
             <a:endParaRPr lang="en-US"/>
           </a:p>
@@ -826,7 +822,7 @@
           <a:p>
             <a:fld id="{78C97017-6FC3-485B-9764-EAC9E56C1D49}" type="datetimeFigureOut">
               <a:rPr lang="en-US" smtClean="0"/>
-              <a:t>7/11/2017</a:t>
+              <a:t>10/24/18</a:t>
             </a:fld>
             <a:endParaRPr lang="en-US"/>
           </a:p>
@@ -1004,7 +1000,7 @@
           <a:p>
             <a:fld id="{78C97017-6FC3-485B-9764-EAC9E56C1D49}" type="datetimeFigureOut">
               <a:rPr lang="en-US" smtClean="0"/>
-              <a:t>7/11/2017</a:t>
+              <a:t>10/24/18</a:t>
             </a:fld>
             <a:endParaRPr lang="en-US"/>
           </a:p>
@@ -1172,7 +1168,7 @@
           <a:p>
             <a:fld id="{78C97017-6FC3-485B-9764-EAC9E56C1D49}" type="datetimeFigureOut">
               <a:rPr lang="en-US" smtClean="0"/>
-              <a:t>7/11/2017</a:t>
+              <a:t>10/24/18</a:t>
             </a:fld>
             <a:endParaRPr lang="en-US"/>
           </a:p>
@@ -1417,7 +1413,7 @@
           <a:p>
             <a:fld id="{78C97017-6FC3-485B-9764-EAC9E56C1D49}" type="datetimeFigureOut">
               <a:rPr lang="en-US" smtClean="0"/>
-              <a:t>7/11/2017</a:t>
+              <a:t>10/24/18</a:t>
             </a:fld>
             <a:endParaRPr lang="en-US"/>
           </a:p>
@@ -1702,7 +1698,7 @@
           <a:p>
             <a:fld id="{78C97017-6FC3-485B-9764-EAC9E56C1D49}" type="datetimeFigureOut">
               <a:rPr lang="en-US" smtClean="0"/>
-              <a:t>7/11/2017</a:t>
+              <a:t>10/24/18</a:t>
             </a:fld>
             <a:endParaRPr lang="en-US"/>
           </a:p>
@@ -2121,7 +2117,7 @@
           <a:p>
             <a:fld id="{78C97017-6FC3-485B-9764-EAC9E56C1D49}" type="datetimeFigureOut">
               <a:rPr lang="en-US" smtClean="0"/>
-              <a:t>7/11/2017</a:t>
+              <a:t>10/24/18</a:t>
             </a:fld>
             <a:endParaRPr lang="en-US"/>
           </a:p>
@@ -2238,7 +2234,7 @@
           <a:p>
             <a:fld id="{78C97017-6FC3-485B-9764-EAC9E56C1D49}" type="datetimeFigureOut">
               <a:rPr lang="en-US" smtClean="0"/>
-              <a:t>7/11/2017</a:t>
+              <a:t>10/24/18</a:t>
             </a:fld>
             <a:endParaRPr lang="en-US"/>
           </a:p>
@@ -2333,7 +2329,7 @@
           <a:p>
             <a:fld id="{78C97017-6FC3-485B-9764-EAC9E56C1D49}" type="datetimeFigureOut">
               <a:rPr lang="en-US" smtClean="0"/>
-              <a:t>7/11/2017</a:t>
+              <a:t>10/24/18</a:t>
             </a:fld>
             <a:endParaRPr lang="en-US"/>
           </a:p>
@@ -2608,7 +2604,7 @@
           <a:p>
             <a:fld id="{78C97017-6FC3-485B-9764-EAC9E56C1D49}" type="datetimeFigureOut">
               <a:rPr lang="en-US" smtClean="0"/>
-              <a:t>7/11/2017</a:t>
+              <a:t>10/24/18</a:t>
             </a:fld>
             <a:endParaRPr lang="en-US"/>
           </a:p>
@@ -2860,7 +2856,7 @@
           <a:p>
             <a:fld id="{78C97017-6FC3-485B-9764-EAC9E56C1D49}" type="datetimeFigureOut">
               <a:rPr lang="en-US" smtClean="0"/>
-              <a:t>7/11/2017</a:t>
+              <a:t>10/24/18</a:t>
             </a:fld>
             <a:endParaRPr lang="en-US"/>
           </a:p>
@@ -3071,7 +3067,7 @@
           <a:p>
             <a:fld id="{78C97017-6FC3-485B-9764-EAC9E56C1D49}" type="datetimeFigureOut">
               <a:rPr lang="en-US" smtClean="0"/>
-              <a:t>7/11/2017</a:t>
+              <a:t>10/24/18</a:t>
             </a:fld>
             <a:endParaRPr lang="en-US"/>
           </a:p>
@@ -3448,14 +3444,76 @@
       </p:grpSpPr>
       <p:sp>
         <p:nvSpPr>
+          <p:cNvPr id="66" name="Rectangle 65">
+            <a:extLst>
+              <a:ext uri="{FF2B5EF4-FFF2-40B4-BE49-F238E27FC236}">
+                <a16:creationId xmlns:a16="http://schemas.microsoft.com/office/drawing/2014/main" id="{977AFC49-CE5E-FB4D-8347-107895882ED4}"/>
+              </a:ext>
+            </a:extLst>
+          </p:cNvPr>
+          <p:cNvSpPr/>
+          <p:nvPr/>
+        </p:nvSpPr>
+        <p:spPr>
+          <a:xfrm>
+            <a:off x="5856199" y="1740137"/>
+            <a:ext cx="3206009" cy="3567874"/>
+          </a:xfrm>
+          <a:prstGeom prst="roundRect">
+            <a:avLst>
+              <a:gd name="adj" fmla="val 3484"/>
+            </a:avLst>
+          </a:prstGeom>
+          <a:solidFill>
+            <a:schemeClr val="accent4">
+              <a:lumMod val="20000"/>
+              <a:lumOff val="80000"/>
+            </a:schemeClr>
+          </a:solidFill>
+          <a:ln w="19050">
+            <a:noFill/>
+          </a:ln>
+          <a:effectLst/>
+        </p:spPr>
+        <p:style>
+          <a:lnRef idx="1">
+            <a:schemeClr val="accent2"/>
+          </a:lnRef>
+          <a:fillRef idx="2">
+            <a:schemeClr val="accent2"/>
+          </a:fillRef>
+          <a:effectRef idx="1">
+            <a:schemeClr val="accent2"/>
+          </a:effectRef>
+          <a:fontRef idx="minor">
+            <a:schemeClr val="dk1"/>
+          </a:fontRef>
+        </p:style>
+        <p:txBody>
+          <a:bodyPr rtlCol="0" anchor="t"/>
+          <a:lstStyle/>
+          <a:p>
+            <a:r>
+              <a:rPr lang="en-SG" sz="1000" b="1" dirty="0">
+                <a:solidFill>
+                  <a:srgbClr val="7030A0"/>
+                </a:solidFill>
+              </a:rPr>
+              <a:t>Model</a:t>
+            </a:r>
+          </a:p>
+        </p:txBody>
+      </p:sp>
+      <p:sp>
+        <p:nvSpPr>
           <p:cNvPr id="81" name="Rectangle 65"/>
           <p:cNvSpPr/>
           <p:nvPr/>
         </p:nvSpPr>
         <p:spPr>
           <a:xfrm>
-            <a:off x="685800" y="1981200"/>
-            <a:ext cx="7252956" cy="4000286"/>
+            <a:off x="31783" y="1740138"/>
+            <a:ext cx="5867034" cy="3584374"/>
           </a:xfrm>
           <a:prstGeom prst="roundRect">
             <a:avLst>
@@ -3492,14 +3550,14 @@
           <a:lstStyle/>
           <a:p>
             <a:r>
-              <a:rPr lang="en-US" sz="1200" b="1" dirty="0">
+              <a:rPr lang="en-US" sz="1000" b="1" dirty="0">
                 <a:solidFill>
                   <a:srgbClr val="0070C0"/>
                 </a:solidFill>
               </a:rPr>
               <a:t>Logic</a:t>
             </a:r>
-            <a:endParaRPr lang="en-SG" sz="1200" b="1" dirty="0">
+            <a:endParaRPr lang="en-SG" sz="1000" b="1" dirty="0">
               <a:solidFill>
                 <a:srgbClr val="0070C0"/>
               </a:solidFill>
@@ -3515,8 +3573,8 @@
         </p:nvSpPr>
         <p:spPr>
           <a:xfrm>
-            <a:off x="845045" y="2296546"/>
-            <a:ext cx="1455629" cy="346760"/>
+            <a:off x="454201" y="1970933"/>
+            <a:ext cx="1140887" cy="249316"/>
           </a:xfrm>
           <a:prstGeom prst="rect">
             <a:avLst/>
@@ -3551,7 +3609,7 @@
           <a:p>
             <a:pPr algn="ctr"/>
             <a:r>
-              <a:rPr lang="en-US" sz="1600" dirty="0">
+              <a:rPr lang="en-US" sz="1200" dirty="0">
                 <a:solidFill>
                   <a:schemeClr val="bg1"/>
                 </a:solidFill>
@@ -3559,14 +3617,14 @@
               <a:t>:</a:t>
             </a:r>
             <a:r>
-              <a:rPr lang="en-US" sz="1600" dirty="0" err="1">
+              <a:rPr lang="en-US" sz="1200" dirty="0" err="1">
                 <a:solidFill>
                   <a:schemeClr val="bg1"/>
                 </a:solidFill>
               </a:rPr>
               <a:t>LogicManager</a:t>
             </a:r>
-            <a:endParaRPr lang="en-SG" sz="1600" dirty="0">
+            <a:endParaRPr lang="en-SG" sz="1200" dirty="0">
               <a:solidFill>
                 <a:schemeClr val="bg1"/>
               </a:solidFill>
@@ -3577,13 +3635,15 @@
       <p:cxnSp>
         <p:nvCxnSpPr>
           <p:cNvPr id="5" name="Straight Connector 4"/>
-          <p:cNvCxnSpPr/>
+          <p:cNvCxnSpPr>
+            <a:cxnSpLocks/>
+          </p:cNvCxnSpPr>
           <p:nvPr/>
         </p:nvCxnSpPr>
         <p:spPr>
           <a:xfrm>
-            <a:off x="1572859" y="2660217"/>
-            <a:ext cx="0" cy="2597583"/>
+            <a:off x="1095369" y="2220249"/>
+            <a:ext cx="0" cy="2556942"/>
           </a:xfrm>
           <a:prstGeom prst="line">
             <a:avLst/>
@@ -3619,8 +3679,8 @@
         </p:nvSpPr>
         <p:spPr>
           <a:xfrm>
-            <a:off x="1500851" y="3010911"/>
-            <a:ext cx="152400" cy="2780287"/>
+            <a:off x="1017600" y="2475037"/>
+            <a:ext cx="129425" cy="2832974"/>
           </a:xfrm>
           <a:prstGeom prst="rect">
             <a:avLst/>
@@ -3666,8 +3726,8 @@
         </p:nvSpPr>
         <p:spPr>
           <a:xfrm>
-            <a:off x="2743200" y="2179309"/>
-            <a:ext cx="1219200" cy="467684"/>
+            <a:off x="1959402" y="1893715"/>
+            <a:ext cx="914400" cy="376872"/>
           </a:xfrm>
           <a:prstGeom prst="rect">
             <a:avLst/>
@@ -3702,7 +3762,7 @@
           <a:p>
             <a:pPr algn="ctr"/>
             <a:r>
-              <a:rPr lang="en-US" sz="1600" dirty="0">
+              <a:rPr lang="en-US" sz="1200" dirty="0">
                 <a:solidFill>
                   <a:schemeClr val="bg1"/>
                 </a:solidFill>
@@ -3713,14 +3773,14 @@
           <a:p>
             <a:pPr algn="ctr"/>
             <a:r>
-              <a:rPr lang="en-US" sz="1600" dirty="0" err="1">
+              <a:rPr lang="en-US" sz="1200" dirty="0" err="1">
                 <a:solidFill>
                   <a:schemeClr val="bg1"/>
                 </a:solidFill>
               </a:rPr>
               <a:t>BookParser</a:t>
             </a:r>
-            <a:endParaRPr lang="en-SG" sz="1600" dirty="0">
+            <a:endParaRPr lang="en-SG" sz="1200" dirty="0">
               <a:solidFill>
                 <a:schemeClr val="bg1"/>
               </a:solidFill>
@@ -3731,13 +3791,15 @@
       <p:cxnSp>
         <p:nvCxnSpPr>
           <p:cNvPr id="17" name="Straight Connector 16"/>
-          <p:cNvCxnSpPr/>
+          <p:cNvCxnSpPr>
+            <a:cxnSpLocks/>
+          </p:cNvCxnSpPr>
           <p:nvPr/>
         </p:nvCxnSpPr>
         <p:spPr>
           <a:xfrm>
-            <a:off x="3356599" y="2663904"/>
-            <a:ext cx="0" cy="1695374"/>
+            <a:off x="2405314" y="2270587"/>
+            <a:ext cx="0" cy="1594592"/>
           </a:xfrm>
           <a:prstGeom prst="line">
             <a:avLst/>
@@ -3773,7 +3835,7 @@
         </p:nvSpPr>
         <p:spPr>
           <a:xfrm>
-            <a:off x="3284590" y="3122096"/>
+            <a:off x="2329138" y="2642983"/>
             <a:ext cx="174929" cy="1129459"/>
           </a:xfrm>
           <a:prstGeom prst="rect">
@@ -3824,8 +3886,8 @@
         </p:nvSpPr>
         <p:spPr>
           <a:xfrm>
-            <a:off x="6221565" y="3312740"/>
-            <a:ext cx="1093635" cy="461538"/>
+            <a:off x="4628203" y="2697038"/>
+            <a:ext cx="856850" cy="519412"/>
           </a:xfrm>
           <a:prstGeom prst="rect">
             <a:avLst/>
@@ -3860,29 +3922,29 @@
           <a:p>
             <a:pPr algn="ctr"/>
             <a:r>
-              <a:rPr lang="en-US" sz="1600" dirty="0">
+              <a:rPr lang="en-US" sz="1200" dirty="0" err="1">
                 <a:solidFill>
                   <a:schemeClr val="bg1"/>
                 </a:solidFill>
               </a:rPr>
-              <a:t>d:Delete</a:t>
+              <a:t>d:AddMedicalHistory</a:t>
             </a:r>
             <a:br>
-              <a:rPr lang="en-US" sz="1600" dirty="0">
+              <a:rPr lang="en-US" sz="1200" dirty="0">
                 <a:solidFill>
                   <a:schemeClr val="bg1"/>
                 </a:solidFill>
               </a:rPr>
             </a:br>
             <a:r>
-              <a:rPr lang="en-US" sz="1600" dirty="0">
+              <a:rPr lang="en-US" sz="1200" dirty="0">
                 <a:solidFill>
                   <a:schemeClr val="bg1"/>
                 </a:solidFill>
               </a:rPr>
               <a:t>Command</a:t>
             </a:r>
-            <a:endParaRPr lang="en-SG" sz="1600" dirty="0">
+            <a:endParaRPr lang="en-SG" sz="1200" dirty="0">
               <a:solidFill>
                 <a:schemeClr val="bg1"/>
               </a:solidFill>
@@ -3894,14 +3956,15 @@
         <p:nvCxnSpPr>
           <p:cNvPr id="20" name="Straight Connector 19"/>
           <p:cNvCxnSpPr>
+            <a:cxnSpLocks/>
             <a:stCxn id="21" idx="0"/>
           </p:cNvCxnSpPr>
           <p:nvPr/>
         </p:nvCxnSpPr>
         <p:spPr>
           <a:xfrm>
-            <a:off x="6772574" y="3774278"/>
-            <a:ext cx="0" cy="1940722"/>
+            <a:off x="5027536" y="3237231"/>
+            <a:ext cx="30355" cy="2070780"/>
           </a:xfrm>
           <a:prstGeom prst="line">
             <a:avLst/>
@@ -3937,8 +4000,8 @@
         </p:nvSpPr>
         <p:spPr>
           <a:xfrm>
-            <a:off x="6696374" y="3774278"/>
-            <a:ext cx="152400" cy="276003"/>
+            <a:off x="4974834" y="3237231"/>
+            <a:ext cx="105404" cy="225927"/>
           </a:xfrm>
           <a:prstGeom prst="rect">
             <a:avLst/>
@@ -3979,13 +4042,15 @@
       <p:cxnSp>
         <p:nvCxnSpPr>
           <p:cNvPr id="23" name="Straight Arrow Connector 22"/>
-          <p:cNvCxnSpPr/>
+          <p:cNvCxnSpPr>
+            <a:cxnSpLocks/>
+          </p:cNvCxnSpPr>
           <p:nvPr/>
         </p:nvCxnSpPr>
         <p:spPr>
           <a:xfrm>
-            <a:off x="381000" y="3014599"/>
-            <a:ext cx="1119851" cy="0"/>
+            <a:off x="11690" y="2475036"/>
+            <a:ext cx="1017265" cy="0"/>
           </a:xfrm>
           <a:prstGeom prst="straightConnector1">
             <a:avLst/>
@@ -4015,13 +4080,15 @@
       <p:cxnSp>
         <p:nvCxnSpPr>
           <p:cNvPr id="25" name="Straight Arrow Connector 24"/>
-          <p:cNvCxnSpPr/>
+          <p:cNvCxnSpPr>
+            <a:cxnSpLocks/>
+          </p:cNvCxnSpPr>
           <p:nvPr/>
         </p:nvCxnSpPr>
         <p:spPr>
-          <a:xfrm flipV="1">
-            <a:off x="1653251" y="3122097"/>
-            <a:ext cx="1596514" cy="1"/>
+          <a:xfrm>
+            <a:off x="1177443" y="2688568"/>
+            <a:ext cx="1163297" cy="1"/>
           </a:xfrm>
           <a:prstGeom prst="straightConnector1">
             <a:avLst/>
@@ -4056,8 +4123,8 @@
         </p:nvSpPr>
         <p:spPr>
           <a:xfrm>
-            <a:off x="0" y="2743200"/>
-            <a:ext cx="1424846" cy="215444"/>
+            <a:off x="-18663" y="2546133"/>
+            <a:ext cx="1028758" cy="415498"/>
           </a:xfrm>
           <a:prstGeom prst="rect">
             <a:avLst/>
@@ -4072,12 +4139,58 @@
           <a:p>
             <a:pPr algn="r"/>
             <a:r>
-              <a:rPr lang="en-US" sz="1400" dirty="0">
+              <a:rPr lang="en-US" sz="900" dirty="0">
                 <a:solidFill>
                   <a:srgbClr val="0070C0"/>
                 </a:solidFill>
               </a:rPr>
-              <a:t>execute(“delete 1”)</a:t>
+              <a:t>execute</a:t>
+            </a:r>
+          </a:p>
+          <a:p>
+            <a:pPr algn="r"/>
+            <a:r>
+              <a:rPr lang="en-US" sz="900" dirty="0">
+                <a:solidFill>
+                  <a:srgbClr val="0070C0"/>
+                </a:solidFill>
+              </a:rPr>
+              <a:t>(“add-medical-history</a:t>
+            </a:r>
+          </a:p>
+          <a:p>
+            <a:pPr algn="r"/>
+            <a:r>
+              <a:rPr lang="en-US" altLang="zh-Hans" sz="900" dirty="0">
+                <a:solidFill>
+                  <a:srgbClr val="0070C0"/>
+                </a:solidFill>
+              </a:rPr>
+              <a:t>1</a:t>
+            </a:r>
+            <a:r>
+              <a:rPr lang="zh-Hans" altLang="en-US" sz="900" dirty="0">
+                <a:solidFill>
+                  <a:srgbClr val="0070C0"/>
+                </a:solidFill>
+              </a:rPr>
+              <a:t> </a:t>
+            </a:r>
+            <a:r>
+              <a:rPr lang="en-US" altLang="zh-Hans" sz="900" dirty="0">
+                <a:solidFill>
+                  <a:srgbClr val="0070C0"/>
+                </a:solidFill>
+              </a:rPr>
+              <a:t>al/milk  c/healthy</a:t>
+            </a:r>
+            <a:r>
+              <a:rPr lang="en-US" sz="900" dirty="0">
+                <a:solidFill>
+                  <a:srgbClr val="0070C0"/>
+                </a:solidFill>
+              </a:rPr>
+              <a:t>”)</a:t>
             </a:r>
           </a:p>
         </p:txBody>
@@ -4085,13 +4198,15 @@
       <p:cxnSp>
         <p:nvCxnSpPr>
           <p:cNvPr id="28" name="Straight Arrow Connector 27"/>
-          <p:cNvCxnSpPr/>
+          <p:cNvCxnSpPr>
+            <a:cxnSpLocks/>
+          </p:cNvCxnSpPr>
           <p:nvPr/>
         </p:nvCxnSpPr>
         <p:spPr>
           <a:xfrm flipV="1">
-            <a:off x="5257218" y="3703214"/>
-            <a:ext cx="922392" cy="1"/>
+            <a:off x="3975245" y="3208184"/>
+            <a:ext cx="642532" cy="1"/>
           </a:xfrm>
           <a:prstGeom prst="straightConnector1">
             <a:avLst/>
@@ -4126,8 +4241,8 @@
         </p:nvSpPr>
         <p:spPr>
           <a:xfrm>
-            <a:off x="4257582" y="4251556"/>
-            <a:ext cx="855809" cy="215444"/>
+            <a:off x="2503041" y="3927579"/>
+            <a:ext cx="855809" cy="153888"/>
           </a:xfrm>
           <a:prstGeom prst="rect">
             <a:avLst/>
@@ -4152,7 +4267,7 @@
           </a:lstStyle>
           <a:p>
             <a:r>
-              <a:rPr lang="en-US" dirty="0"/>
+              <a:rPr lang="en-US" sz="1000" dirty="0"/>
               <a:t>execute()</a:t>
             </a:r>
           </a:p>
@@ -4161,13 +4276,16 @@
       <p:cxnSp>
         <p:nvCxnSpPr>
           <p:cNvPr id="34" name="Straight Arrow Connector 33"/>
-          <p:cNvCxnSpPr/>
+          <p:cNvCxnSpPr>
+            <a:cxnSpLocks/>
+            <a:endCxn id="21" idx="2"/>
+          </p:cNvCxnSpPr>
           <p:nvPr/>
         </p:nvCxnSpPr>
         <p:spPr>
           <a:xfrm>
-            <a:off x="5257800" y="4050281"/>
-            <a:ext cx="1492974" cy="0"/>
+            <a:off x="3953139" y="3463158"/>
+            <a:ext cx="1074397" cy="0"/>
           </a:xfrm>
           <a:prstGeom prst="straightConnector1">
             <a:avLst/>
@@ -4199,13 +4317,15 @@
       <p:cxnSp>
         <p:nvCxnSpPr>
           <p:cNvPr id="35" name="Straight Arrow Connector 34"/>
-          <p:cNvCxnSpPr/>
+          <p:cNvCxnSpPr>
+            <a:cxnSpLocks/>
+          </p:cNvCxnSpPr>
           <p:nvPr/>
         </p:nvCxnSpPr>
         <p:spPr>
-          <a:xfrm flipV="1">
-            <a:off x="1670186" y="4243231"/>
-            <a:ext cx="1596514" cy="5378"/>
+          <a:xfrm>
+            <a:off x="1144475" y="3785793"/>
+            <a:ext cx="1172249" cy="0"/>
           </a:xfrm>
           <a:prstGeom prst="straightConnector1">
             <a:avLst/>
@@ -4237,13 +4357,15 @@
       <p:cxnSp>
         <p:nvCxnSpPr>
           <p:cNvPr id="37" name="Straight Arrow Connector 36"/>
-          <p:cNvCxnSpPr/>
+          <p:cNvCxnSpPr>
+            <a:cxnSpLocks/>
+          </p:cNvCxnSpPr>
           <p:nvPr/>
         </p:nvCxnSpPr>
         <p:spPr>
           <a:xfrm>
-            <a:off x="304800" y="5791200"/>
-            <a:ext cx="1196051" cy="0"/>
+            <a:off x="69099" y="5238824"/>
+            <a:ext cx="1026270" cy="0"/>
           </a:xfrm>
           <a:prstGeom prst="straightConnector1">
             <a:avLst/>
@@ -4280,8 +4402,8 @@
         </p:nvSpPr>
         <p:spPr>
           <a:xfrm>
-            <a:off x="8265896" y="2362200"/>
-            <a:ext cx="1030504" cy="346760"/>
+            <a:off x="5924175" y="3095802"/>
+            <a:ext cx="802576" cy="238408"/>
           </a:xfrm>
           <a:prstGeom prst="rect">
             <a:avLst/>
@@ -4322,14 +4444,14 @@
           <a:p>
             <a:pPr algn="ctr"/>
             <a:r>
-              <a:rPr lang="en-US" sz="1600" dirty="0">
+              <a:rPr lang="en-US" sz="1200" dirty="0" err="1">
                 <a:solidFill>
                   <a:schemeClr val="bg1"/>
                 </a:solidFill>
               </a:rPr>
-              <a:t>:Model</a:t>
-            </a:r>
-            <a:endParaRPr lang="en-SG" sz="1600" dirty="0">
+              <a:t>q:Patient</a:t>
+            </a:r>
+            <a:endParaRPr lang="en-SG" sz="1200" dirty="0">
               <a:solidFill>
                 <a:schemeClr val="bg1"/>
               </a:solidFill>
@@ -4340,13 +4462,15 @@
       <p:cxnSp>
         <p:nvCxnSpPr>
           <p:cNvPr id="64" name="Straight Arrow Connector 63"/>
-          <p:cNvCxnSpPr/>
+          <p:cNvCxnSpPr>
+            <a:cxnSpLocks/>
+          </p:cNvCxnSpPr>
           <p:nvPr/>
         </p:nvCxnSpPr>
         <p:spPr>
           <a:xfrm>
-            <a:off x="1653251" y="4495317"/>
-            <a:ext cx="5043123" cy="0"/>
+            <a:off x="1177443" y="3918885"/>
+            <a:ext cx="3752367" cy="5992"/>
           </a:xfrm>
           <a:prstGeom prst="straightConnector1">
             <a:avLst/>
@@ -4381,8 +4505,8 @@
         </p:nvSpPr>
         <p:spPr>
           <a:xfrm>
-            <a:off x="6687452" y="4467000"/>
-            <a:ext cx="161322" cy="1019400"/>
+            <a:off x="4964344" y="3880176"/>
+            <a:ext cx="156393" cy="1247838"/>
           </a:xfrm>
           <a:prstGeom prst="rect">
             <a:avLst/>
@@ -4423,13 +4547,15 @@
       <p:cxnSp>
         <p:nvCxnSpPr>
           <p:cNvPr id="71" name="Straight Connector 70"/>
-          <p:cNvCxnSpPr/>
+          <p:cNvCxnSpPr>
+            <a:cxnSpLocks/>
+          </p:cNvCxnSpPr>
           <p:nvPr/>
         </p:nvCxnSpPr>
         <p:spPr>
-          <a:xfrm>
-            <a:off x="8781148" y="2700858"/>
-            <a:ext cx="0" cy="2830598"/>
+          <a:xfrm flipH="1">
+            <a:off x="7333818" y="2845589"/>
+            <a:ext cx="7494" cy="2358580"/>
           </a:xfrm>
           <a:prstGeom prst="line">
             <a:avLst/>
@@ -4468,8 +4594,8 @@
         </p:nvSpPr>
         <p:spPr>
           <a:xfrm>
-            <a:off x="8686800" y="4524597"/>
-            <a:ext cx="152400" cy="199803"/>
+            <a:off x="7253705" y="4272673"/>
+            <a:ext cx="160226" cy="272929"/>
           </a:xfrm>
           <a:prstGeom prst="rect">
             <a:avLst/>
@@ -4520,13 +4646,15 @@
       <p:cxnSp>
         <p:nvCxnSpPr>
           <p:cNvPr id="75" name="Straight Arrow Connector 74"/>
-          <p:cNvCxnSpPr/>
+          <p:cNvCxnSpPr>
+            <a:cxnSpLocks/>
+          </p:cNvCxnSpPr>
           <p:nvPr/>
         </p:nvCxnSpPr>
         <p:spPr>
           <a:xfrm>
-            <a:off x="6850663" y="4524597"/>
-            <a:ext cx="1836137" cy="0"/>
+            <a:off x="5148820" y="3927579"/>
+            <a:ext cx="1023380" cy="0"/>
           </a:xfrm>
           <a:prstGeom prst="straightConnector1">
             <a:avLst/>
@@ -4556,13 +4684,16 @@
       <p:cxnSp>
         <p:nvCxnSpPr>
           <p:cNvPr id="76" name="Straight Arrow Connector 75"/>
-          <p:cNvCxnSpPr/>
+          <p:cNvCxnSpPr>
+            <a:cxnSpLocks/>
+            <a:endCxn id="73" idx="2"/>
+          </p:cNvCxnSpPr>
           <p:nvPr/>
         </p:nvCxnSpPr>
         <p:spPr>
-          <a:xfrm flipV="1">
-            <a:off x="6848774" y="4714650"/>
-            <a:ext cx="1838026" cy="9750"/>
+          <a:xfrm>
+            <a:off x="5146095" y="4545602"/>
+            <a:ext cx="2187723" cy="0"/>
           </a:xfrm>
           <a:prstGeom prst="straightConnector1">
             <a:avLst/>
@@ -4597,13 +4728,15 @@
       <p:cxnSp>
         <p:nvCxnSpPr>
           <p:cNvPr id="77" name="Straight Arrow Connector 76"/>
-          <p:cNvCxnSpPr/>
+          <p:cNvCxnSpPr>
+            <a:cxnSpLocks/>
+          </p:cNvCxnSpPr>
           <p:nvPr/>
         </p:nvCxnSpPr>
         <p:spPr>
           <a:xfrm>
-            <a:off x="1653251" y="5486400"/>
-            <a:ext cx="5052349" cy="0"/>
+            <a:off x="1157660" y="5099949"/>
+            <a:ext cx="3817174" cy="0"/>
           </a:xfrm>
           <a:prstGeom prst="straightConnector1">
             <a:avLst/>
@@ -4634,14 +4767,14 @@
       </p:cxnSp>
       <p:sp>
         <p:nvSpPr>
-          <p:cNvPr id="78" name="TextBox 77"/>
+          <p:cNvPr id="79" name="TextBox 78"/>
           <p:cNvSpPr txBox="1"/>
           <p:nvPr/>
         </p:nvSpPr>
         <p:spPr>
           <a:xfrm>
-            <a:off x="6984957" y="4267200"/>
-            <a:ext cx="1424846" cy="215444"/>
+            <a:off x="2051894" y="3287391"/>
+            <a:ext cx="1773145" cy="138499"/>
           </a:xfrm>
           <a:prstGeom prst="rect">
             <a:avLst/>
@@ -4666,34 +4799,22 @@
           </a:lstStyle>
           <a:p>
             <a:r>
-              <a:rPr lang="en-US" dirty="0" err="1">
-                <a:solidFill>
-                  <a:srgbClr val="7030A0"/>
-                </a:solidFill>
-              </a:rPr>
-              <a:t>deletePerson</a:t>
-            </a:r>
-            <a:r>
-              <a:rPr lang="en-US" dirty="0">
-                <a:solidFill>
-                  <a:srgbClr val="7030A0"/>
-                </a:solidFill>
-              </a:rPr>
-              <a:t>(p)</a:t>
-            </a:r>
-          </a:p>
-        </p:txBody>
-      </p:sp>
-      <p:sp>
-        <p:nvSpPr>
-          <p:cNvPr id="79" name="TextBox 78"/>
+              <a:rPr lang="en-US" sz="900" dirty="0"/>
+              <a:t>parse(“1 al/milk  c/healthy”)</a:t>
+            </a:r>
+          </a:p>
+        </p:txBody>
+      </p:sp>
+      <p:sp>
+        <p:nvSpPr>
+          <p:cNvPr id="80" name="TextBox 79"/>
           <p:cNvSpPr txBox="1"/>
           <p:nvPr/>
         </p:nvSpPr>
         <p:spPr>
           <a:xfrm>
-            <a:off x="3847551" y="3657600"/>
-            <a:ext cx="767033" cy="184666"/>
+            <a:off x="604258" y="2687772"/>
+            <a:ext cx="1596780" cy="446276"/>
           </a:xfrm>
           <a:prstGeom prst="rect">
             <a:avLst/>
@@ -4718,22 +4839,50 @@
           </a:lstStyle>
           <a:p>
             <a:r>
-              <a:rPr lang="en-US" sz="1200" dirty="0"/>
-              <a:t>parse(“1”)</a:t>
-            </a:r>
-          </a:p>
-        </p:txBody>
-      </p:sp>
-      <p:sp>
-        <p:nvSpPr>
-          <p:cNvPr id="80" name="TextBox 79"/>
+              <a:rPr lang="en-US" sz="900" dirty="0"/>
+              <a:t>parse</a:t>
+            </a:r>
+          </a:p>
+          <a:p>
+            <a:r>
+              <a:rPr lang="en-US" sz="900" dirty="0"/>
+              <a:t>(“</a:t>
+            </a:r>
+            <a:r>
+              <a:rPr lang="en-US" altLang="zh-CN" sz="900" dirty="0"/>
+              <a:t>add-medical-history</a:t>
+            </a:r>
+          </a:p>
+          <a:p>
+            <a:r>
+              <a:rPr lang="en-US" altLang="zh-Hans" sz="900" dirty="0"/>
+              <a:t>1</a:t>
+            </a:r>
+            <a:r>
+              <a:rPr lang="zh-Hans" altLang="en-US" sz="900" dirty="0"/>
+              <a:t> </a:t>
+            </a:r>
+            <a:r>
+              <a:rPr lang="en-US" altLang="zh-Hans" sz="900" dirty="0"/>
+              <a:t>al/milk  c/healthy</a:t>
+            </a:r>
+            <a:r>
+              <a:rPr lang="en-US" sz="1100" dirty="0"/>
+              <a:t>”)</a:t>
+            </a:r>
+          </a:p>
+        </p:txBody>
+      </p:sp>
+      <p:sp>
+        <p:nvSpPr>
+          <p:cNvPr id="82" name="TextBox 81"/>
           <p:cNvSpPr txBox="1"/>
           <p:nvPr/>
         </p:nvSpPr>
         <p:spPr>
           <a:xfrm>
-            <a:off x="1742982" y="2850922"/>
-            <a:ext cx="1424846" cy="215444"/>
+            <a:off x="2654692" y="4906798"/>
+            <a:ext cx="621216" cy="153888"/>
           </a:xfrm>
           <a:prstGeom prst="rect">
             <a:avLst/>
@@ -4758,22 +4907,22 @@
           </a:lstStyle>
           <a:p>
             <a:r>
-              <a:rPr lang="en-US" dirty="0"/>
-              <a:t>parse(“delete 1”)</a:t>
-            </a:r>
-          </a:p>
-        </p:txBody>
-      </p:sp>
-      <p:sp>
-        <p:nvSpPr>
-          <p:cNvPr id="82" name="TextBox 81"/>
+              <a:rPr lang="en-US" sz="1000" dirty="0"/>
+              <a:t>result</a:t>
+            </a:r>
+          </a:p>
+        </p:txBody>
+      </p:sp>
+      <p:sp>
+        <p:nvSpPr>
+          <p:cNvPr id="83" name="TextBox 82"/>
           <p:cNvSpPr txBox="1"/>
           <p:nvPr/>
         </p:nvSpPr>
         <p:spPr>
           <a:xfrm>
-            <a:off x="4340137" y="5255323"/>
-            <a:ext cx="621216" cy="215444"/>
+            <a:off x="-87651" y="5065670"/>
+            <a:ext cx="762000" cy="138499"/>
           </a:xfrm>
           <a:prstGeom prst="rect">
             <a:avLst/>
@@ -4798,7 +4947,7 @@
           </a:lstStyle>
           <a:p>
             <a:r>
-              <a:rPr lang="en-US" dirty="0"/>
+              <a:rPr lang="en-US" sz="900" dirty="0"/>
               <a:t>result</a:t>
             </a:r>
           </a:p>
@@ -4806,14 +4955,99 @@
       </p:sp>
       <p:sp>
         <p:nvSpPr>
-          <p:cNvPr id="83" name="TextBox 82"/>
+          <p:cNvPr id="86" name="Rectangle 85"/>
+          <p:cNvSpPr/>
+          <p:nvPr/>
+        </p:nvSpPr>
+        <p:spPr>
+          <a:xfrm>
+            <a:off x="5948363" y="4956638"/>
+            <a:ext cx="152400" cy="171376"/>
+          </a:xfrm>
+          <a:prstGeom prst="rect">
+            <a:avLst/>
+          </a:prstGeom>
+          <a:solidFill>
+            <a:srgbClr val="0070C0"/>
+          </a:solidFill>
+          <a:ln>
+            <a:solidFill>
+              <a:srgbClr val="0070C0"/>
+            </a:solidFill>
+          </a:ln>
+          <a:effectLst/>
+        </p:spPr>
+        <p:style>
+          <a:lnRef idx="1">
+            <a:schemeClr val="accent3"/>
+          </a:lnRef>
+          <a:fillRef idx="2">
+            <a:schemeClr val="accent3"/>
+          </a:fillRef>
+          <a:effectRef idx="1">
+            <a:schemeClr val="accent3"/>
+          </a:effectRef>
+          <a:fontRef idx="minor">
+            <a:schemeClr val="dk1"/>
+          </a:fontRef>
+        </p:style>
+        <p:txBody>
+          <a:bodyPr rtlCol="0" anchor="ctr"/>
+          <a:lstStyle/>
+          <a:p>
+            <a:pPr algn="ctr"/>
+            <a:endParaRPr lang="en-SG" sz="1400"/>
+          </a:p>
+        </p:txBody>
+      </p:sp>
+      <p:cxnSp>
+        <p:nvCxnSpPr>
+          <p:cNvPr id="90" name="Straight Arrow Connector 89"/>
+          <p:cNvCxnSpPr/>
+          <p:nvPr/>
+        </p:nvCxnSpPr>
+        <p:spPr>
+          <a:xfrm>
+            <a:off x="5120737" y="5099949"/>
+            <a:ext cx="966624" cy="0"/>
+          </a:xfrm>
+          <a:prstGeom prst="straightConnector1">
+            <a:avLst/>
+          </a:prstGeom>
+          <a:ln w="19050">
+            <a:solidFill>
+              <a:srgbClr val="0070C0"/>
+            </a:solidFill>
+            <a:prstDash val="sysDash"/>
+            <a:headEnd type="arrow" w="med" len="med"/>
+            <a:tailEnd type="none" w="med" len="med"/>
+          </a:ln>
+        </p:spPr>
+        <p:style>
+          <a:lnRef idx="1">
+            <a:schemeClr val="accent1"/>
+          </a:lnRef>
+          <a:fillRef idx="0">
+            <a:schemeClr val="accent1"/>
+          </a:fillRef>
+          <a:effectRef idx="0">
+            <a:schemeClr val="accent1"/>
+          </a:effectRef>
+          <a:fontRef idx="minor">
+            <a:schemeClr val="tx1"/>
+          </a:fontRef>
+        </p:style>
+      </p:cxnSp>
+      <p:sp>
+        <p:nvSpPr>
+          <p:cNvPr id="93" name="TextBox 92"/>
           <p:cNvSpPr txBox="1"/>
           <p:nvPr/>
         </p:nvSpPr>
         <p:spPr>
           <a:xfrm>
-            <a:off x="599983" y="5538488"/>
-            <a:ext cx="762000" cy="215444"/>
+            <a:off x="1620659" y="3619497"/>
+            <a:ext cx="220343" cy="138499"/>
           </a:xfrm>
           <a:prstGeom prst="rect">
             <a:avLst/>
@@ -4838,22 +5072,22 @@
           </a:lstStyle>
           <a:p>
             <a:r>
-              <a:rPr lang="en-US" dirty="0"/>
-              <a:t>result</a:t>
-            </a:r>
-          </a:p>
-        </p:txBody>
-      </p:sp>
-      <p:sp>
-        <p:nvSpPr>
-          <p:cNvPr id="84" name="Rectangle 62"/>
+              <a:rPr lang="en-US" sz="900" dirty="0"/>
+              <a:t>d</a:t>
+            </a:r>
+          </a:p>
+        </p:txBody>
+      </p:sp>
+      <p:sp>
+        <p:nvSpPr>
+          <p:cNvPr id="40" name="Rectangle 62"/>
           <p:cNvSpPr/>
           <p:nvPr/>
         </p:nvSpPr>
         <p:spPr>
           <a:xfrm>
-            <a:off x="7020246" y="4777286"/>
-            <a:ext cx="1590354" cy="461538"/>
+            <a:off x="3183125" y="2486322"/>
+            <a:ext cx="1378279" cy="406397"/>
           </a:xfrm>
           <a:prstGeom prst="rect">
             <a:avLst/>
@@ -4888,39 +5122,91 @@
           <a:p>
             <a:pPr algn="ctr"/>
             <a:r>
-              <a:rPr lang="en-US" sz="1600" dirty="0" err="1">
+              <a:rPr lang="en-US" sz="1200" dirty="0">
                 <a:solidFill>
                   <a:schemeClr val="bg1"/>
                 </a:solidFill>
               </a:rPr>
-              <a:t>result:Command</a:t>
-            </a:r>
-            <a:r>
-              <a:rPr lang="en-US" sz="1600" dirty="0">
+              <a:t>:</a:t>
+            </a:r>
+            <a:r>
+              <a:rPr lang="en-US" sz="1200" dirty="0" err="1">
                 <a:solidFill>
                   <a:schemeClr val="bg1"/>
                 </a:solidFill>
               </a:rPr>
-              <a:t> Result</a:t>
-            </a:r>
-            <a:endParaRPr lang="en-SG" sz="1600" dirty="0">
+              <a:t>AddMedicalHistoy</a:t>
+            </a:r>
+            <a:endParaRPr lang="en-US" sz="1200" dirty="0">
               <a:solidFill>
                 <a:schemeClr val="bg1"/>
               </a:solidFill>
             </a:endParaRPr>
           </a:p>
-        </p:txBody>
-      </p:sp>
-      <p:sp>
-        <p:nvSpPr>
-          <p:cNvPr id="86" name="Rectangle 85"/>
+          <a:p>
+            <a:pPr algn="ctr"/>
+            <a:r>
+              <a:rPr lang="en-US" sz="1200" dirty="0" err="1">
+                <a:solidFill>
+                  <a:schemeClr val="bg1"/>
+                </a:solidFill>
+              </a:rPr>
+              <a:t>CommandParser</a:t>
+            </a:r>
+            <a:endParaRPr lang="en-SG" sz="1200" dirty="0">
+              <a:solidFill>
+                <a:schemeClr val="bg1"/>
+              </a:solidFill>
+            </a:endParaRPr>
+          </a:p>
+        </p:txBody>
+      </p:sp>
+      <p:cxnSp>
+        <p:nvCxnSpPr>
+          <p:cNvPr id="8" name="Straight Arrow Connector 7"/>
+          <p:cNvCxnSpPr>
+            <a:cxnSpLocks/>
+          </p:cNvCxnSpPr>
+          <p:nvPr/>
+        </p:nvCxnSpPr>
+        <p:spPr>
+          <a:xfrm>
+            <a:off x="2492115" y="3260080"/>
+            <a:ext cx="1314300" cy="0"/>
+          </a:xfrm>
+          <a:prstGeom prst="straightConnector1">
+            <a:avLst/>
+          </a:prstGeom>
+          <a:ln w="19050">
+            <a:headEnd type="none" w="med" len="med"/>
+            <a:tailEnd type="arrow" w="med" len="med"/>
+          </a:ln>
+        </p:spPr>
+        <p:style>
+          <a:lnRef idx="1">
+            <a:schemeClr val="accent1"/>
+          </a:lnRef>
+          <a:fillRef idx="0">
+            <a:schemeClr val="accent1"/>
+          </a:fillRef>
+          <a:effectRef idx="0">
+            <a:schemeClr val="accent1"/>
+          </a:effectRef>
+          <a:fontRef idx="minor">
+            <a:schemeClr val="tx1"/>
+          </a:fontRef>
+        </p:style>
+      </p:cxnSp>
+      <p:sp>
+        <p:nvSpPr>
+          <p:cNvPr id="45" name="Rectangle 44"/>
           <p:cNvSpPr/>
           <p:nvPr/>
         </p:nvSpPr>
         <p:spPr>
           <a:xfrm>
-            <a:off x="7777323" y="5238824"/>
-            <a:ext cx="152400" cy="171376"/>
+            <a:off x="3766621" y="2900291"/>
+            <a:ext cx="205843" cy="123165"/>
           </a:xfrm>
           <a:prstGeom prst="rect">
             <a:avLst/>
@@ -4954,20 +5240,108 @@
           <a:lstStyle/>
           <a:p>
             <a:pPr algn="ctr"/>
-            <a:endParaRPr lang="en-SG" sz="1400"/>
+            <a:endParaRPr lang="en-SG" sz="1400" dirty="0"/>
           </a:p>
         </p:txBody>
       </p:sp>
       <p:cxnSp>
         <p:nvCxnSpPr>
-          <p:cNvPr id="90" name="Straight Arrow Connector 89"/>
-          <p:cNvCxnSpPr/>
+          <p:cNvPr id="46" name="Straight Connector 45"/>
+          <p:cNvCxnSpPr>
+            <a:cxnSpLocks/>
+          </p:cNvCxnSpPr>
           <p:nvPr/>
         </p:nvCxnSpPr>
         <p:spPr>
-          <a:xfrm>
-            <a:off x="6858000" y="5410200"/>
-            <a:ext cx="966624" cy="0"/>
+          <a:xfrm flipH="1">
+            <a:off x="3865514" y="3037187"/>
+            <a:ext cx="15297" cy="748606"/>
+          </a:xfrm>
+          <a:prstGeom prst="line">
+            <a:avLst/>
+          </a:prstGeom>
+          <a:ln w="19050">
+            <a:solidFill>
+              <a:srgbClr val="0070C0"/>
+            </a:solidFill>
+            <a:prstDash val="sysDash"/>
+          </a:ln>
+          <a:effectLst/>
+        </p:spPr>
+        <p:style>
+          <a:lnRef idx="1">
+            <a:schemeClr val="accent1"/>
+          </a:lnRef>
+          <a:fillRef idx="2">
+            <a:schemeClr val="accent1"/>
+          </a:fillRef>
+          <a:effectRef idx="1">
+            <a:schemeClr val="accent1"/>
+          </a:effectRef>
+          <a:fontRef idx="minor">
+            <a:schemeClr val="dk1"/>
+          </a:fontRef>
+        </p:style>
+      </p:cxnSp>
+      <p:sp>
+        <p:nvSpPr>
+          <p:cNvPr id="49" name="Rectangle 48"/>
+          <p:cNvSpPr/>
+          <p:nvPr/>
+        </p:nvSpPr>
+        <p:spPr>
+          <a:xfrm>
+            <a:off x="3777890" y="3181973"/>
+            <a:ext cx="175249" cy="469929"/>
+          </a:xfrm>
+          <a:prstGeom prst="rect">
+            <a:avLst/>
+          </a:prstGeom>
+          <a:solidFill>
+            <a:srgbClr val="0070C0"/>
+          </a:solidFill>
+          <a:ln>
+            <a:solidFill>
+              <a:srgbClr val="0070C0"/>
+            </a:solidFill>
+          </a:ln>
+          <a:effectLst/>
+        </p:spPr>
+        <p:style>
+          <a:lnRef idx="1">
+            <a:schemeClr val="accent3"/>
+          </a:lnRef>
+          <a:fillRef idx="2">
+            <a:schemeClr val="accent3"/>
+          </a:fillRef>
+          <a:effectRef idx="1">
+            <a:schemeClr val="accent3"/>
+          </a:effectRef>
+          <a:fontRef idx="minor">
+            <a:schemeClr val="dk1"/>
+          </a:fontRef>
+        </p:style>
+        <p:txBody>
+          <a:bodyPr rtlCol="0" anchor="ctr"/>
+          <a:lstStyle/>
+          <a:p>
+            <a:pPr algn="ctr"/>
+            <a:endParaRPr lang="en-SG" sz="1400"/>
+          </a:p>
+        </p:txBody>
+      </p:sp>
+      <p:cxnSp>
+        <p:nvCxnSpPr>
+          <p:cNvPr id="51" name="Straight Arrow Connector 50"/>
+          <p:cNvCxnSpPr>
+            <a:cxnSpLocks/>
+          </p:cNvCxnSpPr>
+          <p:nvPr/>
+        </p:nvCxnSpPr>
+        <p:spPr>
+          <a:xfrm>
+            <a:off x="2488372" y="3632837"/>
+            <a:ext cx="1278249" cy="0"/>
           </a:xfrm>
           <a:prstGeom prst="straightConnector1">
             <a:avLst/>
@@ -4996,16 +5370,399 @@
           </a:fontRef>
         </p:style>
       </p:cxnSp>
-      <p:sp>
-        <p:nvSpPr>
-          <p:cNvPr id="93" name="TextBox 92"/>
+      <p:cxnSp>
+        <p:nvCxnSpPr>
+          <p:cNvPr id="13" name="Straight Arrow Connector 12"/>
+          <p:cNvCxnSpPr/>
+          <p:nvPr/>
+        </p:nvCxnSpPr>
+        <p:spPr>
+          <a:xfrm>
+            <a:off x="5154636" y="4739582"/>
+            <a:ext cx="162246" cy="0"/>
+          </a:xfrm>
+          <a:prstGeom prst="straightConnector1">
+            <a:avLst/>
+          </a:prstGeom>
+          <a:ln w="19050">
+            <a:headEnd type="none" w="med" len="med"/>
+            <a:tailEnd type="arrow" w="med" len="med"/>
+          </a:ln>
+        </p:spPr>
+        <p:style>
+          <a:lnRef idx="1">
+            <a:schemeClr val="accent1"/>
+          </a:lnRef>
+          <a:fillRef idx="0">
+            <a:schemeClr val="accent1"/>
+          </a:fillRef>
+          <a:effectRef idx="0">
+            <a:schemeClr val="accent1"/>
+          </a:effectRef>
+          <a:fontRef idx="minor">
+            <a:schemeClr val="tx1"/>
+          </a:fontRef>
+        </p:style>
+      </p:cxnSp>
+      <p:cxnSp>
+        <p:nvCxnSpPr>
+          <p:cNvPr id="50" name="Straight Arrow Connector 49"/>
+          <p:cNvCxnSpPr>
+            <a:cxnSpLocks/>
+          </p:cNvCxnSpPr>
+          <p:nvPr/>
+        </p:nvCxnSpPr>
+        <p:spPr>
+          <a:xfrm flipV="1">
+            <a:off x="2499663" y="2708960"/>
+            <a:ext cx="653044" cy="7406"/>
+          </a:xfrm>
+          <a:prstGeom prst="straightConnector1">
+            <a:avLst/>
+          </a:prstGeom>
+          <a:ln w="19050">
+            <a:solidFill>
+              <a:srgbClr val="0070C0"/>
+            </a:solidFill>
+            <a:tailEnd type="arrow"/>
+          </a:ln>
+        </p:spPr>
+        <p:style>
+          <a:lnRef idx="1">
+            <a:schemeClr val="accent1"/>
+          </a:lnRef>
+          <a:fillRef idx="0">
+            <a:schemeClr val="accent1"/>
+          </a:fillRef>
+          <a:effectRef idx="0">
+            <a:schemeClr val="accent1"/>
+          </a:effectRef>
+          <a:fontRef idx="minor">
+            <a:schemeClr val="tx1"/>
+          </a:fontRef>
+        </p:style>
+      </p:cxnSp>
+      <p:cxnSp>
+        <p:nvCxnSpPr>
+          <p:cNvPr id="52" name="Straight Arrow Connector 51"/>
+          <p:cNvCxnSpPr>
+            <a:cxnSpLocks/>
+          </p:cNvCxnSpPr>
+          <p:nvPr/>
+        </p:nvCxnSpPr>
+        <p:spPr>
+          <a:xfrm>
+            <a:off x="2468443" y="3024687"/>
+            <a:ext cx="1298178" cy="12500"/>
+          </a:xfrm>
+          <a:prstGeom prst="straightConnector1">
+            <a:avLst/>
+          </a:prstGeom>
+          <a:ln w="19050">
+            <a:solidFill>
+              <a:srgbClr val="0070C0"/>
+            </a:solidFill>
+            <a:prstDash val="sysDash"/>
+            <a:headEnd type="arrow" w="med" len="med"/>
+            <a:tailEnd type="none" w="med" len="med"/>
+          </a:ln>
+        </p:spPr>
+        <p:style>
+          <a:lnRef idx="1">
+            <a:schemeClr val="accent1"/>
+          </a:lnRef>
+          <a:fillRef idx="0">
+            <a:schemeClr val="accent1"/>
+          </a:fillRef>
+          <a:effectRef idx="0">
+            <a:schemeClr val="accent1"/>
+          </a:effectRef>
+          <a:fontRef idx="minor">
+            <a:schemeClr val="tx1"/>
+          </a:fontRef>
+        </p:style>
+      </p:cxnSp>
+      <p:sp>
+        <p:nvSpPr>
+          <p:cNvPr id="4" name="TextBox 3"/>
           <p:cNvSpPr txBox="1"/>
           <p:nvPr/>
         </p:nvSpPr>
         <p:spPr>
           <a:xfrm>
-            <a:off x="2673845" y="4027787"/>
-            <a:ext cx="220343" cy="215444"/>
+            <a:off x="3741553" y="3663267"/>
+            <a:ext cx="278515" cy="261610"/>
+          </a:xfrm>
+          <a:prstGeom prst="rect">
+            <a:avLst/>
+          </a:prstGeom>
+          <a:noFill/>
+        </p:spPr>
+        <p:txBody>
+          <a:bodyPr wrap="square" rtlCol="0">
+            <a:spAutoFit/>
+          </a:bodyPr>
+          <a:lstStyle/>
+          <a:p>
+            <a:r>
+              <a:rPr lang="en-SG" sz="1100" dirty="0">
+                <a:solidFill>
+                  <a:srgbClr val="002060"/>
+                </a:solidFill>
+              </a:rPr>
+              <a:t>X</a:t>
+            </a:r>
+          </a:p>
+        </p:txBody>
+      </p:sp>
+      <p:cxnSp>
+        <p:nvCxnSpPr>
+          <p:cNvPr id="74" name="Straight Connector 70">
+            <a:extLst>
+              <a:ext uri="{FF2B5EF4-FFF2-40B4-BE49-F238E27FC236}">
+                <a16:creationId xmlns:a16="http://schemas.microsoft.com/office/drawing/2014/main" id="{3C5E4B8D-C49A-FF4C-B2DF-24E2514AB45D}"/>
+              </a:ext>
+            </a:extLst>
+          </p:cNvPr>
+          <p:cNvCxnSpPr>
+            <a:cxnSpLocks/>
+          </p:cNvCxnSpPr>
+          <p:nvPr/>
+        </p:nvCxnSpPr>
+        <p:spPr>
+          <a:xfrm>
+            <a:off x="6286336" y="3334211"/>
+            <a:ext cx="0" cy="1635994"/>
+          </a:xfrm>
+          <a:prstGeom prst="line">
+            <a:avLst/>
+          </a:prstGeom>
+          <a:ln w="19050">
+            <a:solidFill>
+              <a:schemeClr val="accent4">
+                <a:lumMod val="60000"/>
+                <a:lumOff val="40000"/>
+              </a:schemeClr>
+            </a:solidFill>
+            <a:prstDash val="sysDash"/>
+          </a:ln>
+          <a:effectLst/>
+        </p:spPr>
+        <p:style>
+          <a:lnRef idx="1">
+            <a:schemeClr val="accent1"/>
+          </a:lnRef>
+          <a:fillRef idx="2">
+            <a:schemeClr val="accent1"/>
+          </a:fillRef>
+          <a:effectRef idx="1">
+            <a:schemeClr val="accent1"/>
+          </a:effectRef>
+          <a:fontRef idx="minor">
+            <a:schemeClr val="dk1"/>
+          </a:fontRef>
+        </p:style>
+      </p:cxnSp>
+      <p:sp>
+        <p:nvSpPr>
+          <p:cNvPr id="85" name="Rectangle 72">
+            <a:extLst>
+              <a:ext uri="{FF2B5EF4-FFF2-40B4-BE49-F238E27FC236}">
+                <a16:creationId xmlns:a16="http://schemas.microsoft.com/office/drawing/2014/main" id="{3A77499D-19EC-794E-A5C5-26EFCB5ED155}"/>
+              </a:ext>
+            </a:extLst>
+          </p:cNvPr>
+          <p:cNvSpPr/>
+          <p:nvPr/>
+        </p:nvSpPr>
+        <p:spPr>
+          <a:xfrm>
+            <a:off x="6179208" y="3887158"/>
+            <a:ext cx="163540" cy="303842"/>
+          </a:xfrm>
+          <a:prstGeom prst="rect">
+            <a:avLst/>
+          </a:prstGeom>
+          <a:solidFill>
+            <a:schemeClr val="accent4">
+              <a:lumMod val="60000"/>
+              <a:lumOff val="40000"/>
+            </a:schemeClr>
+          </a:solidFill>
+          <a:ln>
+            <a:solidFill>
+              <a:schemeClr val="accent4">
+                <a:lumMod val="60000"/>
+                <a:lumOff val="40000"/>
+              </a:schemeClr>
+            </a:solidFill>
+          </a:ln>
+          <a:effectLst/>
+        </p:spPr>
+        <p:style>
+          <a:lnRef idx="1">
+            <a:schemeClr val="accent3"/>
+          </a:lnRef>
+          <a:fillRef idx="2">
+            <a:schemeClr val="accent3"/>
+          </a:fillRef>
+          <a:effectRef idx="1">
+            <a:schemeClr val="accent3"/>
+          </a:effectRef>
+          <a:fontRef idx="minor">
+            <a:schemeClr val="dk1"/>
+          </a:fontRef>
+        </p:style>
+        <p:txBody>
+          <a:bodyPr rtlCol="0" anchor="ctr"/>
+          <a:lstStyle/>
+          <a:p>
+            <a:pPr algn="ctr"/>
+            <a:endParaRPr lang="en-SG" sz="1400">
+              <a:solidFill>
+                <a:schemeClr val="dk1"/>
+              </a:solidFill>
+            </a:endParaRPr>
+          </a:p>
+        </p:txBody>
+      </p:sp>
+      <p:cxnSp>
+        <p:nvCxnSpPr>
+          <p:cNvPr id="87" name="Straight Arrow Connector 75">
+            <a:extLst>
+              <a:ext uri="{FF2B5EF4-FFF2-40B4-BE49-F238E27FC236}">
+                <a16:creationId xmlns:a16="http://schemas.microsoft.com/office/drawing/2014/main" id="{7CF7ECA5-86DB-CF42-9365-87754163FDB3}"/>
+              </a:ext>
+            </a:extLst>
+          </p:cNvPr>
+          <p:cNvCxnSpPr>
+            <a:cxnSpLocks/>
+            <a:endCxn id="85" idx="2"/>
+          </p:cNvCxnSpPr>
+          <p:nvPr/>
+        </p:nvCxnSpPr>
+        <p:spPr>
+          <a:xfrm flipV="1">
+            <a:off x="5088152" y="4191000"/>
+            <a:ext cx="1172826" cy="11922"/>
+          </a:xfrm>
+          <a:prstGeom prst="straightConnector1">
+            <a:avLst/>
+          </a:prstGeom>
+          <a:ln w="19050">
+            <a:solidFill>
+              <a:schemeClr val="accent4">
+                <a:lumMod val="60000"/>
+                <a:lumOff val="40000"/>
+              </a:schemeClr>
+            </a:solidFill>
+            <a:prstDash val="sysDash"/>
+            <a:headEnd type="arrow" w="med" len="med"/>
+            <a:tailEnd type="none" w="med" len="med"/>
+          </a:ln>
+        </p:spPr>
+        <p:style>
+          <a:lnRef idx="1">
+            <a:schemeClr val="accent1"/>
+          </a:lnRef>
+          <a:fillRef idx="0">
+            <a:schemeClr val="accent1"/>
+          </a:fillRef>
+          <a:effectRef idx="0">
+            <a:schemeClr val="accent1"/>
+          </a:effectRef>
+          <a:fontRef idx="minor">
+            <a:schemeClr val="tx1"/>
+          </a:fontRef>
+        </p:style>
+      </p:cxnSp>
+      <p:sp>
+        <p:nvSpPr>
+          <p:cNvPr id="88" name="Rectangle 62">
+            <a:extLst>
+              <a:ext uri="{FF2B5EF4-FFF2-40B4-BE49-F238E27FC236}">
+                <a16:creationId xmlns:a16="http://schemas.microsoft.com/office/drawing/2014/main" id="{F7BA9BAF-B03F-A340-B807-FCD99F49A49E}"/>
+              </a:ext>
+            </a:extLst>
+          </p:cNvPr>
+          <p:cNvSpPr/>
+          <p:nvPr/>
+        </p:nvSpPr>
+        <p:spPr>
+          <a:xfrm>
+            <a:off x="7020246" y="2716366"/>
+            <a:ext cx="653648" cy="231455"/>
+          </a:xfrm>
+          <a:prstGeom prst="rect">
+            <a:avLst/>
+          </a:prstGeom>
+          <a:solidFill>
+            <a:schemeClr val="accent4">
+              <a:lumMod val="60000"/>
+              <a:lumOff val="40000"/>
+            </a:schemeClr>
+          </a:solidFill>
+          <a:ln w="19050">
+            <a:solidFill>
+              <a:schemeClr val="accent4">
+                <a:lumMod val="60000"/>
+                <a:lumOff val="40000"/>
+              </a:schemeClr>
+            </a:solidFill>
+          </a:ln>
+          <a:effectLst/>
+        </p:spPr>
+        <p:style>
+          <a:lnRef idx="1">
+            <a:schemeClr val="accent2"/>
+          </a:lnRef>
+          <a:fillRef idx="2">
+            <a:schemeClr val="accent2"/>
+          </a:fillRef>
+          <a:effectRef idx="1">
+            <a:schemeClr val="accent2"/>
+          </a:effectRef>
+          <a:fontRef idx="minor">
+            <a:schemeClr val="dk1"/>
+          </a:fontRef>
+        </p:style>
+        <p:txBody>
+          <a:bodyPr rtlCol="0" anchor="ctr"/>
+          <a:lstStyle/>
+          <a:p>
+            <a:pPr algn="ctr"/>
+            <a:r>
+              <a:rPr lang="en-US" sz="1200" dirty="0">
+                <a:solidFill>
+                  <a:schemeClr val="bg1"/>
+                </a:solidFill>
+              </a:rPr>
+              <a:t>:Model</a:t>
+            </a:r>
+            <a:endParaRPr lang="en-SG" sz="1200" dirty="0">
+              <a:solidFill>
+                <a:schemeClr val="bg1"/>
+              </a:solidFill>
+            </a:endParaRPr>
+          </a:p>
+        </p:txBody>
+      </p:sp>
+      <p:sp>
+        <p:nvSpPr>
+          <p:cNvPr id="89" name="TextBox 77">
+            <a:extLst>
+              <a:ext uri="{FF2B5EF4-FFF2-40B4-BE49-F238E27FC236}">
+                <a16:creationId xmlns:a16="http://schemas.microsoft.com/office/drawing/2014/main" id="{093278BE-0289-F347-B6D7-0B94514EC160}"/>
+              </a:ext>
+            </a:extLst>
+          </p:cNvPr>
+          <p:cNvSpPr txBox="1"/>
+          <p:nvPr/>
+        </p:nvSpPr>
+        <p:spPr>
+          <a:xfrm rot="10800000" flipV="1">
+            <a:off x="5235760" y="4183944"/>
+            <a:ext cx="540859" cy="153888"/>
           </a:xfrm>
           <a:prstGeom prst="rect">
             <a:avLst/>
@@ -5030,22 +5787,122 @@
           </a:lstStyle>
           <a:p>
             <a:r>
-              <a:rPr lang="en-US" dirty="0"/>
-              <a:t>d</a:t>
-            </a:r>
-          </a:p>
-        </p:txBody>
-      </p:sp>
-      <p:sp>
-        <p:nvSpPr>
-          <p:cNvPr id="40" name="Rectangle 62"/>
+              <a:rPr lang="en-US" sz="1000" dirty="0">
+                <a:solidFill>
+                  <a:srgbClr val="7030A0"/>
+                </a:solidFill>
+              </a:rPr>
+              <a:t>q</a:t>
+            </a:r>
+          </a:p>
+        </p:txBody>
+      </p:sp>
+      <p:cxnSp>
+        <p:nvCxnSpPr>
+          <p:cNvPr id="91" name="Straight Arrow Connector 74">
+            <a:extLst>
+              <a:ext uri="{FF2B5EF4-FFF2-40B4-BE49-F238E27FC236}">
+                <a16:creationId xmlns:a16="http://schemas.microsoft.com/office/drawing/2014/main" id="{C03ABABB-0272-4C4A-9E08-568D3C87CA72}"/>
+              </a:ext>
+            </a:extLst>
+          </p:cNvPr>
+          <p:cNvCxnSpPr>
+            <a:cxnSpLocks/>
+          </p:cNvCxnSpPr>
+          <p:nvPr/>
+        </p:nvCxnSpPr>
+        <p:spPr>
+          <a:xfrm>
+            <a:off x="5051485" y="4334846"/>
+            <a:ext cx="2202220" cy="2987"/>
+          </a:xfrm>
+          <a:prstGeom prst="straightConnector1">
+            <a:avLst/>
+          </a:prstGeom>
+          <a:ln w="19050">
+            <a:solidFill>
+              <a:srgbClr val="0070C0"/>
+            </a:solidFill>
+            <a:tailEnd type="arrow"/>
+          </a:ln>
+        </p:spPr>
+        <p:style>
+          <a:lnRef idx="1">
+            <a:schemeClr val="accent1"/>
+          </a:lnRef>
+          <a:fillRef idx="0">
+            <a:schemeClr val="accent1"/>
+          </a:fillRef>
+          <a:effectRef idx="0">
+            <a:schemeClr val="accent1"/>
+          </a:effectRef>
+          <a:fontRef idx="minor">
+            <a:schemeClr val="tx1"/>
+          </a:fontRef>
+        </p:style>
+      </p:cxnSp>
+      <p:sp>
+        <p:nvSpPr>
+          <p:cNvPr id="78" name="TextBox 77"/>
+          <p:cNvSpPr txBox="1"/>
+          <p:nvPr/>
+        </p:nvSpPr>
+        <p:spPr>
+          <a:xfrm>
+            <a:off x="5060096" y="4339566"/>
+            <a:ext cx="1424846" cy="138499"/>
+          </a:xfrm>
+          <a:prstGeom prst="rect">
+            <a:avLst/>
+          </a:prstGeom>
+          <a:noFill/>
+        </p:spPr>
+        <p:txBody>
+          <a:bodyPr wrap="square" lIns="0" tIns="0" rIns="0" bIns="0" rtlCol="0">
+            <a:spAutoFit/>
+          </a:bodyPr>
+          <a:lstStyle>
+            <a:defPPr>
+              <a:defRPr lang="en-US"/>
+            </a:defPPr>
+            <a:lvl1pPr algn="r">
+              <a:defRPr sz="1400">
+                <a:solidFill>
+                  <a:srgbClr val="0070C0"/>
+                </a:solidFill>
+              </a:defRPr>
+            </a:lvl1pPr>
+          </a:lstStyle>
+          <a:p>
+            <a:r>
+              <a:rPr lang="en-US" sz="900" dirty="0" err="1">
+                <a:solidFill>
+                  <a:srgbClr val="7030A0"/>
+                </a:solidFill>
+              </a:rPr>
+              <a:t>updatePerson</a:t>
+            </a:r>
+            <a:r>
+              <a:rPr lang="en-US" sz="900" dirty="0">
+                <a:solidFill>
+                  <a:srgbClr val="7030A0"/>
+                </a:solidFill>
+              </a:rPr>
+              <a:t>(p)</a:t>
+            </a:r>
+          </a:p>
+        </p:txBody>
+      </p:sp>
+      <p:sp>
+        <p:nvSpPr>
+          <p:cNvPr id="84" name="Rectangle 62"/>
           <p:cNvSpPr/>
           <p:nvPr/>
         </p:nvSpPr>
         <p:spPr>
           <a:xfrm>
-            <a:off x="4231981" y="2929839"/>
-            <a:ext cx="1778201" cy="432035"/>
+            <a:off x="5323187" y="4608294"/>
+            <a:ext cx="1244974" cy="331418"/>
           </a:xfrm>
           <a:prstGeom prst="rect">
             <a:avLst/>
@@ -5080,395 +5937,33 @@
           <a:p>
             <a:pPr algn="ctr"/>
             <a:r>
-              <a:rPr lang="en-US" sz="1600" dirty="0">
+              <a:rPr lang="en-US" sz="1200" dirty="0" err="1">
                 <a:solidFill>
                   <a:schemeClr val="bg1"/>
                 </a:solidFill>
               </a:rPr>
-              <a:t>:</a:t>
-            </a:r>
-            <a:r>
-              <a:rPr lang="en-US" sz="1600" dirty="0" err="1">
+              <a:t>result:Command</a:t>
+            </a:r>
+            <a:r>
+              <a:rPr lang="en-US" sz="1200" dirty="0">
                 <a:solidFill>
                   <a:schemeClr val="bg1"/>
                 </a:solidFill>
               </a:rPr>
-              <a:t>DeleteCommand</a:t>
-            </a:r>
-            <a:endParaRPr lang="en-US" sz="1600" dirty="0">
+              <a:t> Result</a:t>
+            </a:r>
+            <a:endParaRPr lang="en-SG" sz="1200" dirty="0">
               <a:solidFill>
                 <a:schemeClr val="bg1"/>
               </a:solidFill>
             </a:endParaRPr>
           </a:p>
-          <a:p>
-            <a:pPr algn="ctr"/>
-            <a:r>
-              <a:rPr lang="en-US" sz="1600" dirty="0">
-                <a:solidFill>
-                  <a:schemeClr val="bg1"/>
-                </a:solidFill>
-              </a:rPr>
-              <a:t>Parser</a:t>
-            </a:r>
-            <a:endParaRPr lang="en-SG" sz="1600" dirty="0">
-              <a:solidFill>
-                <a:schemeClr val="bg1"/>
-              </a:solidFill>
-            </a:endParaRPr>
-          </a:p>
-        </p:txBody>
-      </p:sp>
-      <p:cxnSp>
-        <p:nvCxnSpPr>
-          <p:cNvPr id="8" name="Straight Arrow Connector 7"/>
-          <p:cNvCxnSpPr/>
-          <p:nvPr/>
-        </p:nvCxnSpPr>
-        <p:spPr>
-          <a:xfrm>
-            <a:off x="3462591" y="3657600"/>
-            <a:ext cx="1597356" cy="1"/>
-          </a:xfrm>
-          <a:prstGeom prst="straightConnector1">
-            <a:avLst/>
-          </a:prstGeom>
-          <a:ln w="19050">
-            <a:headEnd type="none" w="med" len="med"/>
-            <a:tailEnd type="arrow" w="med" len="med"/>
-          </a:ln>
-        </p:spPr>
-        <p:style>
-          <a:lnRef idx="1">
-            <a:schemeClr val="accent1"/>
-          </a:lnRef>
-          <a:fillRef idx="0">
-            <a:schemeClr val="accent1"/>
-          </a:fillRef>
-          <a:effectRef idx="0">
-            <a:schemeClr val="accent1"/>
-          </a:effectRef>
-          <a:fontRef idx="minor">
-            <a:schemeClr val="tx1"/>
-          </a:fontRef>
-        </p:style>
-      </p:cxnSp>
-      <p:sp>
-        <p:nvSpPr>
-          <p:cNvPr id="45" name="Rectangle 44"/>
-          <p:cNvSpPr/>
-          <p:nvPr/>
-        </p:nvSpPr>
-        <p:spPr>
-          <a:xfrm>
-            <a:off x="5059947" y="3352800"/>
-            <a:ext cx="205843" cy="123165"/>
-          </a:xfrm>
-          <a:prstGeom prst="rect">
-            <a:avLst/>
-          </a:prstGeom>
-          <a:solidFill>
-            <a:srgbClr val="0070C0"/>
-          </a:solidFill>
-          <a:ln>
-            <a:solidFill>
-              <a:srgbClr val="0070C0"/>
-            </a:solidFill>
-          </a:ln>
-          <a:effectLst/>
-        </p:spPr>
-        <p:style>
-          <a:lnRef idx="1">
-            <a:schemeClr val="accent3"/>
-          </a:lnRef>
-          <a:fillRef idx="2">
-            <a:schemeClr val="accent3"/>
-          </a:fillRef>
-          <a:effectRef idx="1">
-            <a:schemeClr val="accent3"/>
-          </a:effectRef>
-          <a:fontRef idx="minor">
-            <a:schemeClr val="dk1"/>
-          </a:fontRef>
-        </p:style>
-        <p:txBody>
-          <a:bodyPr rtlCol="0" anchor="ctr"/>
-          <a:lstStyle/>
-          <a:p>
-            <a:pPr algn="ctr"/>
-            <a:endParaRPr lang="en-SG" sz="1400"/>
-          </a:p>
-        </p:txBody>
-      </p:sp>
-      <p:cxnSp>
-        <p:nvCxnSpPr>
-          <p:cNvPr id="46" name="Straight Connector 45"/>
-          <p:cNvCxnSpPr>
-            <a:stCxn id="45" idx="0"/>
-          </p:cNvCxnSpPr>
-          <p:nvPr/>
-        </p:nvCxnSpPr>
-        <p:spPr>
-          <a:xfrm>
-            <a:off x="5162869" y="3352800"/>
-            <a:ext cx="0" cy="990600"/>
-          </a:xfrm>
-          <a:prstGeom prst="line">
-            <a:avLst/>
-          </a:prstGeom>
-          <a:ln w="19050">
-            <a:solidFill>
-              <a:srgbClr val="0070C0"/>
-            </a:solidFill>
-            <a:prstDash val="sysDash"/>
-          </a:ln>
-          <a:effectLst/>
-        </p:spPr>
-        <p:style>
-          <a:lnRef idx="1">
-            <a:schemeClr val="accent1"/>
-          </a:lnRef>
-          <a:fillRef idx="2">
-            <a:schemeClr val="accent1"/>
-          </a:fillRef>
-          <a:effectRef idx="1">
-            <a:schemeClr val="accent1"/>
-          </a:effectRef>
-          <a:fontRef idx="minor">
-            <a:schemeClr val="dk1"/>
-          </a:fontRef>
-        </p:style>
-      </p:cxnSp>
-      <p:sp>
-        <p:nvSpPr>
-          <p:cNvPr id="49" name="Rectangle 48"/>
-          <p:cNvSpPr/>
-          <p:nvPr/>
-        </p:nvSpPr>
-        <p:spPr>
-          <a:xfrm>
-            <a:off x="5059947" y="3657601"/>
-            <a:ext cx="205843" cy="533400"/>
-          </a:xfrm>
-          <a:prstGeom prst="rect">
-            <a:avLst/>
-          </a:prstGeom>
-          <a:solidFill>
-            <a:srgbClr val="0070C0"/>
-          </a:solidFill>
-          <a:ln>
-            <a:solidFill>
-              <a:srgbClr val="0070C0"/>
-            </a:solidFill>
-          </a:ln>
-          <a:effectLst/>
-        </p:spPr>
-        <p:style>
-          <a:lnRef idx="1">
-            <a:schemeClr val="accent3"/>
-          </a:lnRef>
-          <a:fillRef idx="2">
-            <a:schemeClr val="accent3"/>
-          </a:fillRef>
-          <a:effectRef idx="1">
-            <a:schemeClr val="accent3"/>
-          </a:effectRef>
-          <a:fontRef idx="minor">
-            <a:schemeClr val="dk1"/>
-          </a:fontRef>
-        </p:style>
-        <p:txBody>
-          <a:bodyPr rtlCol="0" anchor="ctr"/>
-          <a:lstStyle/>
-          <a:p>
-            <a:pPr algn="ctr"/>
-            <a:endParaRPr lang="en-SG" sz="1400"/>
-          </a:p>
-        </p:txBody>
-      </p:sp>
-      <p:cxnSp>
-        <p:nvCxnSpPr>
-          <p:cNvPr id="51" name="Straight Arrow Connector 50"/>
-          <p:cNvCxnSpPr/>
-          <p:nvPr/>
-        </p:nvCxnSpPr>
-        <p:spPr>
-          <a:xfrm>
-            <a:off x="3499382" y="4185073"/>
-            <a:ext cx="1667219" cy="0"/>
-          </a:xfrm>
-          <a:prstGeom prst="straightConnector1">
-            <a:avLst/>
-          </a:prstGeom>
-          <a:ln w="19050">
-            <a:solidFill>
-              <a:srgbClr val="0070C0"/>
-            </a:solidFill>
-            <a:prstDash val="sysDash"/>
-            <a:headEnd type="arrow" w="med" len="med"/>
-            <a:tailEnd type="none" w="med" len="med"/>
-          </a:ln>
-        </p:spPr>
-        <p:style>
-          <a:lnRef idx="1">
-            <a:schemeClr val="accent1"/>
-          </a:lnRef>
-          <a:fillRef idx="0">
-            <a:schemeClr val="accent1"/>
-          </a:fillRef>
-          <a:effectRef idx="0">
-            <a:schemeClr val="accent1"/>
-          </a:effectRef>
-          <a:fontRef idx="minor">
-            <a:schemeClr val="tx1"/>
-          </a:fontRef>
-        </p:style>
-      </p:cxnSp>
-      <p:cxnSp>
-        <p:nvCxnSpPr>
-          <p:cNvPr id="13" name="Straight Arrow Connector 12"/>
-          <p:cNvCxnSpPr/>
-          <p:nvPr/>
-        </p:nvCxnSpPr>
-        <p:spPr>
-          <a:xfrm>
-            <a:off x="6858000" y="5029200"/>
-            <a:ext cx="162246" cy="0"/>
-          </a:xfrm>
-          <a:prstGeom prst="straightConnector1">
-            <a:avLst/>
-          </a:prstGeom>
-          <a:ln w="19050">
-            <a:headEnd type="none" w="med" len="med"/>
-            <a:tailEnd type="arrow" w="med" len="med"/>
-          </a:ln>
-        </p:spPr>
-        <p:style>
-          <a:lnRef idx="1">
-            <a:schemeClr val="accent1"/>
-          </a:lnRef>
-          <a:fillRef idx="0">
-            <a:schemeClr val="accent1"/>
-          </a:fillRef>
-          <a:effectRef idx="0">
-            <a:schemeClr val="accent1"/>
-          </a:effectRef>
-          <a:fontRef idx="minor">
-            <a:schemeClr val="tx1"/>
-          </a:fontRef>
-        </p:style>
-      </p:cxnSp>
-      <p:cxnSp>
-        <p:nvCxnSpPr>
-          <p:cNvPr id="50" name="Straight Arrow Connector 49"/>
-          <p:cNvCxnSpPr/>
-          <p:nvPr/>
-        </p:nvCxnSpPr>
-        <p:spPr>
-          <a:xfrm>
-            <a:off x="3412425" y="3173004"/>
-            <a:ext cx="819556" cy="1"/>
-          </a:xfrm>
-          <a:prstGeom prst="straightConnector1">
-            <a:avLst/>
-          </a:prstGeom>
-          <a:ln w="19050">
-            <a:solidFill>
-              <a:srgbClr val="0070C0"/>
-            </a:solidFill>
-            <a:tailEnd type="arrow"/>
-          </a:ln>
-        </p:spPr>
-        <p:style>
-          <a:lnRef idx="1">
-            <a:schemeClr val="accent1"/>
-          </a:lnRef>
-          <a:fillRef idx="0">
-            <a:schemeClr val="accent1"/>
-          </a:fillRef>
-          <a:effectRef idx="0">
-            <a:schemeClr val="accent1"/>
-          </a:effectRef>
-          <a:fontRef idx="minor">
-            <a:schemeClr val="tx1"/>
-          </a:fontRef>
-        </p:style>
-      </p:cxnSp>
-      <p:cxnSp>
-        <p:nvCxnSpPr>
-          <p:cNvPr id="52" name="Straight Arrow Connector 51"/>
-          <p:cNvCxnSpPr/>
-          <p:nvPr/>
-        </p:nvCxnSpPr>
-        <p:spPr>
-          <a:xfrm>
-            <a:off x="3459519" y="3475965"/>
-            <a:ext cx="1600428" cy="0"/>
-          </a:xfrm>
-          <a:prstGeom prst="straightConnector1">
-            <a:avLst/>
-          </a:prstGeom>
-          <a:ln w="19050">
-            <a:solidFill>
-              <a:srgbClr val="0070C0"/>
-            </a:solidFill>
-            <a:prstDash val="sysDash"/>
-            <a:headEnd type="arrow" w="med" len="med"/>
-            <a:tailEnd type="none" w="med" len="med"/>
-          </a:ln>
-        </p:spPr>
-        <p:style>
-          <a:lnRef idx="1">
-            <a:schemeClr val="accent1"/>
-          </a:lnRef>
-          <a:fillRef idx="0">
-            <a:schemeClr val="accent1"/>
-          </a:fillRef>
-          <a:effectRef idx="0">
-            <a:schemeClr val="accent1"/>
-          </a:effectRef>
-          <a:fontRef idx="minor">
-            <a:schemeClr val="tx1"/>
-          </a:fontRef>
-        </p:style>
-      </p:cxnSp>
-      <p:sp>
-        <p:nvSpPr>
-          <p:cNvPr id="4" name="TextBox 3"/>
-          <p:cNvSpPr txBox="1"/>
-          <p:nvPr/>
-        </p:nvSpPr>
-        <p:spPr>
-          <a:xfrm>
-            <a:off x="5033665" y="4199590"/>
-            <a:ext cx="258404" cy="261610"/>
-          </a:xfrm>
-          <a:prstGeom prst="rect">
-            <a:avLst/>
-          </a:prstGeom>
-          <a:noFill/>
-        </p:spPr>
-        <p:txBody>
-          <a:bodyPr wrap="none" rtlCol="0">
-            <a:spAutoFit/>
-          </a:bodyPr>
-          <a:lstStyle/>
-          <a:p>
-            <a:r>
-              <a:rPr lang="en-SG" sz="1100" dirty="0">
-                <a:solidFill>
-                  <a:srgbClr val="002060"/>
-                </a:solidFill>
-              </a:rPr>
-              <a:t>X</a:t>
-            </a:r>
-          </a:p>
         </p:txBody>
       </p:sp>
     </p:spTree>
     <p:extLst>
       <p:ext uri="{BB962C8B-B14F-4D97-AF65-F5344CB8AC3E}">
-        <p14:creationId xmlns:p14="http://schemas.microsoft.com/office/powerpoint/2010/main" val="3945898909"/>
+        <p14:creationId xmlns:p14="http://schemas.microsoft.com/office/powerpoint/2010/main" val="2876103528"/>
       </p:ext>
     </p:extLst>
   </p:cSld>

--- a/docs/diagrams/LogicComponentSequenceDiagram.pptx
+++ b/docs/diagrams/LogicComponentSequenceDiagram.pptx
@@ -126,10 +126,6 @@
 </p:presentation>
 </file>
 
-<file path=ppt/revisionInfo.xml><?xml version="1.0" encoding="utf-8"?>
-<p1510:revInfo xmlns:a="http://schemas.openxmlformats.org/drawingml/2006/main" xmlns:r="http://schemas.openxmlformats.org/officeDocument/2006/relationships" xmlns:p1510="http://schemas.microsoft.com/office/powerpoint/2015/10/main"/>
-</file>
-
 <file path=ppt/notesMasters/notesMaster1.xml><?xml version="1.0" encoding="utf-8"?>
 <p:notesMaster xmlns:a="http://schemas.openxmlformats.org/drawingml/2006/main" xmlns:r="http://schemas.openxmlformats.org/officeDocument/2006/relationships" xmlns:p="http://schemas.openxmlformats.org/presentationml/2006/main">
   <p:cSld>
@@ -212,7 +208,7 @@
           <a:p>
             <a:fld id="{F5CC4B3F-88C1-4FFA-B1B6-F41C21DC6924}" type="datetimeFigureOut">
               <a:rPr lang="en-US" smtClean="0"/>
-              <a:t>7/11/2017</a:t>
+              <a:t>10/25/2018</a:t>
             </a:fld>
             <a:endParaRPr lang="en-US"/>
           </a:p>
@@ -658,7 +654,7 @@
           <a:p>
             <a:fld id="{78C97017-6FC3-485B-9764-EAC9E56C1D49}" type="datetimeFigureOut">
               <a:rPr lang="en-US" smtClean="0"/>
-              <a:t>7/11/2017</a:t>
+              <a:t>10/25/2018</a:t>
             </a:fld>
             <a:endParaRPr lang="en-US"/>
           </a:p>
@@ -826,7 +822,7 @@
           <a:p>
             <a:fld id="{78C97017-6FC3-485B-9764-EAC9E56C1D49}" type="datetimeFigureOut">
               <a:rPr lang="en-US" smtClean="0"/>
-              <a:t>7/11/2017</a:t>
+              <a:t>10/25/2018</a:t>
             </a:fld>
             <a:endParaRPr lang="en-US"/>
           </a:p>
@@ -1004,7 +1000,7 @@
           <a:p>
             <a:fld id="{78C97017-6FC3-485B-9764-EAC9E56C1D49}" type="datetimeFigureOut">
               <a:rPr lang="en-US" smtClean="0"/>
-              <a:t>7/11/2017</a:t>
+              <a:t>10/25/2018</a:t>
             </a:fld>
             <a:endParaRPr lang="en-US"/>
           </a:p>
@@ -1172,7 +1168,7 @@
           <a:p>
             <a:fld id="{78C97017-6FC3-485B-9764-EAC9E56C1D49}" type="datetimeFigureOut">
               <a:rPr lang="en-US" smtClean="0"/>
-              <a:t>7/11/2017</a:t>
+              <a:t>10/25/2018</a:t>
             </a:fld>
             <a:endParaRPr lang="en-US"/>
           </a:p>
@@ -1417,7 +1413,7 @@
           <a:p>
             <a:fld id="{78C97017-6FC3-485B-9764-EAC9E56C1D49}" type="datetimeFigureOut">
               <a:rPr lang="en-US" smtClean="0"/>
-              <a:t>7/11/2017</a:t>
+              <a:t>10/25/2018</a:t>
             </a:fld>
             <a:endParaRPr lang="en-US"/>
           </a:p>
@@ -1702,7 +1698,7 @@
           <a:p>
             <a:fld id="{78C97017-6FC3-485B-9764-EAC9E56C1D49}" type="datetimeFigureOut">
               <a:rPr lang="en-US" smtClean="0"/>
-              <a:t>7/11/2017</a:t>
+              <a:t>10/25/2018</a:t>
             </a:fld>
             <a:endParaRPr lang="en-US"/>
           </a:p>
@@ -2121,7 +2117,7 @@
           <a:p>
             <a:fld id="{78C97017-6FC3-485B-9764-EAC9E56C1D49}" type="datetimeFigureOut">
               <a:rPr lang="en-US" smtClean="0"/>
-              <a:t>7/11/2017</a:t>
+              <a:t>10/25/2018</a:t>
             </a:fld>
             <a:endParaRPr lang="en-US"/>
           </a:p>
@@ -2238,7 +2234,7 @@
           <a:p>
             <a:fld id="{78C97017-6FC3-485B-9764-EAC9E56C1D49}" type="datetimeFigureOut">
               <a:rPr lang="en-US" smtClean="0"/>
-              <a:t>7/11/2017</a:t>
+              <a:t>10/25/2018</a:t>
             </a:fld>
             <a:endParaRPr lang="en-US"/>
           </a:p>
@@ -2333,7 +2329,7 @@
           <a:p>
             <a:fld id="{78C97017-6FC3-485B-9764-EAC9E56C1D49}" type="datetimeFigureOut">
               <a:rPr lang="en-US" smtClean="0"/>
-              <a:t>7/11/2017</a:t>
+              <a:t>10/25/2018</a:t>
             </a:fld>
             <a:endParaRPr lang="en-US"/>
           </a:p>
@@ -2608,7 +2604,7 @@
           <a:p>
             <a:fld id="{78C97017-6FC3-485B-9764-EAC9E56C1D49}" type="datetimeFigureOut">
               <a:rPr lang="en-US" smtClean="0"/>
-              <a:t>7/11/2017</a:t>
+              <a:t>10/25/2018</a:t>
             </a:fld>
             <a:endParaRPr lang="en-US"/>
           </a:p>
@@ -2860,7 +2856,7 @@
           <a:p>
             <a:fld id="{78C97017-6FC3-485B-9764-EAC9E56C1D49}" type="datetimeFigureOut">
               <a:rPr lang="en-US" smtClean="0"/>
-              <a:t>7/11/2017</a:t>
+              <a:t>10/25/2018</a:t>
             </a:fld>
             <a:endParaRPr lang="en-US"/>
           </a:p>
@@ -3071,7 +3067,7 @@
           <a:p>
             <a:fld id="{78C97017-6FC3-485B-9764-EAC9E56C1D49}" type="datetimeFigureOut">
               <a:rPr lang="en-US" smtClean="0"/>
-              <a:t>7/11/2017</a:t>
+              <a:t>10/25/2018</a:t>
             </a:fld>
             <a:endParaRPr lang="en-US"/>
           </a:p>
@@ -3707,18 +3703,15 @@
                   <a:schemeClr val="bg1"/>
                 </a:solidFill>
               </a:rPr>
-              <a:t>:Address</a:t>
-            </a:r>
-          </a:p>
-          <a:p>
-            <a:pPr algn="ctr"/>
+              <a:t>:</a:t>
+            </a:r>
             <a:r>
               <a:rPr lang="en-US" sz="1600" dirty="0" err="1">
                 <a:solidFill>
                   <a:schemeClr val="bg1"/>
                 </a:solidFill>
               </a:rPr>
-              <a:t>BookParser</a:t>
+              <a:t>SchedulerParser</a:t>
             </a:r>
             <a:endParaRPr lang="en-SG" sz="1600" dirty="0">
               <a:solidFill>
@@ -4671,7 +4664,7 @@
                   <a:srgbClr val="7030A0"/>
                 </a:solidFill>
               </a:rPr>
-              <a:t>deletePerson</a:t>
+              <a:t>deleteEvent</a:t>
             </a:r>
             <a:r>
               <a:rPr lang="en-US" dirty="0">
@@ -4679,7 +4672,7 @@
                   <a:srgbClr val="7030A0"/>
                 </a:solidFill>
               </a:rPr>
-              <a:t>(p)</a:t>
+              <a:t>(e)</a:t>
             </a:r>
           </a:p>
         </p:txBody>

--- a/docs/diagrams/LogicComponentSequenceDiagram.pptx
+++ b/docs/diagrams/LogicComponentSequenceDiagram.pptx
@@ -126,10 +126,6 @@
 </p:presentation>
 </file>
 
-<file path=ppt/revisionInfo.xml><?xml version="1.0" encoding="utf-8"?>
-<p1510:revInfo xmlns:a="http://schemas.openxmlformats.org/drawingml/2006/main" xmlns:r="http://schemas.openxmlformats.org/officeDocument/2006/relationships" xmlns:p1510="http://schemas.microsoft.com/office/powerpoint/2015/10/main"/>
-</file>
-
 <file path=ppt/notesMasters/notesMaster1.xml><?xml version="1.0" encoding="utf-8"?>
 <p:notesMaster xmlns:a="http://schemas.openxmlformats.org/drawingml/2006/main" xmlns:r="http://schemas.openxmlformats.org/officeDocument/2006/relationships" xmlns:p="http://schemas.openxmlformats.org/presentationml/2006/main">
   <p:cSld>
@@ -212,7 +208,7 @@
           <a:p>
             <a:fld id="{F5CC4B3F-88C1-4FFA-B1B6-F41C21DC6924}" type="datetimeFigureOut">
               <a:rPr lang="en-US" smtClean="0"/>
-              <a:t>7/11/2017</a:t>
+              <a:t>11/6/2018</a:t>
             </a:fld>
             <a:endParaRPr lang="en-US"/>
           </a:p>
@@ -658,7 +654,7 @@
           <a:p>
             <a:fld id="{78C97017-6FC3-485B-9764-EAC9E56C1D49}" type="datetimeFigureOut">
               <a:rPr lang="en-US" smtClean="0"/>
-              <a:t>7/11/2017</a:t>
+              <a:t>11/6/2018</a:t>
             </a:fld>
             <a:endParaRPr lang="en-US"/>
           </a:p>
@@ -826,7 +822,7 @@
           <a:p>
             <a:fld id="{78C97017-6FC3-485B-9764-EAC9E56C1D49}" type="datetimeFigureOut">
               <a:rPr lang="en-US" smtClean="0"/>
-              <a:t>7/11/2017</a:t>
+              <a:t>11/6/2018</a:t>
             </a:fld>
             <a:endParaRPr lang="en-US"/>
           </a:p>
@@ -1004,7 +1000,7 @@
           <a:p>
             <a:fld id="{78C97017-6FC3-485B-9764-EAC9E56C1D49}" type="datetimeFigureOut">
               <a:rPr lang="en-US" smtClean="0"/>
-              <a:t>7/11/2017</a:t>
+              <a:t>11/6/2018</a:t>
             </a:fld>
             <a:endParaRPr lang="en-US"/>
           </a:p>
@@ -1172,7 +1168,7 @@
           <a:p>
             <a:fld id="{78C97017-6FC3-485B-9764-EAC9E56C1D49}" type="datetimeFigureOut">
               <a:rPr lang="en-US" smtClean="0"/>
-              <a:t>7/11/2017</a:t>
+              <a:t>11/6/2018</a:t>
             </a:fld>
             <a:endParaRPr lang="en-US"/>
           </a:p>
@@ -1417,7 +1413,7 @@
           <a:p>
             <a:fld id="{78C97017-6FC3-485B-9764-EAC9E56C1D49}" type="datetimeFigureOut">
               <a:rPr lang="en-US" smtClean="0"/>
-              <a:t>7/11/2017</a:t>
+              <a:t>11/6/2018</a:t>
             </a:fld>
             <a:endParaRPr lang="en-US"/>
           </a:p>
@@ -1702,7 +1698,7 @@
           <a:p>
             <a:fld id="{78C97017-6FC3-485B-9764-EAC9E56C1D49}" type="datetimeFigureOut">
               <a:rPr lang="en-US" smtClean="0"/>
-              <a:t>7/11/2017</a:t>
+              <a:t>11/6/2018</a:t>
             </a:fld>
             <a:endParaRPr lang="en-US"/>
           </a:p>
@@ -2121,7 +2117,7 @@
           <a:p>
             <a:fld id="{78C97017-6FC3-485B-9764-EAC9E56C1D49}" type="datetimeFigureOut">
               <a:rPr lang="en-US" smtClean="0"/>
-              <a:t>7/11/2017</a:t>
+              <a:t>11/6/2018</a:t>
             </a:fld>
             <a:endParaRPr lang="en-US"/>
           </a:p>
@@ -2238,7 +2234,7 @@
           <a:p>
             <a:fld id="{78C97017-6FC3-485B-9764-EAC9E56C1D49}" type="datetimeFigureOut">
               <a:rPr lang="en-US" smtClean="0"/>
-              <a:t>7/11/2017</a:t>
+              <a:t>11/6/2018</a:t>
             </a:fld>
             <a:endParaRPr lang="en-US"/>
           </a:p>
@@ -2333,7 +2329,7 @@
           <a:p>
             <a:fld id="{78C97017-6FC3-485B-9764-EAC9E56C1D49}" type="datetimeFigureOut">
               <a:rPr lang="en-US" smtClean="0"/>
-              <a:t>7/11/2017</a:t>
+              <a:t>11/6/2018</a:t>
             </a:fld>
             <a:endParaRPr lang="en-US"/>
           </a:p>
@@ -2608,7 +2604,7 @@
           <a:p>
             <a:fld id="{78C97017-6FC3-485B-9764-EAC9E56C1D49}" type="datetimeFigureOut">
               <a:rPr lang="en-US" smtClean="0"/>
-              <a:t>7/11/2017</a:t>
+              <a:t>11/6/2018</a:t>
             </a:fld>
             <a:endParaRPr lang="en-US"/>
           </a:p>
@@ -2860,7 +2856,7 @@
           <a:p>
             <a:fld id="{78C97017-6FC3-485B-9764-EAC9E56C1D49}" type="datetimeFigureOut">
               <a:rPr lang="en-US" smtClean="0"/>
-              <a:t>7/11/2017</a:t>
+              <a:t>11/6/2018</a:t>
             </a:fld>
             <a:endParaRPr lang="en-US"/>
           </a:p>
@@ -3071,7 +3067,7 @@
           <a:p>
             <a:fld id="{78C97017-6FC3-485B-9764-EAC9E56C1D49}" type="datetimeFigureOut">
               <a:rPr lang="en-US" smtClean="0"/>
-              <a:t>7/11/2017</a:t>
+              <a:t>11/6/2018</a:t>
             </a:fld>
             <a:endParaRPr lang="en-US"/>
           </a:p>
@@ -3707,18 +3703,31 @@
                   <a:schemeClr val="bg1"/>
                 </a:solidFill>
               </a:rPr>
-              <a:t>:Address</a:t>
-            </a:r>
-          </a:p>
-          <a:p>
-            <a:pPr algn="ctr"/>
+              <a:t>:</a:t>
+            </a:r>
             <a:r>
               <a:rPr lang="en-US" sz="1600" dirty="0" err="1">
                 <a:solidFill>
                   <a:schemeClr val="bg1"/>
                 </a:solidFill>
               </a:rPr>
-              <a:t>BookParser</a:t>
+              <a:t>ArticleList</a:t>
+            </a:r>
+            <a:endParaRPr lang="en-US" sz="1600" dirty="0">
+              <a:solidFill>
+                <a:schemeClr val="bg1"/>
+              </a:solidFill>
+            </a:endParaRPr>
+          </a:p>
+          <a:p>
+            <a:pPr algn="ctr"/>
+            <a:r>
+              <a:rPr lang="en-US" sz="1600" dirty="0">
+                <a:solidFill>
+                  <a:schemeClr val="bg1"/>
+                </a:solidFill>
+              </a:rPr>
+              <a:t>Parser</a:t>
             </a:r>
             <a:endParaRPr lang="en-SG" sz="1600" dirty="0">
               <a:solidFill>
@@ -4671,7 +4680,7 @@
                   <a:srgbClr val="7030A0"/>
                 </a:solidFill>
               </a:rPr>
-              <a:t>deletePerson</a:t>
+              <a:t>deleteArticle</a:t>
             </a:r>
             <a:r>
               <a:rPr lang="en-US" dirty="0">
@@ -4679,7 +4688,7 @@
                   <a:srgbClr val="7030A0"/>
                 </a:solidFill>
               </a:rPr>
-              <a:t>(p)</a:t>
+              <a:t>(a)</a:t>
             </a:r>
           </a:p>
         </p:txBody>

--- a/docs/diagrams/LogicComponentSequenceDiagram.pptx
+++ b/docs/diagrams/LogicComponentSequenceDiagram.pptx
@@ -126,10 +126,6 @@
 </p:presentation>
 </file>
 
-<file path=ppt/revisionInfo.xml><?xml version="1.0" encoding="utf-8"?>
-<p1510:revInfo xmlns:a="http://schemas.openxmlformats.org/drawingml/2006/main" xmlns:r="http://schemas.openxmlformats.org/officeDocument/2006/relationships" xmlns:p1510="http://schemas.microsoft.com/office/powerpoint/2015/10/main"/>
-</file>
-
 <file path=ppt/notesMasters/notesMaster1.xml><?xml version="1.0" encoding="utf-8"?>
 <p:notesMaster xmlns:a="http://schemas.openxmlformats.org/drawingml/2006/main" xmlns:r="http://schemas.openxmlformats.org/officeDocument/2006/relationships" xmlns:p="http://schemas.openxmlformats.org/presentationml/2006/main">
   <p:cSld>
@@ -212,7 +208,7 @@
           <a:p>
             <a:fld id="{F5CC4B3F-88C1-4FFA-B1B6-F41C21DC6924}" type="datetimeFigureOut">
               <a:rPr lang="en-US" smtClean="0"/>
-              <a:t>7/11/2017</a:t>
+              <a:t>11/10/2018</a:t>
             </a:fld>
             <a:endParaRPr lang="en-US"/>
           </a:p>
@@ -658,7 +654,7 @@
           <a:p>
             <a:fld id="{78C97017-6FC3-485B-9764-EAC9E56C1D49}" type="datetimeFigureOut">
               <a:rPr lang="en-US" smtClean="0"/>
-              <a:t>7/11/2017</a:t>
+              <a:t>11/10/2018</a:t>
             </a:fld>
             <a:endParaRPr lang="en-US"/>
           </a:p>
@@ -826,7 +822,7 @@
           <a:p>
             <a:fld id="{78C97017-6FC3-485B-9764-EAC9E56C1D49}" type="datetimeFigureOut">
               <a:rPr lang="en-US" smtClean="0"/>
-              <a:t>7/11/2017</a:t>
+              <a:t>11/10/2018</a:t>
             </a:fld>
             <a:endParaRPr lang="en-US"/>
           </a:p>
@@ -1004,7 +1000,7 @@
           <a:p>
             <a:fld id="{78C97017-6FC3-485B-9764-EAC9E56C1D49}" type="datetimeFigureOut">
               <a:rPr lang="en-US" smtClean="0"/>
-              <a:t>7/11/2017</a:t>
+              <a:t>11/10/2018</a:t>
             </a:fld>
             <a:endParaRPr lang="en-US"/>
           </a:p>
@@ -1172,7 +1168,7 @@
           <a:p>
             <a:fld id="{78C97017-6FC3-485B-9764-EAC9E56C1D49}" type="datetimeFigureOut">
               <a:rPr lang="en-US" smtClean="0"/>
-              <a:t>7/11/2017</a:t>
+              <a:t>11/10/2018</a:t>
             </a:fld>
             <a:endParaRPr lang="en-US"/>
           </a:p>
@@ -1417,7 +1413,7 @@
           <a:p>
             <a:fld id="{78C97017-6FC3-485B-9764-EAC9E56C1D49}" type="datetimeFigureOut">
               <a:rPr lang="en-US" smtClean="0"/>
-              <a:t>7/11/2017</a:t>
+              <a:t>11/10/2018</a:t>
             </a:fld>
             <a:endParaRPr lang="en-US"/>
           </a:p>
@@ -1702,7 +1698,7 @@
           <a:p>
             <a:fld id="{78C97017-6FC3-485B-9764-EAC9E56C1D49}" type="datetimeFigureOut">
               <a:rPr lang="en-US" smtClean="0"/>
-              <a:t>7/11/2017</a:t>
+              <a:t>11/10/2018</a:t>
             </a:fld>
             <a:endParaRPr lang="en-US"/>
           </a:p>
@@ -2121,7 +2117,7 @@
           <a:p>
             <a:fld id="{78C97017-6FC3-485B-9764-EAC9E56C1D49}" type="datetimeFigureOut">
               <a:rPr lang="en-US" smtClean="0"/>
-              <a:t>7/11/2017</a:t>
+              <a:t>11/10/2018</a:t>
             </a:fld>
             <a:endParaRPr lang="en-US"/>
           </a:p>
@@ -2238,7 +2234,7 @@
           <a:p>
             <a:fld id="{78C97017-6FC3-485B-9764-EAC9E56C1D49}" type="datetimeFigureOut">
               <a:rPr lang="en-US" smtClean="0"/>
-              <a:t>7/11/2017</a:t>
+              <a:t>11/10/2018</a:t>
             </a:fld>
             <a:endParaRPr lang="en-US"/>
           </a:p>
@@ -2333,7 +2329,7 @@
           <a:p>
             <a:fld id="{78C97017-6FC3-485B-9764-EAC9E56C1D49}" type="datetimeFigureOut">
               <a:rPr lang="en-US" smtClean="0"/>
-              <a:t>7/11/2017</a:t>
+              <a:t>11/10/2018</a:t>
             </a:fld>
             <a:endParaRPr lang="en-US"/>
           </a:p>
@@ -2608,7 +2604,7 @@
           <a:p>
             <a:fld id="{78C97017-6FC3-485B-9764-EAC9E56C1D49}" type="datetimeFigureOut">
               <a:rPr lang="en-US" smtClean="0"/>
-              <a:t>7/11/2017</a:t>
+              <a:t>11/10/2018</a:t>
             </a:fld>
             <a:endParaRPr lang="en-US"/>
           </a:p>
@@ -2860,7 +2856,7 @@
           <a:p>
             <a:fld id="{78C97017-6FC3-485B-9764-EAC9E56C1D49}" type="datetimeFigureOut">
               <a:rPr lang="en-US" smtClean="0"/>
-              <a:t>7/11/2017</a:t>
+              <a:t>11/10/2018</a:t>
             </a:fld>
             <a:endParaRPr lang="en-US"/>
           </a:p>
@@ -3071,7 +3067,7 @@
           <a:p>
             <a:fld id="{78C97017-6FC3-485B-9764-EAC9E56C1D49}" type="datetimeFigureOut">
               <a:rPr lang="en-US" smtClean="0"/>
-              <a:t>7/11/2017</a:t>
+              <a:t>11/10/2018</a:t>
             </a:fld>
             <a:endParaRPr lang="en-US"/>
           </a:p>
@@ -3707,18 +3703,18 @@
                   <a:schemeClr val="bg1"/>
                 </a:solidFill>
               </a:rPr>
-              <a:t>:Address</a:t>
+              <a:t>:Library</a:t>
             </a:r>
           </a:p>
           <a:p>
             <a:pPr algn="ctr"/>
             <a:r>
-              <a:rPr lang="en-US" sz="1600" dirty="0" err="1">
+              <a:rPr lang="en-US" sz="1600" dirty="0">
                 <a:solidFill>
                   <a:schemeClr val="bg1"/>
                 </a:solidFill>
               </a:rPr>
-              <a:t>BookParser</a:t>
+              <a:t>Parser</a:t>
             </a:r>
             <a:endParaRPr lang="en-SG" sz="1600" dirty="0">
               <a:solidFill>
@@ -3731,13 +3727,16 @@
       <p:cxnSp>
         <p:nvCxnSpPr>
           <p:cNvPr id="17" name="Straight Connector 16"/>
-          <p:cNvCxnSpPr/>
+          <p:cNvCxnSpPr>
+            <a:cxnSpLocks/>
+            <a:endCxn id="18" idx="2"/>
+          </p:cNvCxnSpPr>
           <p:nvPr/>
         </p:nvCxnSpPr>
         <p:spPr>
           <a:xfrm>
             <a:off x="3356599" y="2663904"/>
-            <a:ext cx="0" cy="1695374"/>
+            <a:ext cx="15456" cy="1587651"/>
           </a:xfrm>
           <a:prstGeom prst="line">
             <a:avLst/>
@@ -3824,8 +3823,8 @@
         </p:nvSpPr>
         <p:spPr>
           <a:xfrm>
-            <a:off x="6221565" y="3312740"/>
-            <a:ext cx="1093635" cy="461538"/>
+            <a:off x="6221565" y="3173004"/>
+            <a:ext cx="1349175" cy="601274"/>
           </a:xfrm>
           <a:prstGeom prst="rect">
             <a:avLst/>
@@ -3865,7 +3864,7 @@
                   <a:schemeClr val="bg1"/>
                 </a:solidFill>
               </a:rPr>
-              <a:t>d:Delete</a:t>
+              <a:t>d:playlistDel</a:t>
             </a:r>
             <a:br>
               <a:rPr lang="en-US" sz="1600" dirty="0">
@@ -4056,8 +4055,8 @@
         </p:nvSpPr>
         <p:spPr>
           <a:xfrm>
-            <a:off x="0" y="2743200"/>
-            <a:ext cx="1424846" cy="215444"/>
+            <a:off x="60917" y="2795467"/>
+            <a:ext cx="1372023" cy="430887"/>
           </a:xfrm>
           <a:prstGeom prst="rect">
             <a:avLst/>
@@ -4070,14 +4069,25 @@
           </a:bodyPr>
           <a:lstStyle/>
           <a:p>
-            <a:pPr algn="r"/>
+            <a:pPr algn="ctr"/>
             <a:r>
               <a:rPr lang="en-US" sz="1400" dirty="0">
                 <a:solidFill>
                   <a:srgbClr val="0070C0"/>
                 </a:solidFill>
               </a:rPr>
-              <a:t>execute(“delete 1”)</a:t>
+              <a:t>execute(</a:t>
+            </a:r>
+          </a:p>
+          <a:p>
+            <a:pPr algn="ctr"/>
+            <a:r>
+              <a:rPr lang="en-US" sz="1400" dirty="0">
+                <a:solidFill>
+                  <a:srgbClr val="0070C0"/>
+                </a:solidFill>
+              </a:rPr>
+              <a:t>“playlist del 1”)</a:t>
             </a:r>
           </a:p>
         </p:txBody>
@@ -4671,7 +4681,7 @@
                   <a:srgbClr val="7030A0"/>
                 </a:solidFill>
               </a:rPr>
-              <a:t>deletePerson</a:t>
+              <a:t>deletePlaylist</a:t>
             </a:r>
             <a:r>
               <a:rPr lang="en-US" dirty="0">
@@ -4732,8 +4742,8 @@
         </p:nvSpPr>
         <p:spPr>
           <a:xfrm>
-            <a:off x="1742982" y="2850922"/>
-            <a:ext cx="1424846" cy="215444"/>
+            <a:off x="1758146" y="2865103"/>
+            <a:ext cx="1558002" cy="215444"/>
           </a:xfrm>
           <a:prstGeom prst="rect">
             <a:avLst/>
@@ -4759,7 +4769,7 @@
           <a:p>
             <a:r>
               <a:rPr lang="en-US" dirty="0"/>
-              <a:t>parse(“delete 1”)</a:t>
+              <a:t>parse(“playlist del 1”)</a:t>
             </a:r>
           </a:p>
         </p:txBody>
@@ -5044,8 +5054,8 @@
         </p:nvSpPr>
         <p:spPr>
           <a:xfrm>
-            <a:off x="4231981" y="2929839"/>
-            <a:ext cx="1778201" cy="432035"/>
+            <a:off x="4231981" y="2660217"/>
+            <a:ext cx="1778201" cy="701657"/>
           </a:xfrm>
           <a:prstGeom prst="rect">
             <a:avLst/>
@@ -5093,7 +5103,7 @@
                   <a:schemeClr val="bg1"/>
                 </a:solidFill>
               </a:rPr>
-              <a:t>DeleteCommand</a:t>
+              <a:t>playlistDel</a:t>
             </a:r>
             <a:endParaRPr lang="en-US" sz="1600" dirty="0">
               <a:solidFill>
@@ -5104,12 +5114,12 @@
           <a:p>
             <a:pPr algn="ctr"/>
             <a:r>
-              <a:rPr lang="en-US" sz="1600" dirty="0">
+              <a:rPr lang="en-US" sz="1600" dirty="0" err="1">
                 <a:solidFill>
                   <a:schemeClr val="bg1"/>
                 </a:solidFill>
               </a:rPr>
-              <a:t>Parser</a:t>
+              <a:t>CommandParser</a:t>
             </a:r>
             <a:endParaRPr lang="en-SG" sz="1600" dirty="0">
               <a:solidFill>

--- a/docs/diagrams/LogicComponentSequenceDiagram.pptx
+++ b/docs/diagrams/LogicComponentSequenceDiagram.pptx
@@ -126,10 +126,6 @@
 </p:presentation>
 </file>
 
-<file path=ppt/revisionInfo.xml><?xml version="1.0" encoding="utf-8"?>
-<p1510:revInfo xmlns:a="http://schemas.openxmlformats.org/drawingml/2006/main" xmlns:r="http://schemas.openxmlformats.org/officeDocument/2006/relationships" xmlns:p1510="http://schemas.microsoft.com/office/powerpoint/2015/10/main"/>
-</file>
-
 <file path=ppt/notesMasters/notesMaster1.xml><?xml version="1.0" encoding="utf-8"?>
 <p:notesMaster xmlns:a="http://schemas.openxmlformats.org/drawingml/2006/main" xmlns:r="http://schemas.openxmlformats.org/officeDocument/2006/relationships" xmlns:p="http://schemas.openxmlformats.org/presentationml/2006/main">
   <p:cSld>
@@ -212,7 +208,7 @@
           <a:p>
             <a:fld id="{F5CC4B3F-88C1-4FFA-B1B6-F41C21DC6924}" type="datetimeFigureOut">
               <a:rPr lang="en-US" smtClean="0"/>
-              <a:t>7/11/2017</a:t>
+              <a:t>11/11/2018</a:t>
             </a:fld>
             <a:endParaRPr lang="en-US"/>
           </a:p>
@@ -658,7 +654,7 @@
           <a:p>
             <a:fld id="{78C97017-6FC3-485B-9764-EAC9E56C1D49}" type="datetimeFigureOut">
               <a:rPr lang="en-US" smtClean="0"/>
-              <a:t>7/11/2017</a:t>
+              <a:t>11/11/2018</a:t>
             </a:fld>
             <a:endParaRPr lang="en-US"/>
           </a:p>
@@ -826,7 +822,7 @@
           <a:p>
             <a:fld id="{78C97017-6FC3-485B-9764-EAC9E56C1D49}" type="datetimeFigureOut">
               <a:rPr lang="en-US" smtClean="0"/>
-              <a:t>7/11/2017</a:t>
+              <a:t>11/11/2018</a:t>
             </a:fld>
             <a:endParaRPr lang="en-US"/>
           </a:p>
@@ -1004,7 +1000,7 @@
           <a:p>
             <a:fld id="{78C97017-6FC3-485B-9764-EAC9E56C1D49}" type="datetimeFigureOut">
               <a:rPr lang="en-US" smtClean="0"/>
-              <a:t>7/11/2017</a:t>
+              <a:t>11/11/2018</a:t>
             </a:fld>
             <a:endParaRPr lang="en-US"/>
           </a:p>
@@ -1172,7 +1168,7 @@
           <a:p>
             <a:fld id="{78C97017-6FC3-485B-9764-EAC9E56C1D49}" type="datetimeFigureOut">
               <a:rPr lang="en-US" smtClean="0"/>
-              <a:t>7/11/2017</a:t>
+              <a:t>11/11/2018</a:t>
             </a:fld>
             <a:endParaRPr lang="en-US"/>
           </a:p>
@@ -1417,7 +1413,7 @@
           <a:p>
             <a:fld id="{78C97017-6FC3-485B-9764-EAC9E56C1D49}" type="datetimeFigureOut">
               <a:rPr lang="en-US" smtClean="0"/>
-              <a:t>7/11/2017</a:t>
+              <a:t>11/11/2018</a:t>
             </a:fld>
             <a:endParaRPr lang="en-US"/>
           </a:p>
@@ -1702,7 +1698,7 @@
           <a:p>
             <a:fld id="{78C97017-6FC3-485B-9764-EAC9E56C1D49}" type="datetimeFigureOut">
               <a:rPr lang="en-US" smtClean="0"/>
-              <a:t>7/11/2017</a:t>
+              <a:t>11/11/2018</a:t>
             </a:fld>
             <a:endParaRPr lang="en-US"/>
           </a:p>
@@ -2121,7 +2117,7 @@
           <a:p>
             <a:fld id="{78C97017-6FC3-485B-9764-EAC9E56C1D49}" type="datetimeFigureOut">
               <a:rPr lang="en-US" smtClean="0"/>
-              <a:t>7/11/2017</a:t>
+              <a:t>11/11/2018</a:t>
             </a:fld>
             <a:endParaRPr lang="en-US"/>
           </a:p>
@@ -2238,7 +2234,7 @@
           <a:p>
             <a:fld id="{78C97017-6FC3-485B-9764-EAC9E56C1D49}" type="datetimeFigureOut">
               <a:rPr lang="en-US" smtClean="0"/>
-              <a:t>7/11/2017</a:t>
+              <a:t>11/11/2018</a:t>
             </a:fld>
             <a:endParaRPr lang="en-US"/>
           </a:p>
@@ -2333,7 +2329,7 @@
           <a:p>
             <a:fld id="{78C97017-6FC3-485B-9764-EAC9E56C1D49}" type="datetimeFigureOut">
               <a:rPr lang="en-US" smtClean="0"/>
-              <a:t>7/11/2017</a:t>
+              <a:t>11/11/2018</a:t>
             </a:fld>
             <a:endParaRPr lang="en-US"/>
           </a:p>
@@ -2608,7 +2604,7 @@
           <a:p>
             <a:fld id="{78C97017-6FC3-485B-9764-EAC9E56C1D49}" type="datetimeFigureOut">
               <a:rPr lang="en-US" smtClean="0"/>
-              <a:t>7/11/2017</a:t>
+              <a:t>11/11/2018</a:t>
             </a:fld>
             <a:endParaRPr lang="en-US"/>
           </a:p>
@@ -2860,7 +2856,7 @@
           <a:p>
             <a:fld id="{78C97017-6FC3-485B-9764-EAC9E56C1D49}" type="datetimeFigureOut">
               <a:rPr lang="en-US" smtClean="0"/>
-              <a:t>7/11/2017</a:t>
+              <a:t>11/11/2018</a:t>
             </a:fld>
             <a:endParaRPr lang="en-US"/>
           </a:p>
@@ -3071,7 +3067,7 @@
           <a:p>
             <a:fld id="{78C97017-6FC3-485B-9764-EAC9E56C1D49}" type="datetimeFigureOut">
               <a:rPr lang="en-US" smtClean="0"/>
-              <a:t>7/11/2017</a:t>
+              <a:t>11/11/2018</a:t>
             </a:fld>
             <a:endParaRPr lang="en-US"/>
           </a:p>
@@ -3666,7 +3662,7 @@
         </p:nvSpPr>
         <p:spPr>
           <a:xfrm>
-            <a:off x="2743200" y="2179309"/>
+            <a:off x="3048000" y="2179309"/>
             <a:ext cx="1219200" cy="467684"/>
           </a:xfrm>
           <a:prstGeom prst="rect">
@@ -3707,18 +3703,22 @@
                   <a:schemeClr val="bg1"/>
                 </a:solidFill>
               </a:rPr>
-              <a:t>:Address</a:t>
-            </a:r>
-          </a:p>
-          <a:p>
-            <a:pPr algn="ctr"/>
-            <a:r>
-              <a:rPr lang="en-US" sz="1600" dirty="0" err="1">
+              <a:t>:Scheduler</a:t>
+            </a:r>
+            <a:br>
+              <a:rPr lang="en-US" sz="1600" dirty="0">
                 <a:solidFill>
                   <a:schemeClr val="bg1"/>
                 </a:solidFill>
               </a:rPr>
-              <a:t>BookParser</a:t>
+            </a:br>
+            <a:r>
+              <a:rPr lang="en-US" sz="1600" dirty="0">
+                <a:solidFill>
+                  <a:schemeClr val="bg1"/>
+                </a:solidFill>
+              </a:rPr>
+              <a:t>Parser</a:t>
             </a:r>
             <a:endParaRPr lang="en-SG" sz="1600" dirty="0">
               <a:solidFill>
@@ -3736,7 +3736,7 @@
         </p:nvCxnSpPr>
         <p:spPr>
           <a:xfrm>
-            <a:off x="3356599" y="2663904"/>
+            <a:off x="3661399" y="2663904"/>
             <a:ext cx="0" cy="1695374"/>
           </a:xfrm>
           <a:prstGeom prst="line">
@@ -3773,7 +3773,7 @@
         </p:nvSpPr>
         <p:spPr>
           <a:xfrm>
-            <a:off x="3284590" y="3122096"/>
+            <a:off x="3589390" y="3122096"/>
             <a:ext cx="174929" cy="1129459"/>
           </a:xfrm>
           <a:prstGeom prst="rect">
@@ -3824,8 +3824,8 @@
         </p:nvSpPr>
         <p:spPr>
           <a:xfrm>
-            <a:off x="6221565" y="3312740"/>
-            <a:ext cx="1093635" cy="461538"/>
+            <a:off x="6373965" y="3312740"/>
+            <a:ext cx="1398436" cy="461538"/>
           </a:xfrm>
           <a:prstGeom prst="rect">
             <a:avLst/>
@@ -3865,7 +3865,7 @@
                   <a:schemeClr val="bg1"/>
                 </a:solidFill>
               </a:rPr>
-              <a:t>d:Delete</a:t>
+              <a:t>d:DeleteEvent</a:t>
             </a:r>
             <a:br>
               <a:rPr lang="en-US" sz="1600" dirty="0">
@@ -3900,7 +3900,7 @@
         </p:nvCxnSpPr>
         <p:spPr>
           <a:xfrm>
-            <a:off x="6772574" y="3774278"/>
+            <a:off x="7077374" y="3774278"/>
             <a:ext cx="0" cy="1940722"/>
           </a:xfrm>
           <a:prstGeom prst="line">
@@ -3937,7 +3937,7 @@
         </p:nvSpPr>
         <p:spPr>
           <a:xfrm>
-            <a:off x="6696374" y="3774278"/>
+            <a:off x="7001174" y="3774278"/>
             <a:ext cx="152400" cy="276003"/>
           </a:xfrm>
           <a:prstGeom prst="rect">
@@ -3979,13 +3979,15 @@
       <p:cxnSp>
         <p:nvCxnSpPr>
           <p:cNvPr id="23" name="Straight Arrow Connector 22"/>
-          <p:cNvCxnSpPr/>
+          <p:cNvCxnSpPr>
+            <a:cxnSpLocks/>
+          </p:cNvCxnSpPr>
           <p:nvPr/>
         </p:nvCxnSpPr>
         <p:spPr>
           <a:xfrm>
-            <a:off x="381000" y="3014599"/>
-            <a:ext cx="1119851" cy="0"/>
+            <a:off x="-519982" y="3014599"/>
+            <a:ext cx="2020833" cy="0"/>
           </a:xfrm>
           <a:prstGeom prst="straightConnector1">
             <a:avLst/>
@@ -4015,13 +4017,15 @@
       <p:cxnSp>
         <p:nvCxnSpPr>
           <p:cNvPr id="25" name="Straight Arrow Connector 24"/>
-          <p:cNvCxnSpPr/>
+          <p:cNvCxnSpPr>
+            <a:cxnSpLocks/>
+          </p:cNvCxnSpPr>
           <p:nvPr/>
         </p:nvCxnSpPr>
         <p:spPr>
           <a:xfrm flipV="1">
-            <a:off x="1653251" y="3122097"/>
-            <a:ext cx="1596514" cy="1"/>
+            <a:off x="1653251" y="3122098"/>
+            <a:ext cx="1927757" cy="1"/>
           </a:xfrm>
           <a:prstGeom prst="straightConnector1">
             <a:avLst/>
@@ -4056,8 +4060,8 @@
         </p:nvSpPr>
         <p:spPr>
           <a:xfrm>
-            <a:off x="0" y="2743200"/>
-            <a:ext cx="1424846" cy="215444"/>
+            <a:off x="-519982" y="2743200"/>
+            <a:ext cx="1944828" cy="215444"/>
           </a:xfrm>
           <a:prstGeom prst="rect">
             <a:avLst/>
@@ -4077,7 +4081,7 @@
                   <a:srgbClr val="0070C0"/>
                 </a:solidFill>
               </a:rPr>
-              <a:t>execute(“delete 1”)</a:t>
+              <a:t>execute(“delete event 1”)</a:t>
             </a:r>
           </a:p>
         </p:txBody>
@@ -4085,13 +4089,15 @@
       <p:cxnSp>
         <p:nvCxnSpPr>
           <p:cNvPr id="28" name="Straight Arrow Connector 27"/>
-          <p:cNvCxnSpPr/>
+          <p:cNvCxnSpPr>
+            <a:cxnSpLocks/>
+          </p:cNvCxnSpPr>
           <p:nvPr/>
         </p:nvCxnSpPr>
         <p:spPr>
           <a:xfrm flipV="1">
-            <a:off x="5257218" y="3703214"/>
-            <a:ext cx="922392" cy="1"/>
+            <a:off x="5562018" y="3703215"/>
+            <a:ext cx="811947" cy="1"/>
           </a:xfrm>
           <a:prstGeom prst="straightConnector1">
             <a:avLst/>
@@ -4126,7 +4132,7 @@
         </p:nvSpPr>
         <p:spPr>
           <a:xfrm>
-            <a:off x="4257582" y="4251556"/>
+            <a:off x="5867400" y="4251556"/>
             <a:ext cx="855809" cy="215444"/>
           </a:xfrm>
           <a:prstGeom prst="rect">
@@ -4166,7 +4172,7 @@
         </p:nvCxnSpPr>
         <p:spPr>
           <a:xfrm>
-            <a:off x="5257800" y="4050281"/>
+            <a:off x="5562600" y="4050281"/>
             <a:ext cx="1492974" cy="0"/>
           </a:xfrm>
           <a:prstGeom prst="straightConnector1">
@@ -4199,13 +4205,15 @@
       <p:cxnSp>
         <p:nvCxnSpPr>
           <p:cNvPr id="35" name="Straight Arrow Connector 34"/>
-          <p:cNvCxnSpPr/>
+          <p:cNvCxnSpPr>
+            <a:cxnSpLocks/>
+          </p:cNvCxnSpPr>
           <p:nvPr/>
         </p:nvCxnSpPr>
         <p:spPr>
-          <a:xfrm flipV="1">
-            <a:off x="1670186" y="4243231"/>
-            <a:ext cx="1596514" cy="5378"/>
+          <a:xfrm>
+            <a:off x="1670186" y="4248609"/>
+            <a:ext cx="1888293" cy="0"/>
           </a:xfrm>
           <a:prstGeom prst="straightConnector1">
             <a:avLst/>
@@ -4237,13 +4245,15 @@
       <p:cxnSp>
         <p:nvCxnSpPr>
           <p:cNvPr id="37" name="Straight Arrow Connector 36"/>
-          <p:cNvCxnSpPr/>
+          <p:cNvCxnSpPr>
+            <a:cxnSpLocks/>
+          </p:cNvCxnSpPr>
           <p:nvPr/>
         </p:nvCxnSpPr>
         <p:spPr>
           <a:xfrm>
-            <a:off x="304800" y="5791200"/>
-            <a:ext cx="1196051" cy="0"/>
+            <a:off x="-519982" y="5791200"/>
+            <a:ext cx="2020833" cy="0"/>
           </a:xfrm>
           <a:prstGeom prst="straightConnector1">
             <a:avLst/>
@@ -4280,7 +4290,7 @@
         </p:nvSpPr>
         <p:spPr>
           <a:xfrm>
-            <a:off x="8265896" y="2362200"/>
+            <a:off x="8570696" y="2362200"/>
             <a:ext cx="1030504" cy="346760"/>
           </a:xfrm>
           <a:prstGeom prst="rect">
@@ -4340,13 +4350,15 @@
       <p:cxnSp>
         <p:nvCxnSpPr>
           <p:cNvPr id="64" name="Straight Arrow Connector 63"/>
-          <p:cNvCxnSpPr/>
+          <p:cNvCxnSpPr>
+            <a:cxnSpLocks/>
+          </p:cNvCxnSpPr>
           <p:nvPr/>
         </p:nvCxnSpPr>
         <p:spPr>
           <a:xfrm>
             <a:off x="1653251" y="4495317"/>
-            <a:ext cx="5043123" cy="0"/>
+            <a:ext cx="5339001" cy="0"/>
           </a:xfrm>
           <a:prstGeom prst="straightConnector1">
             <a:avLst/>
@@ -4381,7 +4393,7 @@
         </p:nvSpPr>
         <p:spPr>
           <a:xfrm>
-            <a:off x="6687452" y="4467000"/>
+            <a:off x="6992252" y="4467000"/>
             <a:ext cx="161322" cy="1019400"/>
           </a:xfrm>
           <a:prstGeom prst="rect">
@@ -4428,7 +4440,7 @@
         </p:nvCxnSpPr>
         <p:spPr>
           <a:xfrm>
-            <a:off x="8781148" y="2700858"/>
+            <a:off x="9085948" y="2700858"/>
             <a:ext cx="0" cy="2830598"/>
           </a:xfrm>
           <a:prstGeom prst="line">
@@ -4468,7 +4480,7 @@
         </p:nvSpPr>
         <p:spPr>
           <a:xfrm>
-            <a:off x="8686800" y="4524597"/>
+            <a:off x="8991600" y="4524597"/>
             <a:ext cx="152400" cy="199803"/>
           </a:xfrm>
           <a:prstGeom prst="rect">
@@ -4525,7 +4537,7 @@
         </p:nvCxnSpPr>
         <p:spPr>
           <a:xfrm>
-            <a:off x="6850663" y="4524597"/>
+            <a:off x="7155463" y="4524597"/>
             <a:ext cx="1836137" cy="0"/>
           </a:xfrm>
           <a:prstGeom prst="straightConnector1">
@@ -4561,7 +4573,7 @@
         </p:nvCxnSpPr>
         <p:spPr>
           <a:xfrm flipV="1">
-            <a:off x="6848774" y="4714650"/>
+            <a:off x="7153574" y="4714650"/>
             <a:ext cx="1838026" cy="9750"/>
           </a:xfrm>
           <a:prstGeom prst="straightConnector1">
@@ -4597,13 +4609,15 @@
       <p:cxnSp>
         <p:nvCxnSpPr>
           <p:cNvPr id="77" name="Straight Arrow Connector 76"/>
-          <p:cNvCxnSpPr/>
+          <p:cNvCxnSpPr>
+            <a:cxnSpLocks/>
+          </p:cNvCxnSpPr>
           <p:nvPr/>
         </p:nvCxnSpPr>
         <p:spPr>
           <a:xfrm>
             <a:off x="1653251" y="5486400"/>
-            <a:ext cx="5052349" cy="0"/>
+            <a:ext cx="5339001" cy="0"/>
           </a:xfrm>
           <a:prstGeom prst="straightConnector1">
             <a:avLst/>
@@ -4640,8 +4654,8 @@
         </p:nvSpPr>
         <p:spPr>
           <a:xfrm>
-            <a:off x="6984957" y="4267200"/>
-            <a:ext cx="1424846" cy="215444"/>
+            <a:off x="7109081" y="4267200"/>
+            <a:ext cx="1786198" cy="215444"/>
           </a:xfrm>
           <a:prstGeom prst="rect">
             <a:avLst/>
@@ -4671,7 +4685,7 @@
                   <a:srgbClr val="7030A0"/>
                 </a:solidFill>
               </a:rPr>
-              <a:t>deletePerson</a:t>
+              <a:t>deleteCalendarEvent</a:t>
             </a:r>
             <a:r>
               <a:rPr lang="en-US" dirty="0">
@@ -4692,7 +4706,7 @@
         </p:nvSpPr>
         <p:spPr>
           <a:xfrm>
-            <a:off x="3847551" y="3657600"/>
+            <a:off x="4152351" y="3657600"/>
             <a:ext cx="767033" cy="184666"/>
           </a:xfrm>
           <a:prstGeom prst="rect">
@@ -4732,8 +4746,8 @@
         </p:nvSpPr>
         <p:spPr>
           <a:xfrm>
-            <a:off x="1742982" y="2850922"/>
-            <a:ext cx="1424846" cy="215444"/>
+            <a:off x="1818043" y="2850922"/>
+            <a:ext cx="1687157" cy="215444"/>
           </a:xfrm>
           <a:prstGeom prst="rect">
             <a:avLst/>
@@ -4759,7 +4773,7 @@
           <a:p>
             <a:r>
               <a:rPr lang="en-US" dirty="0"/>
-              <a:t>parse(“delete 1”)</a:t>
+              <a:t>parse(“delete event 1”)</a:t>
             </a:r>
           </a:p>
         </p:txBody>
@@ -4772,7 +4786,7 @@
         </p:nvSpPr>
         <p:spPr>
           <a:xfrm>
-            <a:off x="4340137" y="5255323"/>
+            <a:off x="6084384" y="5255323"/>
             <a:ext cx="621216" cy="215444"/>
           </a:xfrm>
           <a:prstGeom prst="rect">
@@ -4852,7 +4866,7 @@
         </p:nvSpPr>
         <p:spPr>
           <a:xfrm>
-            <a:off x="7020246" y="4777286"/>
+            <a:off x="7325046" y="4777286"/>
             <a:ext cx="1590354" cy="461538"/>
           </a:xfrm>
           <a:prstGeom prst="rect">
@@ -4919,7 +4933,7 @@
         </p:nvSpPr>
         <p:spPr>
           <a:xfrm>
-            <a:off x="7777323" y="5238824"/>
+            <a:off x="8082123" y="5238824"/>
             <a:ext cx="152400" cy="171376"/>
           </a:xfrm>
           <a:prstGeom prst="rect">
@@ -4966,7 +4980,7 @@
         </p:nvCxnSpPr>
         <p:spPr>
           <a:xfrm>
-            <a:off x="6858000" y="5410200"/>
+            <a:off x="7162800" y="5410200"/>
             <a:ext cx="966624" cy="0"/>
           </a:xfrm>
           <a:prstGeom prst="straightConnector1">
@@ -5044,7 +5058,7 @@
         </p:nvSpPr>
         <p:spPr>
           <a:xfrm>
-            <a:off x="4231981" y="2929839"/>
+            <a:off x="4536781" y="2929839"/>
             <a:ext cx="1778201" cy="432035"/>
           </a:xfrm>
           <a:prstGeom prst="rect">
@@ -5093,23 +5107,22 @@
                   <a:schemeClr val="bg1"/>
                 </a:solidFill>
               </a:rPr>
-              <a:t>DeleteCommand</a:t>
-            </a:r>
-            <a:endParaRPr lang="en-US" sz="1600" dirty="0">
-              <a:solidFill>
-                <a:schemeClr val="bg1"/>
-              </a:solidFill>
-            </a:endParaRPr>
-          </a:p>
-          <a:p>
-            <a:pPr algn="ctr"/>
-            <a:r>
+              <a:t>DeleteEvent</a:t>
+            </a:r>
+            <a:br>
               <a:rPr lang="en-US" sz="1600" dirty="0">
                 <a:solidFill>
                   <a:schemeClr val="bg1"/>
                 </a:solidFill>
               </a:rPr>
-              <a:t>Parser</a:t>
+            </a:br>
+            <a:r>
+              <a:rPr lang="en-US" sz="1600" dirty="0" err="1">
+                <a:solidFill>
+                  <a:schemeClr val="bg1"/>
+                </a:solidFill>
+              </a:rPr>
+              <a:t>CommandParser</a:t>
             </a:r>
             <a:endParaRPr lang="en-SG" sz="1600" dirty="0">
               <a:solidFill>
@@ -5127,7 +5140,7 @@
         </p:nvCxnSpPr>
         <p:spPr>
           <a:xfrm>
-            <a:off x="3462591" y="3657600"/>
+            <a:off x="3767391" y="3657600"/>
             <a:ext cx="1597356" cy="1"/>
           </a:xfrm>
           <a:prstGeom prst="straightConnector1">
@@ -5161,7 +5174,7 @@
         </p:nvSpPr>
         <p:spPr>
           <a:xfrm>
-            <a:off x="5059947" y="3352800"/>
+            <a:off x="5364747" y="3352800"/>
             <a:ext cx="205843" cy="123165"/>
           </a:xfrm>
           <a:prstGeom prst="rect">
@@ -5210,7 +5223,7 @@
         </p:nvCxnSpPr>
         <p:spPr>
           <a:xfrm>
-            <a:off x="5162869" y="3352800"/>
+            <a:off x="5467669" y="3352800"/>
             <a:ext cx="0" cy="990600"/>
           </a:xfrm>
           <a:prstGeom prst="line">
@@ -5247,7 +5260,7 @@
         </p:nvSpPr>
         <p:spPr>
           <a:xfrm>
-            <a:off x="5059947" y="3657601"/>
+            <a:off x="5364747" y="3657601"/>
             <a:ext cx="205843" cy="533400"/>
           </a:xfrm>
           <a:prstGeom prst="rect">
@@ -5294,7 +5307,7 @@
         </p:nvCxnSpPr>
         <p:spPr>
           <a:xfrm>
-            <a:off x="3499382" y="4185073"/>
+            <a:off x="3804182" y="4185073"/>
             <a:ext cx="1667219" cy="0"/>
           </a:xfrm>
           <a:prstGeom prst="straightConnector1">
@@ -5332,7 +5345,7 @@
         </p:nvCxnSpPr>
         <p:spPr>
           <a:xfrm>
-            <a:off x="6858000" y="5029200"/>
+            <a:off x="7162800" y="5029200"/>
             <a:ext cx="162246" cy="0"/>
           </a:xfrm>
           <a:prstGeom prst="straightConnector1">
@@ -5366,7 +5379,7 @@
         </p:nvCxnSpPr>
         <p:spPr>
           <a:xfrm>
-            <a:off x="3412425" y="3173004"/>
+            <a:off x="3717225" y="3173004"/>
             <a:ext cx="819556" cy="1"/>
           </a:xfrm>
           <a:prstGeom prst="straightConnector1">
@@ -5402,7 +5415,7 @@
         </p:nvCxnSpPr>
         <p:spPr>
           <a:xfrm>
-            <a:off x="3459519" y="3475965"/>
+            <a:off x="3764319" y="3475965"/>
             <a:ext cx="1600428" cy="0"/>
           </a:xfrm>
           <a:prstGeom prst="straightConnector1">
@@ -5440,7 +5453,7 @@
         </p:nvSpPr>
         <p:spPr>
           <a:xfrm>
-            <a:off x="5033665" y="4199590"/>
+            <a:off x="5338465" y="4199590"/>
             <a:ext cx="258404" cy="261610"/>
           </a:xfrm>
           <a:prstGeom prst="rect">

--- a/docs/diagrams/LogicComponentSequenceDiagram.pptx
+++ b/docs/diagrams/LogicComponentSequenceDiagram.pptx
@@ -208,7 +208,7 @@
           <a:p>
             <a:fld id="{F5CC4B3F-88C1-4FFA-B1B6-F41C21DC6924}" type="datetimeFigureOut">
               <a:rPr lang="en-US" smtClean="0"/>
-              <a:t>10/24/18</a:t>
+              <a:t>11/11/2018</a:t>
             </a:fld>
             <a:endParaRPr lang="en-US"/>
           </a:p>
@@ -654,7 +654,7 @@
           <a:p>
             <a:fld id="{78C97017-6FC3-485B-9764-EAC9E56C1D49}" type="datetimeFigureOut">
               <a:rPr lang="en-US" smtClean="0"/>
-              <a:t>10/24/18</a:t>
+              <a:t>11/11/2018</a:t>
             </a:fld>
             <a:endParaRPr lang="en-US"/>
           </a:p>
@@ -822,7 +822,7 @@
           <a:p>
             <a:fld id="{78C97017-6FC3-485B-9764-EAC9E56C1D49}" type="datetimeFigureOut">
               <a:rPr lang="en-US" smtClean="0"/>
-              <a:t>10/24/18</a:t>
+              <a:t>11/11/2018</a:t>
             </a:fld>
             <a:endParaRPr lang="en-US"/>
           </a:p>
@@ -1000,7 +1000,7 @@
           <a:p>
             <a:fld id="{78C97017-6FC3-485B-9764-EAC9E56C1D49}" type="datetimeFigureOut">
               <a:rPr lang="en-US" smtClean="0"/>
-              <a:t>10/24/18</a:t>
+              <a:t>11/11/2018</a:t>
             </a:fld>
             <a:endParaRPr lang="en-US"/>
           </a:p>
@@ -1168,7 +1168,7 @@
           <a:p>
             <a:fld id="{78C97017-6FC3-485B-9764-EAC9E56C1D49}" type="datetimeFigureOut">
               <a:rPr lang="en-US" smtClean="0"/>
-              <a:t>10/24/18</a:t>
+              <a:t>11/11/2018</a:t>
             </a:fld>
             <a:endParaRPr lang="en-US"/>
           </a:p>
@@ -1413,7 +1413,7 @@
           <a:p>
             <a:fld id="{78C97017-6FC3-485B-9764-EAC9E56C1D49}" type="datetimeFigureOut">
               <a:rPr lang="en-US" smtClean="0"/>
-              <a:t>10/24/18</a:t>
+              <a:t>11/11/2018</a:t>
             </a:fld>
             <a:endParaRPr lang="en-US"/>
           </a:p>
@@ -1698,7 +1698,7 @@
           <a:p>
             <a:fld id="{78C97017-6FC3-485B-9764-EAC9E56C1D49}" type="datetimeFigureOut">
               <a:rPr lang="en-US" smtClean="0"/>
-              <a:t>10/24/18</a:t>
+              <a:t>11/11/2018</a:t>
             </a:fld>
             <a:endParaRPr lang="en-US"/>
           </a:p>
@@ -2117,7 +2117,7 @@
           <a:p>
             <a:fld id="{78C97017-6FC3-485B-9764-EAC9E56C1D49}" type="datetimeFigureOut">
               <a:rPr lang="en-US" smtClean="0"/>
-              <a:t>10/24/18</a:t>
+              <a:t>11/11/2018</a:t>
             </a:fld>
             <a:endParaRPr lang="en-US"/>
           </a:p>
@@ -2234,7 +2234,7 @@
           <a:p>
             <a:fld id="{78C97017-6FC3-485B-9764-EAC9E56C1D49}" type="datetimeFigureOut">
               <a:rPr lang="en-US" smtClean="0"/>
-              <a:t>10/24/18</a:t>
+              <a:t>11/11/2018</a:t>
             </a:fld>
             <a:endParaRPr lang="en-US"/>
           </a:p>
@@ -2329,7 +2329,7 @@
           <a:p>
             <a:fld id="{78C97017-6FC3-485B-9764-EAC9E56C1D49}" type="datetimeFigureOut">
               <a:rPr lang="en-US" smtClean="0"/>
-              <a:t>10/24/18</a:t>
+              <a:t>11/11/2018</a:t>
             </a:fld>
             <a:endParaRPr lang="en-US"/>
           </a:p>
@@ -2604,7 +2604,7 @@
           <a:p>
             <a:fld id="{78C97017-6FC3-485B-9764-EAC9E56C1D49}" type="datetimeFigureOut">
               <a:rPr lang="en-US" smtClean="0"/>
-              <a:t>10/24/18</a:t>
+              <a:t>11/11/2018</a:t>
             </a:fld>
             <a:endParaRPr lang="en-US"/>
           </a:p>
@@ -2856,7 +2856,7 @@
           <a:p>
             <a:fld id="{78C97017-6FC3-485B-9764-EAC9E56C1D49}" type="datetimeFigureOut">
               <a:rPr lang="en-US" smtClean="0"/>
-              <a:t>10/24/18</a:t>
+              <a:t>11/11/2018</a:t>
             </a:fld>
             <a:endParaRPr lang="en-US"/>
           </a:p>
@@ -3067,7 +3067,7 @@
           <a:p>
             <a:fld id="{78C97017-6FC3-485B-9764-EAC9E56C1D49}" type="datetimeFigureOut">
               <a:rPr lang="en-US" smtClean="0"/>
-              <a:t>10/24/18</a:t>
+              <a:t>11/11/2018</a:t>
             </a:fld>
             <a:endParaRPr lang="en-US"/>
           </a:p>
@@ -3444,10 +3444,10 @@
       </p:grpSpPr>
       <p:sp>
         <p:nvSpPr>
-          <p:cNvPr id="66" name="Rectangle 65">
+          <p:cNvPr id="54" name="Rectangle 65">
             <a:extLst>
               <a:ext uri="{FF2B5EF4-FFF2-40B4-BE49-F238E27FC236}">
-                <a16:creationId xmlns:a16="http://schemas.microsoft.com/office/drawing/2014/main" id="{977AFC49-CE5E-FB4D-8347-107895882ED4}"/>
+                <a16:creationId xmlns:a16="http://schemas.microsoft.com/office/drawing/2014/main" id="{FA19A407-A3A9-4BBF-B605-BBA67F8AAC0E}"/>
               </a:ext>
             </a:extLst>
           </p:cNvPr>
@@ -3506,7 +3506,13 @@
       </p:sp>
       <p:sp>
         <p:nvSpPr>
-          <p:cNvPr id="81" name="Rectangle 65"/>
+          <p:cNvPr id="55" name="Rectangle 65">
+            <a:extLst>
+              <a:ext uri="{FF2B5EF4-FFF2-40B4-BE49-F238E27FC236}">
+                <a16:creationId xmlns:a16="http://schemas.microsoft.com/office/drawing/2014/main" id="{D87187C4-B31F-4FE8-9D33-5715FC3D4E41}"/>
+              </a:ext>
+            </a:extLst>
+          </p:cNvPr>
           <p:cNvSpPr/>
           <p:nvPr/>
         </p:nvSpPr>
@@ -3567,7 +3573,13 @@
       </p:sp>
       <p:sp>
         <p:nvSpPr>
-          <p:cNvPr id="2" name="Rectangle 62"/>
+          <p:cNvPr id="56" name="Rectangle 62">
+            <a:extLst>
+              <a:ext uri="{FF2B5EF4-FFF2-40B4-BE49-F238E27FC236}">
+                <a16:creationId xmlns:a16="http://schemas.microsoft.com/office/drawing/2014/main" id="{BDEC1F0C-76F8-4890-9F1D-94CC9ECA0755}"/>
+              </a:ext>
+            </a:extLst>
+          </p:cNvPr>
           <p:cNvSpPr/>
           <p:nvPr/>
         </p:nvSpPr>
@@ -3634,7 +3646,13 @@
       </p:sp>
       <p:cxnSp>
         <p:nvCxnSpPr>
-          <p:cNvPr id="5" name="Straight Connector 4"/>
+          <p:cNvPr id="57" name="Straight Connector 56">
+            <a:extLst>
+              <a:ext uri="{FF2B5EF4-FFF2-40B4-BE49-F238E27FC236}">
+                <a16:creationId xmlns:a16="http://schemas.microsoft.com/office/drawing/2014/main" id="{E4103F98-322F-4E06-A758-C2E20B61AFD4}"/>
+              </a:ext>
+            </a:extLst>
+          </p:cNvPr>
           <p:cNvCxnSpPr>
             <a:cxnSpLocks/>
           </p:cNvCxnSpPr>
@@ -3673,7 +3691,13 @@
       </p:cxnSp>
       <p:sp>
         <p:nvSpPr>
-          <p:cNvPr id="6" name="Rectangle 5"/>
+          <p:cNvPr id="58" name="Rectangle 57">
+            <a:extLst>
+              <a:ext uri="{FF2B5EF4-FFF2-40B4-BE49-F238E27FC236}">
+                <a16:creationId xmlns:a16="http://schemas.microsoft.com/office/drawing/2014/main" id="{C6F1A49A-4BDE-4C27-B920-2BB02FA599D2}"/>
+              </a:ext>
+            </a:extLst>
+          </p:cNvPr>
           <p:cNvSpPr/>
           <p:nvPr/>
         </p:nvSpPr>
@@ -3720,7 +3744,13 @@
       </p:sp>
       <p:sp>
         <p:nvSpPr>
-          <p:cNvPr id="16" name="Rectangle 62"/>
+          <p:cNvPr id="59" name="Rectangle 62">
+            <a:extLst>
+              <a:ext uri="{FF2B5EF4-FFF2-40B4-BE49-F238E27FC236}">
+                <a16:creationId xmlns:a16="http://schemas.microsoft.com/office/drawing/2014/main" id="{3702CF21-15DF-47BB-9332-D9A0A36F7A16}"/>
+              </a:ext>
+            </a:extLst>
+          </p:cNvPr>
           <p:cNvSpPr/>
           <p:nvPr/>
         </p:nvSpPr>
@@ -3790,7 +3820,13 @@
       </p:sp>
       <p:cxnSp>
         <p:nvCxnSpPr>
-          <p:cNvPr id="17" name="Straight Connector 16"/>
+          <p:cNvPr id="60" name="Straight Connector 59">
+            <a:extLst>
+              <a:ext uri="{FF2B5EF4-FFF2-40B4-BE49-F238E27FC236}">
+                <a16:creationId xmlns:a16="http://schemas.microsoft.com/office/drawing/2014/main" id="{32C858C2-9B41-4063-9041-135A5DE61410}"/>
+              </a:ext>
+            </a:extLst>
+          </p:cNvPr>
           <p:cNvCxnSpPr>
             <a:cxnSpLocks/>
           </p:cNvCxnSpPr>
@@ -3829,7 +3865,13 @@
       </p:cxnSp>
       <p:sp>
         <p:nvSpPr>
-          <p:cNvPr id="18" name="Rectangle 17"/>
+          <p:cNvPr id="61" name="Rectangle 60">
+            <a:extLst>
+              <a:ext uri="{FF2B5EF4-FFF2-40B4-BE49-F238E27FC236}">
+                <a16:creationId xmlns:a16="http://schemas.microsoft.com/office/drawing/2014/main" id="{385730CD-C86A-4900-8C9C-2A855294DEFB}"/>
+              </a:ext>
+            </a:extLst>
+          </p:cNvPr>
           <p:cNvSpPr/>
           <p:nvPr/>
         </p:nvSpPr>
@@ -3880,14 +3922,20 @@
       </p:sp>
       <p:sp>
         <p:nvSpPr>
-          <p:cNvPr id="19" name="Rectangle 62"/>
+          <p:cNvPr id="62" name="Rectangle 62">
+            <a:extLst>
+              <a:ext uri="{FF2B5EF4-FFF2-40B4-BE49-F238E27FC236}">
+                <a16:creationId xmlns:a16="http://schemas.microsoft.com/office/drawing/2014/main" id="{8821397B-D513-4BD4-81BB-6A9DAE88F515}"/>
+              </a:ext>
+            </a:extLst>
+          </p:cNvPr>
           <p:cNvSpPr/>
           <p:nvPr/>
         </p:nvSpPr>
         <p:spPr>
           <a:xfrm>
             <a:off x="4628203" y="2697038"/>
-            <a:ext cx="856850" cy="519412"/>
+            <a:ext cx="1148416" cy="519412"/>
           </a:xfrm>
           <a:prstGeom prst="rect">
             <a:avLst/>
@@ -3922,12 +3970,12 @@
           <a:p>
             <a:pPr algn="ctr"/>
             <a:r>
-              <a:rPr lang="en-US" sz="1200" dirty="0" err="1">
+              <a:rPr lang="en-US" sz="1200" dirty="0">
                 <a:solidFill>
                   <a:schemeClr val="bg1"/>
                 </a:solidFill>
               </a:rPr>
-              <a:t>d:AddMedicalHistory</a:t>
+              <a:t>d:DeletePatient</a:t>
             </a:r>
             <a:br>
               <a:rPr lang="en-US" sz="1200" dirty="0">
@@ -3954,10 +4002,16 @@
       </p:sp>
       <p:cxnSp>
         <p:nvCxnSpPr>
-          <p:cNvPr id="20" name="Straight Connector 19"/>
+          <p:cNvPr id="63" name="Straight Connector 62">
+            <a:extLst>
+              <a:ext uri="{FF2B5EF4-FFF2-40B4-BE49-F238E27FC236}">
+                <a16:creationId xmlns:a16="http://schemas.microsoft.com/office/drawing/2014/main" id="{D4393CD9-8D06-4DCC-B290-2545D2F84AE3}"/>
+              </a:ext>
+            </a:extLst>
+          </p:cNvPr>
           <p:cNvCxnSpPr>
             <a:cxnSpLocks/>
-            <a:stCxn id="21" idx="0"/>
+            <a:stCxn id="67" idx="0"/>
           </p:cNvCxnSpPr>
           <p:nvPr/>
         </p:nvCxnSpPr>
@@ -3994,7 +4048,13 @@
       </p:cxnSp>
       <p:sp>
         <p:nvSpPr>
-          <p:cNvPr id="21" name="Rectangle 20"/>
+          <p:cNvPr id="67" name="Rectangle 66">
+            <a:extLst>
+              <a:ext uri="{FF2B5EF4-FFF2-40B4-BE49-F238E27FC236}">
+                <a16:creationId xmlns:a16="http://schemas.microsoft.com/office/drawing/2014/main" id="{BBF011EF-26F4-4688-B4F4-17D8F94659AE}"/>
+              </a:ext>
+            </a:extLst>
+          </p:cNvPr>
           <p:cNvSpPr/>
           <p:nvPr/>
         </p:nvSpPr>
@@ -4041,7 +4101,13 @@
       </p:sp>
       <p:cxnSp>
         <p:nvCxnSpPr>
-          <p:cNvPr id="23" name="Straight Arrow Connector 22"/>
+          <p:cNvPr id="68" name="Straight Arrow Connector 67">
+            <a:extLst>
+              <a:ext uri="{FF2B5EF4-FFF2-40B4-BE49-F238E27FC236}">
+                <a16:creationId xmlns:a16="http://schemas.microsoft.com/office/drawing/2014/main" id="{36D235D2-4363-4963-81C8-53C3E5C309F9}"/>
+              </a:ext>
+            </a:extLst>
+          </p:cNvPr>
           <p:cNvCxnSpPr>
             <a:cxnSpLocks/>
           </p:cNvCxnSpPr>
@@ -4079,7 +4145,13 @@
       </p:cxnSp>
       <p:cxnSp>
         <p:nvCxnSpPr>
-          <p:cNvPr id="25" name="Straight Arrow Connector 24"/>
+          <p:cNvPr id="69" name="Straight Arrow Connector 68">
+            <a:extLst>
+              <a:ext uri="{FF2B5EF4-FFF2-40B4-BE49-F238E27FC236}">
+                <a16:creationId xmlns:a16="http://schemas.microsoft.com/office/drawing/2014/main" id="{C3FA55B4-C244-4F24-91BE-69FCCFA7B9CE}"/>
+              </a:ext>
+            </a:extLst>
+          </p:cNvPr>
           <p:cNvCxnSpPr>
             <a:cxnSpLocks/>
           </p:cNvCxnSpPr>
@@ -4117,7 +4189,13 @@
       </p:cxnSp>
       <p:sp>
         <p:nvSpPr>
-          <p:cNvPr id="26" name="TextBox 25"/>
+          <p:cNvPr id="70" name="TextBox 69">
+            <a:extLst>
+              <a:ext uri="{FF2B5EF4-FFF2-40B4-BE49-F238E27FC236}">
+                <a16:creationId xmlns:a16="http://schemas.microsoft.com/office/drawing/2014/main" id="{C2064FC4-F62A-445D-9671-889FE8D35EB4}"/>
+              </a:ext>
+            </a:extLst>
+          </p:cNvPr>
           <p:cNvSpPr txBox="1"/>
           <p:nvPr/>
         </p:nvSpPr>
@@ -4155,34 +4233,15 @@
                   <a:srgbClr val="0070C0"/>
                 </a:solidFill>
               </a:rPr>
-              <a:t>(“add-medical-history</a:t>
-            </a:r>
-          </a:p>
-          <a:p>
-            <a:pPr algn="r"/>
-            <a:r>
-              <a:rPr lang="en-US" altLang="zh-Hans" sz="900" dirty="0">
+              <a:t>(“</a:t>
+            </a:r>
+            <a:r>
+              <a:rPr lang="en-SG" sz="900" dirty="0">
                 <a:solidFill>
                   <a:srgbClr val="0070C0"/>
                 </a:solidFill>
               </a:rPr>
-              <a:t>1</a:t>
-            </a:r>
-            <a:r>
-              <a:rPr lang="zh-Hans" altLang="en-US" sz="900" dirty="0">
-                <a:solidFill>
-                  <a:srgbClr val="0070C0"/>
-                </a:solidFill>
-              </a:rPr>
-              <a:t> </a:t>
-            </a:r>
-            <a:r>
-              <a:rPr lang="en-US" altLang="zh-Hans" sz="900" dirty="0">
-                <a:solidFill>
-                  <a:srgbClr val="0070C0"/>
-                </a:solidFill>
-              </a:rPr>
-              <a:t>al/milk  c/healthy</a:t>
+              <a:t>delete-patient n/John Doe</a:t>
             </a:r>
             <a:r>
               <a:rPr lang="en-US" sz="900" dirty="0">
@@ -4197,7 +4256,13 @@
       </p:sp>
       <p:cxnSp>
         <p:nvCxnSpPr>
-          <p:cNvPr id="28" name="Straight Arrow Connector 27"/>
+          <p:cNvPr id="72" name="Straight Arrow Connector 71">
+            <a:extLst>
+              <a:ext uri="{FF2B5EF4-FFF2-40B4-BE49-F238E27FC236}">
+                <a16:creationId xmlns:a16="http://schemas.microsoft.com/office/drawing/2014/main" id="{D8B83D2F-FEA6-4196-B219-19971C4C6EE4}"/>
+              </a:ext>
+            </a:extLst>
+          </p:cNvPr>
           <p:cNvCxnSpPr>
             <a:cxnSpLocks/>
           </p:cNvCxnSpPr>
@@ -4235,7 +4300,13 @@
       </p:cxnSp>
       <p:sp>
         <p:nvSpPr>
-          <p:cNvPr id="29" name="TextBox 28"/>
+          <p:cNvPr id="92" name="TextBox 91">
+            <a:extLst>
+              <a:ext uri="{FF2B5EF4-FFF2-40B4-BE49-F238E27FC236}">
+                <a16:creationId xmlns:a16="http://schemas.microsoft.com/office/drawing/2014/main" id="{8CF5D8CE-630D-40AF-84B9-1124E49330BA}"/>
+              </a:ext>
+            </a:extLst>
+          </p:cNvPr>
           <p:cNvSpPr txBox="1"/>
           <p:nvPr/>
         </p:nvSpPr>
@@ -4275,10 +4346,16 @@
       </p:sp>
       <p:cxnSp>
         <p:nvCxnSpPr>
-          <p:cNvPr id="34" name="Straight Arrow Connector 33"/>
+          <p:cNvPr id="94" name="Straight Arrow Connector 93">
+            <a:extLst>
+              <a:ext uri="{FF2B5EF4-FFF2-40B4-BE49-F238E27FC236}">
+                <a16:creationId xmlns:a16="http://schemas.microsoft.com/office/drawing/2014/main" id="{85DD6977-C919-492E-B923-4B20C8608CF0}"/>
+              </a:ext>
+            </a:extLst>
+          </p:cNvPr>
           <p:cNvCxnSpPr>
             <a:cxnSpLocks/>
-            <a:endCxn id="21" idx="2"/>
+            <a:endCxn id="67" idx="2"/>
           </p:cNvCxnSpPr>
           <p:nvPr/>
         </p:nvCxnSpPr>
@@ -4316,7 +4393,13 @@
       </p:cxnSp>
       <p:cxnSp>
         <p:nvCxnSpPr>
-          <p:cNvPr id="35" name="Straight Arrow Connector 34"/>
+          <p:cNvPr id="95" name="Straight Arrow Connector 94">
+            <a:extLst>
+              <a:ext uri="{FF2B5EF4-FFF2-40B4-BE49-F238E27FC236}">
+                <a16:creationId xmlns:a16="http://schemas.microsoft.com/office/drawing/2014/main" id="{9030A1B9-D8E9-4E7A-83B6-73C3CDABEF4A}"/>
+              </a:ext>
+            </a:extLst>
+          </p:cNvPr>
           <p:cNvCxnSpPr>
             <a:cxnSpLocks/>
           </p:cNvCxnSpPr>
@@ -4356,7 +4439,13 @@
       </p:cxnSp>
       <p:cxnSp>
         <p:nvCxnSpPr>
-          <p:cNvPr id="37" name="Straight Arrow Connector 36"/>
+          <p:cNvPr id="96" name="Straight Arrow Connector 95">
+            <a:extLst>
+              <a:ext uri="{FF2B5EF4-FFF2-40B4-BE49-F238E27FC236}">
+                <a16:creationId xmlns:a16="http://schemas.microsoft.com/office/drawing/2014/main" id="{5C0D60C7-207C-4EF7-BD2C-2BA0215FFFBD}"/>
+              </a:ext>
+            </a:extLst>
+          </p:cNvPr>
           <p:cNvCxnSpPr>
             <a:cxnSpLocks/>
           </p:cNvCxnSpPr>
@@ -4396,7 +4485,13 @@
       </p:cxnSp>
       <p:sp>
         <p:nvSpPr>
-          <p:cNvPr id="39" name="Rectangle 62"/>
+          <p:cNvPr id="97" name="Rectangle 62">
+            <a:extLst>
+              <a:ext uri="{FF2B5EF4-FFF2-40B4-BE49-F238E27FC236}">
+                <a16:creationId xmlns:a16="http://schemas.microsoft.com/office/drawing/2014/main" id="{FF2B1267-A604-453F-B865-17CB91DD3B57}"/>
+              </a:ext>
+            </a:extLst>
+          </p:cNvPr>
           <p:cNvSpPr/>
           <p:nvPr/>
         </p:nvSpPr>
@@ -4444,12 +4539,12 @@
           <a:p>
             <a:pPr algn="ctr"/>
             <a:r>
-              <a:rPr lang="en-US" sz="1200" dirty="0" err="1">
+              <a:rPr lang="en-US" sz="1200" dirty="0">
                 <a:solidFill>
                   <a:schemeClr val="bg1"/>
                 </a:solidFill>
               </a:rPr>
-              <a:t>q:Patient</a:t>
+              <a:t>p:Patient</a:t>
             </a:r>
             <a:endParaRPr lang="en-SG" sz="1200" dirty="0">
               <a:solidFill>
@@ -4461,7 +4556,13 @@
       </p:sp>
       <p:cxnSp>
         <p:nvCxnSpPr>
-          <p:cNvPr id="64" name="Straight Arrow Connector 63"/>
+          <p:cNvPr id="98" name="Straight Arrow Connector 97">
+            <a:extLst>
+              <a:ext uri="{FF2B5EF4-FFF2-40B4-BE49-F238E27FC236}">
+                <a16:creationId xmlns:a16="http://schemas.microsoft.com/office/drawing/2014/main" id="{326AD41E-2566-425E-B45B-1C46292E4913}"/>
+              </a:ext>
+            </a:extLst>
+          </p:cNvPr>
           <p:cNvCxnSpPr>
             <a:cxnSpLocks/>
           </p:cNvCxnSpPr>
@@ -4499,7 +4600,13 @@
       </p:cxnSp>
       <p:sp>
         <p:nvSpPr>
-          <p:cNvPr id="65" name="Rectangle 64"/>
+          <p:cNvPr id="99" name="Rectangle 98">
+            <a:extLst>
+              <a:ext uri="{FF2B5EF4-FFF2-40B4-BE49-F238E27FC236}">
+                <a16:creationId xmlns:a16="http://schemas.microsoft.com/office/drawing/2014/main" id="{AC80F803-9550-43CF-BCD0-70AC26DBCEF1}"/>
+              </a:ext>
+            </a:extLst>
+          </p:cNvPr>
           <p:cNvSpPr/>
           <p:nvPr/>
         </p:nvSpPr>
@@ -4546,7 +4653,13 @@
       </p:sp>
       <p:cxnSp>
         <p:nvCxnSpPr>
-          <p:cNvPr id="71" name="Straight Connector 70"/>
+          <p:cNvPr id="100" name="Straight Connector 99">
+            <a:extLst>
+              <a:ext uri="{FF2B5EF4-FFF2-40B4-BE49-F238E27FC236}">
+                <a16:creationId xmlns:a16="http://schemas.microsoft.com/office/drawing/2014/main" id="{2F3A929A-CC84-4633-A99B-2D0E5A3B98D0}"/>
+              </a:ext>
+            </a:extLst>
+          </p:cNvPr>
           <p:cNvCxnSpPr>
             <a:cxnSpLocks/>
           </p:cNvCxnSpPr>
@@ -4588,7 +4701,13 @@
       </p:cxnSp>
       <p:sp>
         <p:nvSpPr>
-          <p:cNvPr id="73" name="Rectangle 72"/>
+          <p:cNvPr id="101" name="Rectangle 100">
+            <a:extLst>
+              <a:ext uri="{FF2B5EF4-FFF2-40B4-BE49-F238E27FC236}">
+                <a16:creationId xmlns:a16="http://schemas.microsoft.com/office/drawing/2014/main" id="{AFD479C8-B679-4163-9A76-39E031003EBE}"/>
+              </a:ext>
+            </a:extLst>
+          </p:cNvPr>
           <p:cNvSpPr/>
           <p:nvPr/>
         </p:nvSpPr>
@@ -4645,7 +4764,13 @@
       </p:sp>
       <p:cxnSp>
         <p:nvCxnSpPr>
-          <p:cNvPr id="75" name="Straight Arrow Connector 74"/>
+          <p:cNvPr id="102" name="Straight Arrow Connector 101">
+            <a:extLst>
+              <a:ext uri="{FF2B5EF4-FFF2-40B4-BE49-F238E27FC236}">
+                <a16:creationId xmlns:a16="http://schemas.microsoft.com/office/drawing/2014/main" id="{EBDE5F67-AA11-4281-B89C-857278BB2036}"/>
+              </a:ext>
+            </a:extLst>
+          </p:cNvPr>
           <p:cNvCxnSpPr>
             <a:cxnSpLocks/>
           </p:cNvCxnSpPr>
@@ -4654,7 +4779,7 @@
         <p:spPr>
           <a:xfrm>
             <a:off x="5148820" y="3927579"/>
-            <a:ext cx="1023380" cy="0"/>
+            <a:ext cx="1076776" cy="0"/>
           </a:xfrm>
           <a:prstGeom prst="straightConnector1">
             <a:avLst/>
@@ -4683,10 +4808,16 @@
       </p:cxnSp>
       <p:cxnSp>
         <p:nvCxnSpPr>
-          <p:cNvPr id="76" name="Straight Arrow Connector 75"/>
+          <p:cNvPr id="103" name="Straight Arrow Connector 102">
+            <a:extLst>
+              <a:ext uri="{FF2B5EF4-FFF2-40B4-BE49-F238E27FC236}">
+                <a16:creationId xmlns:a16="http://schemas.microsoft.com/office/drawing/2014/main" id="{B17C4369-2099-4FA7-AFF6-B4C8217B771C}"/>
+              </a:ext>
+            </a:extLst>
+          </p:cNvPr>
           <p:cNvCxnSpPr>
             <a:cxnSpLocks/>
-            <a:endCxn id="73" idx="2"/>
+            <a:endCxn id="101" idx="2"/>
           </p:cNvCxnSpPr>
           <p:nvPr/>
         </p:nvCxnSpPr>
@@ -4727,7 +4858,13 @@
       </p:cxnSp>
       <p:cxnSp>
         <p:nvCxnSpPr>
-          <p:cNvPr id="77" name="Straight Arrow Connector 76"/>
+          <p:cNvPr id="104" name="Straight Arrow Connector 103">
+            <a:extLst>
+              <a:ext uri="{FF2B5EF4-FFF2-40B4-BE49-F238E27FC236}">
+                <a16:creationId xmlns:a16="http://schemas.microsoft.com/office/drawing/2014/main" id="{B4106C35-5DCE-4EAC-BFF0-E9418C92266D}"/>
+              </a:ext>
+            </a:extLst>
+          </p:cNvPr>
           <p:cNvCxnSpPr>
             <a:cxnSpLocks/>
           </p:cNvCxnSpPr>
@@ -4767,14 +4904,20 @@
       </p:cxnSp>
       <p:sp>
         <p:nvSpPr>
-          <p:cNvPr id="79" name="TextBox 78"/>
+          <p:cNvPr id="105" name="TextBox 104">
+            <a:extLst>
+              <a:ext uri="{FF2B5EF4-FFF2-40B4-BE49-F238E27FC236}">
+                <a16:creationId xmlns:a16="http://schemas.microsoft.com/office/drawing/2014/main" id="{11AD174D-A999-4296-BC46-B4D3B758135D}"/>
+              </a:ext>
+            </a:extLst>
+          </p:cNvPr>
           <p:cNvSpPr txBox="1"/>
           <p:nvPr/>
         </p:nvSpPr>
         <p:spPr>
           <a:xfrm>
-            <a:off x="2051894" y="3287391"/>
-            <a:ext cx="1773145" cy="138499"/>
+            <a:off x="2654692" y="3287392"/>
+            <a:ext cx="1086861" cy="138499"/>
           </a:xfrm>
           <a:prstGeom prst="rect">
             <a:avLst/>
@@ -4800,21 +4943,27 @@
           <a:p>
             <a:r>
               <a:rPr lang="en-US" sz="900" dirty="0"/>
-              <a:t>parse(“1 al/milk  c/healthy”)</a:t>
-            </a:r>
-          </a:p>
-        </p:txBody>
-      </p:sp>
-      <p:sp>
-        <p:nvSpPr>
-          <p:cNvPr id="80" name="TextBox 79"/>
+              <a:t>parse(“n/John Doe”)</a:t>
+            </a:r>
+          </a:p>
+        </p:txBody>
+      </p:sp>
+      <p:sp>
+        <p:nvSpPr>
+          <p:cNvPr id="106" name="TextBox 105">
+            <a:extLst>
+              <a:ext uri="{FF2B5EF4-FFF2-40B4-BE49-F238E27FC236}">
+                <a16:creationId xmlns:a16="http://schemas.microsoft.com/office/drawing/2014/main" id="{D9BFE2E9-E531-4DD1-A3D2-D15C2D3DB739}"/>
+              </a:ext>
+            </a:extLst>
+          </p:cNvPr>
           <p:cNvSpPr txBox="1"/>
           <p:nvPr/>
         </p:nvSpPr>
         <p:spPr>
           <a:xfrm>
-            <a:off x="604258" y="2687772"/>
-            <a:ext cx="1596780" cy="446276"/>
+            <a:off x="1381240" y="2687772"/>
+            <a:ext cx="819797" cy="446276"/>
           </a:xfrm>
           <a:prstGeom prst="rect">
             <a:avLst/>
@@ -4849,22 +4998,8 @@
               <a:t>(“</a:t>
             </a:r>
             <a:r>
-              <a:rPr lang="en-US" altLang="zh-CN" sz="900" dirty="0"/>
-              <a:t>add-medical-history</a:t>
-            </a:r>
-          </a:p>
-          <a:p>
-            <a:r>
-              <a:rPr lang="en-US" altLang="zh-Hans" sz="900" dirty="0"/>
-              <a:t>1</a:t>
-            </a:r>
-            <a:r>
-              <a:rPr lang="zh-Hans" altLang="en-US" sz="900" dirty="0"/>
-              <a:t> </a:t>
-            </a:r>
-            <a:r>
-              <a:rPr lang="en-US" altLang="zh-Hans" sz="900" dirty="0"/>
-              <a:t>al/milk  c/healthy</a:t>
+              <a:rPr lang="en-SG" sz="900" dirty="0"/>
+              <a:t>delete-patient n/John Doe</a:t>
             </a:r>
             <a:r>
               <a:rPr lang="en-US" sz="1100" dirty="0"/>
@@ -4875,7 +5010,13 @@
       </p:sp>
       <p:sp>
         <p:nvSpPr>
-          <p:cNvPr id="82" name="TextBox 81"/>
+          <p:cNvPr id="107" name="TextBox 106">
+            <a:extLst>
+              <a:ext uri="{FF2B5EF4-FFF2-40B4-BE49-F238E27FC236}">
+                <a16:creationId xmlns:a16="http://schemas.microsoft.com/office/drawing/2014/main" id="{9DDE9A02-FC45-493F-864F-F79A69E97B5B}"/>
+              </a:ext>
+            </a:extLst>
+          </p:cNvPr>
           <p:cNvSpPr txBox="1"/>
           <p:nvPr/>
         </p:nvSpPr>
@@ -4915,7 +5056,13 @@
       </p:sp>
       <p:sp>
         <p:nvSpPr>
-          <p:cNvPr id="83" name="TextBox 82"/>
+          <p:cNvPr id="108" name="TextBox 107">
+            <a:extLst>
+              <a:ext uri="{FF2B5EF4-FFF2-40B4-BE49-F238E27FC236}">
+                <a16:creationId xmlns:a16="http://schemas.microsoft.com/office/drawing/2014/main" id="{8A0BC7AD-53D3-4304-94D3-4088BA580954}"/>
+              </a:ext>
+            </a:extLst>
+          </p:cNvPr>
           <p:cNvSpPr txBox="1"/>
           <p:nvPr/>
         </p:nvSpPr>
@@ -4955,7 +5102,13 @@
       </p:sp>
       <p:sp>
         <p:nvSpPr>
-          <p:cNvPr id="86" name="Rectangle 85"/>
+          <p:cNvPr id="109" name="Rectangle 108">
+            <a:extLst>
+              <a:ext uri="{FF2B5EF4-FFF2-40B4-BE49-F238E27FC236}">
+                <a16:creationId xmlns:a16="http://schemas.microsoft.com/office/drawing/2014/main" id="{C8ED8C51-B416-4E94-A477-E157FE1C7E02}"/>
+              </a:ext>
+            </a:extLst>
+          </p:cNvPr>
           <p:cNvSpPr/>
           <p:nvPr/>
         </p:nvSpPr>
@@ -5002,7 +5155,13 @@
       </p:sp>
       <p:cxnSp>
         <p:nvCxnSpPr>
-          <p:cNvPr id="90" name="Straight Arrow Connector 89"/>
+          <p:cNvPr id="110" name="Straight Arrow Connector 109">
+            <a:extLst>
+              <a:ext uri="{FF2B5EF4-FFF2-40B4-BE49-F238E27FC236}">
+                <a16:creationId xmlns:a16="http://schemas.microsoft.com/office/drawing/2014/main" id="{F1C380DB-11A3-43D2-B0E9-DA38B7F707A9}"/>
+              </a:ext>
+            </a:extLst>
+          </p:cNvPr>
           <p:cNvCxnSpPr/>
           <p:nvPr/>
         </p:nvCxnSpPr>
@@ -5040,7 +5199,13 @@
       </p:cxnSp>
       <p:sp>
         <p:nvSpPr>
-          <p:cNvPr id="93" name="TextBox 92"/>
+          <p:cNvPr id="111" name="TextBox 110">
+            <a:extLst>
+              <a:ext uri="{FF2B5EF4-FFF2-40B4-BE49-F238E27FC236}">
+                <a16:creationId xmlns:a16="http://schemas.microsoft.com/office/drawing/2014/main" id="{ECC52268-2D36-4790-A507-C9642AA23BAA}"/>
+              </a:ext>
+            </a:extLst>
+          </p:cNvPr>
           <p:cNvSpPr txBox="1"/>
           <p:nvPr/>
         </p:nvSpPr>
@@ -5080,14 +5245,20 @@
       </p:sp>
       <p:sp>
         <p:nvSpPr>
-          <p:cNvPr id="40" name="Rectangle 62"/>
+          <p:cNvPr id="112" name="Rectangle 62">
+            <a:extLst>
+              <a:ext uri="{FF2B5EF4-FFF2-40B4-BE49-F238E27FC236}">
+                <a16:creationId xmlns:a16="http://schemas.microsoft.com/office/drawing/2014/main" id="{7A86DACC-EFC8-421E-B594-38FBF2A1F41B}"/>
+              </a:ext>
+            </a:extLst>
+          </p:cNvPr>
           <p:cNvSpPr/>
           <p:nvPr/>
         </p:nvSpPr>
         <p:spPr>
           <a:xfrm>
-            <a:off x="3183125" y="2486322"/>
-            <a:ext cx="1378279" cy="406397"/>
+            <a:off x="3183125" y="2356642"/>
+            <a:ext cx="1378279" cy="536077"/>
           </a:xfrm>
           <a:prstGeom prst="rect">
             <a:avLst/>
@@ -5135,7 +5306,7 @@
                   <a:schemeClr val="bg1"/>
                 </a:solidFill>
               </a:rPr>
-              <a:t>AddMedicalHistoy</a:t>
+              <a:t>DeletePatientCommand</a:t>
             </a:r>
             <a:endParaRPr lang="en-US" sz="1200" dirty="0">
               <a:solidFill>
@@ -5163,7 +5334,13 @@
       </p:sp>
       <p:cxnSp>
         <p:nvCxnSpPr>
-          <p:cNvPr id="8" name="Straight Arrow Connector 7"/>
+          <p:cNvPr id="113" name="Straight Arrow Connector 112">
+            <a:extLst>
+              <a:ext uri="{FF2B5EF4-FFF2-40B4-BE49-F238E27FC236}">
+                <a16:creationId xmlns:a16="http://schemas.microsoft.com/office/drawing/2014/main" id="{DCAF2A01-A4EA-4A0C-A858-C0B96F0E2B0C}"/>
+              </a:ext>
+            </a:extLst>
+          </p:cNvPr>
           <p:cNvCxnSpPr>
             <a:cxnSpLocks/>
           </p:cNvCxnSpPr>
@@ -5199,7 +5376,13 @@
       </p:cxnSp>
       <p:sp>
         <p:nvSpPr>
-          <p:cNvPr id="45" name="Rectangle 44"/>
+          <p:cNvPr id="114" name="Rectangle 113">
+            <a:extLst>
+              <a:ext uri="{FF2B5EF4-FFF2-40B4-BE49-F238E27FC236}">
+                <a16:creationId xmlns:a16="http://schemas.microsoft.com/office/drawing/2014/main" id="{A52B1315-23B8-4792-B2C4-5EC299B5D220}"/>
+              </a:ext>
+            </a:extLst>
+          </p:cNvPr>
           <p:cNvSpPr/>
           <p:nvPr/>
         </p:nvSpPr>
@@ -5246,7 +5429,13 @@
       </p:sp>
       <p:cxnSp>
         <p:nvCxnSpPr>
-          <p:cNvPr id="46" name="Straight Connector 45"/>
+          <p:cNvPr id="115" name="Straight Connector 114">
+            <a:extLst>
+              <a:ext uri="{FF2B5EF4-FFF2-40B4-BE49-F238E27FC236}">
+                <a16:creationId xmlns:a16="http://schemas.microsoft.com/office/drawing/2014/main" id="{CFAB925A-4F7C-4AC8-9F5C-AE050FFA1247}"/>
+              </a:ext>
+            </a:extLst>
+          </p:cNvPr>
           <p:cNvCxnSpPr>
             <a:cxnSpLocks/>
           </p:cNvCxnSpPr>
@@ -5285,7 +5474,13 @@
       </p:cxnSp>
       <p:sp>
         <p:nvSpPr>
-          <p:cNvPr id="49" name="Rectangle 48"/>
+          <p:cNvPr id="116" name="Rectangle 115">
+            <a:extLst>
+              <a:ext uri="{FF2B5EF4-FFF2-40B4-BE49-F238E27FC236}">
+                <a16:creationId xmlns:a16="http://schemas.microsoft.com/office/drawing/2014/main" id="{13C7AFC2-F1CA-4436-8525-53614CBD5F97}"/>
+              </a:ext>
+            </a:extLst>
+          </p:cNvPr>
           <p:cNvSpPr/>
           <p:nvPr/>
         </p:nvSpPr>
@@ -5332,7 +5527,13 @@
       </p:sp>
       <p:cxnSp>
         <p:nvCxnSpPr>
-          <p:cNvPr id="51" name="Straight Arrow Connector 50"/>
+          <p:cNvPr id="117" name="Straight Arrow Connector 116">
+            <a:extLst>
+              <a:ext uri="{FF2B5EF4-FFF2-40B4-BE49-F238E27FC236}">
+                <a16:creationId xmlns:a16="http://schemas.microsoft.com/office/drawing/2014/main" id="{21255433-87D3-4696-82BB-0320F72252AE}"/>
+              </a:ext>
+            </a:extLst>
+          </p:cNvPr>
           <p:cNvCxnSpPr>
             <a:cxnSpLocks/>
           </p:cNvCxnSpPr>
@@ -5372,7 +5573,13 @@
       </p:cxnSp>
       <p:cxnSp>
         <p:nvCxnSpPr>
-          <p:cNvPr id="13" name="Straight Arrow Connector 12"/>
+          <p:cNvPr id="118" name="Straight Arrow Connector 117">
+            <a:extLst>
+              <a:ext uri="{FF2B5EF4-FFF2-40B4-BE49-F238E27FC236}">
+                <a16:creationId xmlns:a16="http://schemas.microsoft.com/office/drawing/2014/main" id="{1B9F9AF1-2788-4A36-9467-8FD952505417}"/>
+              </a:ext>
+            </a:extLst>
+          </p:cNvPr>
           <p:cNvCxnSpPr/>
           <p:nvPr/>
         </p:nvCxnSpPr>
@@ -5406,7 +5613,13 @@
       </p:cxnSp>
       <p:cxnSp>
         <p:nvCxnSpPr>
-          <p:cNvPr id="50" name="Straight Arrow Connector 49"/>
+          <p:cNvPr id="119" name="Straight Arrow Connector 118">
+            <a:extLst>
+              <a:ext uri="{FF2B5EF4-FFF2-40B4-BE49-F238E27FC236}">
+                <a16:creationId xmlns:a16="http://schemas.microsoft.com/office/drawing/2014/main" id="{1EE9C22D-9E8C-4BE4-BEA3-EEB439A8FEDF}"/>
+              </a:ext>
+            </a:extLst>
+          </p:cNvPr>
           <p:cNvCxnSpPr>
             <a:cxnSpLocks/>
           </p:cNvCxnSpPr>
@@ -5444,7 +5657,13 @@
       </p:cxnSp>
       <p:cxnSp>
         <p:nvCxnSpPr>
-          <p:cNvPr id="52" name="Straight Arrow Connector 51"/>
+          <p:cNvPr id="120" name="Straight Arrow Connector 119">
+            <a:extLst>
+              <a:ext uri="{FF2B5EF4-FFF2-40B4-BE49-F238E27FC236}">
+                <a16:creationId xmlns:a16="http://schemas.microsoft.com/office/drawing/2014/main" id="{CD9AAD65-A334-4461-B108-6CF0E5E296B4}"/>
+              </a:ext>
+            </a:extLst>
+          </p:cNvPr>
           <p:cNvCxnSpPr>
             <a:cxnSpLocks/>
           </p:cNvCxnSpPr>
@@ -5484,7 +5703,13 @@
       </p:cxnSp>
       <p:sp>
         <p:nvSpPr>
-          <p:cNvPr id="4" name="TextBox 3"/>
+          <p:cNvPr id="121" name="TextBox 120">
+            <a:extLst>
+              <a:ext uri="{FF2B5EF4-FFF2-40B4-BE49-F238E27FC236}">
+                <a16:creationId xmlns:a16="http://schemas.microsoft.com/office/drawing/2014/main" id="{6EA49ED5-9E08-4C92-895C-9C99DC3A1DED}"/>
+              </a:ext>
+            </a:extLst>
+          </p:cNvPr>
           <p:cNvSpPr txBox="1"/>
           <p:nvPr/>
         </p:nvSpPr>
@@ -5517,10 +5742,10 @@
       </p:sp>
       <p:cxnSp>
         <p:nvCxnSpPr>
-          <p:cNvPr id="74" name="Straight Connector 70">
+          <p:cNvPr id="122" name="Straight Connector 70">
             <a:extLst>
               <a:ext uri="{FF2B5EF4-FFF2-40B4-BE49-F238E27FC236}">
-                <a16:creationId xmlns:a16="http://schemas.microsoft.com/office/drawing/2014/main" id="{3C5E4B8D-C49A-FF4C-B2DF-24E2514AB45D}"/>
+                <a16:creationId xmlns:a16="http://schemas.microsoft.com/office/drawing/2014/main" id="{DBF055D9-8570-4510-9784-8C97D5879B2C}"/>
               </a:ext>
             </a:extLst>
           </p:cNvPr>
@@ -5565,10 +5790,10 @@
       </p:cxnSp>
       <p:sp>
         <p:nvSpPr>
-          <p:cNvPr id="85" name="Rectangle 72">
+          <p:cNvPr id="123" name="Rectangle 72">
             <a:extLst>
               <a:ext uri="{FF2B5EF4-FFF2-40B4-BE49-F238E27FC236}">
-                <a16:creationId xmlns:a16="http://schemas.microsoft.com/office/drawing/2014/main" id="{3A77499D-19EC-794E-A5C5-26EFCB5ED155}"/>
+                <a16:creationId xmlns:a16="http://schemas.microsoft.com/office/drawing/2014/main" id="{A8EC0FB5-E95C-46B4-950D-4177F1367D84}"/>
               </a:ext>
             </a:extLst>
           </p:cNvPr>
@@ -5577,7 +5802,7 @@
         </p:nvSpPr>
         <p:spPr>
           <a:xfrm>
-            <a:off x="6179208" y="3887158"/>
+            <a:off x="6225596" y="3884360"/>
             <a:ext cx="163540" cy="303842"/>
           </a:xfrm>
           <a:prstGeom prst="rect">
@@ -5628,22 +5853,22 @@
       </p:sp>
       <p:cxnSp>
         <p:nvCxnSpPr>
-          <p:cNvPr id="87" name="Straight Arrow Connector 75">
+          <p:cNvPr id="124" name="Straight Arrow Connector 75">
             <a:extLst>
               <a:ext uri="{FF2B5EF4-FFF2-40B4-BE49-F238E27FC236}">
-                <a16:creationId xmlns:a16="http://schemas.microsoft.com/office/drawing/2014/main" id="{7CF7ECA5-86DB-CF42-9365-87754163FDB3}"/>
+                <a16:creationId xmlns:a16="http://schemas.microsoft.com/office/drawing/2014/main" id="{752909D3-9B64-4FFE-802E-6FCC9D401949}"/>
               </a:ext>
             </a:extLst>
           </p:cNvPr>
           <p:cNvCxnSpPr>
             <a:cxnSpLocks/>
-            <a:endCxn id="85" idx="2"/>
+            <a:endCxn id="123" idx="2"/>
           </p:cNvCxnSpPr>
           <p:nvPr/>
         </p:nvCxnSpPr>
         <p:spPr>
           <a:xfrm flipV="1">
-            <a:off x="5088152" y="4191000"/>
+            <a:off x="5134540" y="4188202"/>
             <a:ext cx="1172826" cy="11922"/>
           </a:xfrm>
           <a:prstGeom prst="straightConnector1">
@@ -5678,10 +5903,10 @@
       </p:cxnSp>
       <p:sp>
         <p:nvSpPr>
-          <p:cNvPr id="88" name="Rectangle 62">
+          <p:cNvPr id="125" name="Rectangle 62">
             <a:extLst>
               <a:ext uri="{FF2B5EF4-FFF2-40B4-BE49-F238E27FC236}">
-                <a16:creationId xmlns:a16="http://schemas.microsoft.com/office/drawing/2014/main" id="{F7BA9BAF-B03F-A340-B807-FCD99F49A49E}"/>
+                <a16:creationId xmlns:a16="http://schemas.microsoft.com/office/drawing/2014/main" id="{8E7C556F-0294-4FE2-AEFC-2C40203273E4}"/>
               </a:ext>
             </a:extLst>
           </p:cNvPr>
@@ -5749,10 +5974,10 @@
       </p:sp>
       <p:sp>
         <p:nvSpPr>
-          <p:cNvPr id="89" name="TextBox 77">
+          <p:cNvPr id="126" name="TextBox 77">
             <a:extLst>
               <a:ext uri="{FF2B5EF4-FFF2-40B4-BE49-F238E27FC236}">
-                <a16:creationId xmlns:a16="http://schemas.microsoft.com/office/drawing/2014/main" id="{093278BE-0289-F347-B6D7-0B94514EC160}"/>
+                <a16:creationId xmlns:a16="http://schemas.microsoft.com/office/drawing/2014/main" id="{82DBECD9-8354-433F-861F-FBADCE2FCE43}"/>
               </a:ext>
             </a:extLst>
           </p:cNvPr>
@@ -5761,7 +5986,7 @@
         </p:nvSpPr>
         <p:spPr>
           <a:xfrm rot="10800000" flipV="1">
-            <a:off x="5235760" y="4183944"/>
+            <a:off x="5250341" y="4183944"/>
             <a:ext cx="540859" cy="153888"/>
           </a:xfrm>
           <a:prstGeom prst="rect">
@@ -5792,17 +6017,17 @@
                   <a:srgbClr val="7030A0"/>
                 </a:solidFill>
               </a:rPr>
-              <a:t>q</a:t>
+              <a:t>p</a:t>
             </a:r>
           </a:p>
         </p:txBody>
       </p:sp>
       <p:cxnSp>
         <p:nvCxnSpPr>
-          <p:cNvPr id="91" name="Straight Arrow Connector 74">
+          <p:cNvPr id="127" name="Straight Arrow Connector 74">
             <a:extLst>
               <a:ext uri="{FF2B5EF4-FFF2-40B4-BE49-F238E27FC236}">
-                <a16:creationId xmlns:a16="http://schemas.microsoft.com/office/drawing/2014/main" id="{C03ABABB-0272-4C4A-9E08-568D3C87CA72}"/>
+                <a16:creationId xmlns:a16="http://schemas.microsoft.com/office/drawing/2014/main" id="{83946304-1397-4025-AF22-EE520EB6C537}"/>
               </a:ext>
             </a:extLst>
           </p:cNvPr>
@@ -5843,7 +6068,13 @@
       </p:cxnSp>
       <p:sp>
         <p:nvSpPr>
-          <p:cNvPr id="78" name="TextBox 77"/>
+          <p:cNvPr id="128" name="TextBox 127">
+            <a:extLst>
+              <a:ext uri="{FF2B5EF4-FFF2-40B4-BE49-F238E27FC236}">
+                <a16:creationId xmlns:a16="http://schemas.microsoft.com/office/drawing/2014/main" id="{D2B21C4A-D929-4445-B1A7-84B8AE58726F}"/>
+              </a:ext>
+            </a:extLst>
+          </p:cNvPr>
           <p:cNvSpPr txBox="1"/>
           <p:nvPr/>
         </p:nvSpPr>
@@ -5880,7 +6111,7 @@
                   <a:srgbClr val="7030A0"/>
                 </a:solidFill>
               </a:rPr>
-              <a:t>updatePerson</a:t>
+              <a:t>deletePerson</a:t>
             </a:r>
             <a:r>
               <a:rPr lang="en-US" sz="900" dirty="0">
@@ -5895,7 +6126,13 @@
       </p:sp>
       <p:sp>
         <p:nvSpPr>
-          <p:cNvPr id="84" name="Rectangle 62"/>
+          <p:cNvPr id="129" name="Rectangle 62">
+            <a:extLst>
+              <a:ext uri="{FF2B5EF4-FFF2-40B4-BE49-F238E27FC236}">
+                <a16:creationId xmlns:a16="http://schemas.microsoft.com/office/drawing/2014/main" id="{7B62BF35-1473-4943-A019-8F8A30E358B6}"/>
+              </a:ext>
+            </a:extLst>
+          </p:cNvPr>
           <p:cNvSpPr/>
           <p:nvPr/>
         </p:nvSpPr>

--- a/docs/diagrams/LogicComponentSequenceDiagram.pptx
+++ b/docs/diagrams/LogicComponentSequenceDiagram.pptx
@@ -126,10 +126,6 @@
 </p:presentation>
 </file>
 
-<file path=ppt/revisionInfo.xml><?xml version="1.0" encoding="utf-8"?>
-<p1510:revInfo xmlns:a="http://schemas.openxmlformats.org/drawingml/2006/main" xmlns:r="http://schemas.openxmlformats.org/officeDocument/2006/relationships" xmlns:p1510="http://schemas.microsoft.com/office/powerpoint/2015/10/main"/>
-</file>
-
 <file path=ppt/notesMasters/notesMaster1.xml><?xml version="1.0" encoding="utf-8"?>
 <p:notesMaster xmlns:a="http://schemas.openxmlformats.org/drawingml/2006/main" xmlns:r="http://schemas.openxmlformats.org/officeDocument/2006/relationships" xmlns:p="http://schemas.openxmlformats.org/presentationml/2006/main">
   <p:cSld>
@@ -212,7 +208,7 @@
           <a:p>
             <a:fld id="{F5CC4B3F-88C1-4FFA-B1B6-F41C21DC6924}" type="datetimeFigureOut">
               <a:rPr lang="en-US" smtClean="0"/>
-              <a:t>7/11/2017</a:t>
+              <a:t>11/11/2018</a:t>
             </a:fld>
             <a:endParaRPr lang="en-US"/>
           </a:p>
@@ -658,7 +654,7 @@
           <a:p>
             <a:fld id="{78C97017-6FC3-485B-9764-EAC9E56C1D49}" type="datetimeFigureOut">
               <a:rPr lang="en-US" smtClean="0"/>
-              <a:t>7/11/2017</a:t>
+              <a:t>11/11/2018</a:t>
             </a:fld>
             <a:endParaRPr lang="en-US"/>
           </a:p>
@@ -826,7 +822,7 @@
           <a:p>
             <a:fld id="{78C97017-6FC3-485B-9764-EAC9E56C1D49}" type="datetimeFigureOut">
               <a:rPr lang="en-US" smtClean="0"/>
-              <a:t>7/11/2017</a:t>
+              <a:t>11/11/2018</a:t>
             </a:fld>
             <a:endParaRPr lang="en-US"/>
           </a:p>
@@ -1004,7 +1000,7 @@
           <a:p>
             <a:fld id="{78C97017-6FC3-485B-9764-EAC9E56C1D49}" type="datetimeFigureOut">
               <a:rPr lang="en-US" smtClean="0"/>
-              <a:t>7/11/2017</a:t>
+              <a:t>11/11/2018</a:t>
             </a:fld>
             <a:endParaRPr lang="en-US"/>
           </a:p>
@@ -1172,7 +1168,7 @@
           <a:p>
             <a:fld id="{78C97017-6FC3-485B-9764-EAC9E56C1D49}" type="datetimeFigureOut">
               <a:rPr lang="en-US" smtClean="0"/>
-              <a:t>7/11/2017</a:t>
+              <a:t>11/11/2018</a:t>
             </a:fld>
             <a:endParaRPr lang="en-US"/>
           </a:p>
@@ -1417,7 +1413,7 @@
           <a:p>
             <a:fld id="{78C97017-6FC3-485B-9764-EAC9E56C1D49}" type="datetimeFigureOut">
               <a:rPr lang="en-US" smtClean="0"/>
-              <a:t>7/11/2017</a:t>
+              <a:t>11/11/2018</a:t>
             </a:fld>
             <a:endParaRPr lang="en-US"/>
           </a:p>
@@ -1702,7 +1698,7 @@
           <a:p>
             <a:fld id="{78C97017-6FC3-485B-9764-EAC9E56C1D49}" type="datetimeFigureOut">
               <a:rPr lang="en-US" smtClean="0"/>
-              <a:t>7/11/2017</a:t>
+              <a:t>11/11/2018</a:t>
             </a:fld>
             <a:endParaRPr lang="en-US"/>
           </a:p>
@@ -2121,7 +2117,7 @@
           <a:p>
             <a:fld id="{78C97017-6FC3-485B-9764-EAC9E56C1D49}" type="datetimeFigureOut">
               <a:rPr lang="en-US" smtClean="0"/>
-              <a:t>7/11/2017</a:t>
+              <a:t>11/11/2018</a:t>
             </a:fld>
             <a:endParaRPr lang="en-US"/>
           </a:p>
@@ -2238,7 +2234,7 @@
           <a:p>
             <a:fld id="{78C97017-6FC3-485B-9764-EAC9E56C1D49}" type="datetimeFigureOut">
               <a:rPr lang="en-US" smtClean="0"/>
-              <a:t>7/11/2017</a:t>
+              <a:t>11/11/2018</a:t>
             </a:fld>
             <a:endParaRPr lang="en-US"/>
           </a:p>
@@ -2333,7 +2329,7 @@
           <a:p>
             <a:fld id="{78C97017-6FC3-485B-9764-EAC9E56C1D49}" type="datetimeFigureOut">
               <a:rPr lang="en-US" smtClean="0"/>
-              <a:t>7/11/2017</a:t>
+              <a:t>11/11/2018</a:t>
             </a:fld>
             <a:endParaRPr lang="en-US"/>
           </a:p>
@@ -2608,7 +2604,7 @@
           <a:p>
             <a:fld id="{78C97017-6FC3-485B-9764-EAC9E56C1D49}" type="datetimeFigureOut">
               <a:rPr lang="en-US" smtClean="0"/>
-              <a:t>7/11/2017</a:t>
+              <a:t>11/11/2018</a:t>
             </a:fld>
             <a:endParaRPr lang="en-US"/>
           </a:p>
@@ -2860,7 +2856,7 @@
           <a:p>
             <a:fld id="{78C97017-6FC3-485B-9764-EAC9E56C1D49}" type="datetimeFigureOut">
               <a:rPr lang="en-US" smtClean="0"/>
-              <a:t>7/11/2017</a:t>
+              <a:t>11/11/2018</a:t>
             </a:fld>
             <a:endParaRPr lang="en-US"/>
           </a:p>
@@ -3071,7 +3067,7 @@
           <a:p>
             <a:fld id="{78C97017-6FC3-485B-9764-EAC9E56C1D49}" type="datetimeFigureOut">
               <a:rPr lang="en-US" smtClean="0"/>
-              <a:t>7/11/2017</a:t>
+              <a:t>11/11/2018</a:t>
             </a:fld>
             <a:endParaRPr lang="en-US"/>
           </a:p>
@@ -3707,18 +3703,18 @@
                   <a:schemeClr val="bg1"/>
                 </a:solidFill>
               </a:rPr>
-              <a:t>:Address</a:t>
+              <a:t>:Scheduler</a:t>
             </a:r>
           </a:p>
           <a:p>
             <a:pPr algn="ctr"/>
             <a:r>
-              <a:rPr lang="en-US" sz="1600" dirty="0" err="1">
+              <a:rPr lang="en-US" sz="1600" dirty="0">
                 <a:solidFill>
                   <a:schemeClr val="bg1"/>
                 </a:solidFill>
               </a:rPr>
-              <a:t>BookParser</a:t>
+              <a:t>Parser</a:t>
             </a:r>
             <a:endParaRPr lang="en-SG" sz="1600" dirty="0">
               <a:solidFill>
@@ -4640,8 +4636,8 @@
         </p:nvSpPr>
         <p:spPr>
           <a:xfrm>
-            <a:off x="6984957" y="4267200"/>
-            <a:ext cx="1424846" cy="215444"/>
+            <a:off x="6984956" y="4267200"/>
+            <a:ext cx="1729879" cy="215444"/>
           </a:xfrm>
           <a:prstGeom prst="rect">
             <a:avLst/>
@@ -4671,7 +4667,15 @@
                   <a:srgbClr val="7030A0"/>
                 </a:solidFill>
               </a:rPr>
-              <a:t>deletePerson</a:t>
+              <a:t>deleteC</a:t>
+            </a:r>
+            <a:r>
+              <a:rPr lang="en-US" altLang="zh-CN" dirty="0" err="1">
+                <a:solidFill>
+                  <a:srgbClr val="7030A0"/>
+                </a:solidFill>
+              </a:rPr>
+              <a:t>alendarEvent</a:t>
             </a:r>
             <a:r>
               <a:rPr lang="en-US" dirty="0">

--- a/docs/diagrams/LogicComponentSequenceDiagram.pptx
+++ b/docs/diagrams/LogicComponentSequenceDiagram.pptx
@@ -4662,27 +4662,15 @@
           </a:lstStyle>
           <a:p>
             <a:r>
-              <a:rPr lang="en-US" dirty="0" err="1">
-                <a:solidFill>
-                  <a:srgbClr val="7030A0"/>
-                </a:solidFill>
-              </a:rPr>
+              <a:rPr lang="en-US" dirty="0" err="1"/>
               <a:t>deleteC</a:t>
             </a:r>
             <a:r>
-              <a:rPr lang="en-US" altLang="zh-CN" dirty="0" err="1">
-                <a:solidFill>
-                  <a:srgbClr val="7030A0"/>
-                </a:solidFill>
-              </a:rPr>
+              <a:rPr lang="en-US" altLang="zh-CN" dirty="0" err="1"/>
               <a:t>alendarEvent</a:t>
             </a:r>
             <a:r>
-              <a:rPr lang="en-US" dirty="0">
-                <a:solidFill>
-                  <a:srgbClr val="7030A0"/>
-                </a:solidFill>
-              </a:rPr>
+              <a:rPr lang="en-US" dirty="0"/>
               <a:t>(p)</a:t>
             </a:r>
           </a:p>

--- a/docs/diagrams/LogicComponentSequenceDiagram.pptx
+++ b/docs/diagrams/LogicComponentSequenceDiagram.pptx
@@ -212,7 +212,7 @@
           <a:p>
             <a:fld id="{F5CC4B3F-88C1-4FFA-B1B6-F41C21DC6924}" type="datetimeFigureOut">
               <a:rPr lang="en-US" smtClean="0"/>
-              <a:t>7/11/2017</a:t>
+              <a:t>11/11/2018</a:t>
             </a:fld>
             <a:endParaRPr lang="en-US"/>
           </a:p>
@@ -658,7 +658,7 @@
           <a:p>
             <a:fld id="{78C97017-6FC3-485B-9764-EAC9E56C1D49}" type="datetimeFigureOut">
               <a:rPr lang="en-US" smtClean="0"/>
-              <a:t>7/11/2017</a:t>
+              <a:t>11/11/2018</a:t>
             </a:fld>
             <a:endParaRPr lang="en-US"/>
           </a:p>
@@ -826,7 +826,7 @@
           <a:p>
             <a:fld id="{78C97017-6FC3-485B-9764-EAC9E56C1D49}" type="datetimeFigureOut">
               <a:rPr lang="en-US" smtClean="0"/>
-              <a:t>7/11/2017</a:t>
+              <a:t>11/11/2018</a:t>
             </a:fld>
             <a:endParaRPr lang="en-US"/>
           </a:p>
@@ -1004,7 +1004,7 @@
           <a:p>
             <a:fld id="{78C97017-6FC3-485B-9764-EAC9E56C1D49}" type="datetimeFigureOut">
               <a:rPr lang="en-US" smtClean="0"/>
-              <a:t>7/11/2017</a:t>
+              <a:t>11/11/2018</a:t>
             </a:fld>
             <a:endParaRPr lang="en-US"/>
           </a:p>
@@ -1172,7 +1172,7 @@
           <a:p>
             <a:fld id="{78C97017-6FC3-485B-9764-EAC9E56C1D49}" type="datetimeFigureOut">
               <a:rPr lang="en-US" smtClean="0"/>
-              <a:t>7/11/2017</a:t>
+              <a:t>11/11/2018</a:t>
             </a:fld>
             <a:endParaRPr lang="en-US"/>
           </a:p>
@@ -1417,7 +1417,7 @@
           <a:p>
             <a:fld id="{78C97017-6FC3-485B-9764-EAC9E56C1D49}" type="datetimeFigureOut">
               <a:rPr lang="en-US" smtClean="0"/>
-              <a:t>7/11/2017</a:t>
+              <a:t>11/11/2018</a:t>
             </a:fld>
             <a:endParaRPr lang="en-US"/>
           </a:p>
@@ -1702,7 +1702,7 @@
           <a:p>
             <a:fld id="{78C97017-6FC3-485B-9764-EAC9E56C1D49}" type="datetimeFigureOut">
               <a:rPr lang="en-US" smtClean="0"/>
-              <a:t>7/11/2017</a:t>
+              <a:t>11/11/2018</a:t>
             </a:fld>
             <a:endParaRPr lang="en-US"/>
           </a:p>
@@ -2121,7 +2121,7 @@
           <a:p>
             <a:fld id="{78C97017-6FC3-485B-9764-EAC9E56C1D49}" type="datetimeFigureOut">
               <a:rPr lang="en-US" smtClean="0"/>
-              <a:t>7/11/2017</a:t>
+              <a:t>11/11/2018</a:t>
             </a:fld>
             <a:endParaRPr lang="en-US"/>
           </a:p>
@@ -2238,7 +2238,7 @@
           <a:p>
             <a:fld id="{78C97017-6FC3-485B-9764-EAC9E56C1D49}" type="datetimeFigureOut">
               <a:rPr lang="en-US" smtClean="0"/>
-              <a:t>7/11/2017</a:t>
+              <a:t>11/11/2018</a:t>
             </a:fld>
             <a:endParaRPr lang="en-US"/>
           </a:p>
@@ -2333,7 +2333,7 @@
           <a:p>
             <a:fld id="{78C97017-6FC3-485B-9764-EAC9E56C1D49}" type="datetimeFigureOut">
               <a:rPr lang="en-US" smtClean="0"/>
-              <a:t>7/11/2017</a:t>
+              <a:t>11/11/2018</a:t>
             </a:fld>
             <a:endParaRPr lang="en-US"/>
           </a:p>
@@ -2608,7 +2608,7 @@
           <a:p>
             <a:fld id="{78C97017-6FC3-485B-9764-EAC9E56C1D49}" type="datetimeFigureOut">
               <a:rPr lang="en-US" smtClean="0"/>
-              <a:t>7/11/2017</a:t>
+              <a:t>11/11/2018</a:t>
             </a:fld>
             <a:endParaRPr lang="en-US"/>
           </a:p>
@@ -2860,7 +2860,7 @@
           <a:p>
             <a:fld id="{78C97017-6FC3-485B-9764-EAC9E56C1D49}" type="datetimeFigureOut">
               <a:rPr lang="en-US" smtClean="0"/>
-              <a:t>7/11/2017</a:t>
+              <a:t>11/11/2018</a:t>
             </a:fld>
             <a:endParaRPr lang="en-US"/>
           </a:p>
@@ -3071,7 +3071,7 @@
           <a:p>
             <a:fld id="{78C97017-6FC3-485B-9764-EAC9E56C1D49}" type="datetimeFigureOut">
               <a:rPr lang="en-US" smtClean="0"/>
-              <a:t>7/11/2017</a:t>
+              <a:t>11/11/2018</a:t>
             </a:fld>
             <a:endParaRPr lang="en-US"/>
           </a:p>
@@ -3702,23 +3702,23 @@
           <a:p>
             <a:pPr algn="ctr"/>
             <a:r>
-              <a:rPr lang="en-US" sz="1600" dirty="0">
+              <a:rPr lang="en-US" sz="1600" dirty="0" smtClean="0">
                 <a:solidFill>
                   <a:schemeClr val="bg1"/>
                 </a:solidFill>
               </a:rPr>
-              <a:t>:Address</a:t>
+              <a:t>:Transcript</a:t>
             </a:r>
           </a:p>
           <a:p>
             <a:pPr algn="ctr"/>
             <a:r>
-              <a:rPr lang="en-US" sz="1600" dirty="0" err="1">
+              <a:rPr lang="en-US" sz="1600" dirty="0" smtClean="0">
                 <a:solidFill>
                   <a:schemeClr val="bg1"/>
                 </a:solidFill>
               </a:rPr>
-              <a:t>BookParser</a:t>
+              <a:t>Parser</a:t>
             </a:r>
             <a:endParaRPr lang="en-SG" sz="1600" dirty="0">
               <a:solidFill>
@@ -3824,8 +3824,8 @@
         </p:nvSpPr>
         <p:spPr>
           <a:xfrm>
-            <a:off x="6221565" y="3312740"/>
-            <a:ext cx="1093635" cy="461538"/>
+            <a:off x="6059661" y="3312740"/>
+            <a:ext cx="1550950" cy="461538"/>
           </a:xfrm>
           <a:prstGeom prst="rect">
             <a:avLst/>
@@ -3860,12 +3860,20 @@
           <a:p>
             <a:pPr algn="ctr"/>
             <a:r>
+              <a:rPr lang="en-US" sz="1600" dirty="0" smtClean="0">
+                <a:solidFill>
+                  <a:schemeClr val="bg1"/>
+                </a:solidFill>
+              </a:rPr>
+              <a:t>:DeleteModule</a:t>
+            </a:r>
+            <a:r>
               <a:rPr lang="en-US" sz="1600" dirty="0">
                 <a:solidFill>
                   <a:schemeClr val="bg1"/>
                 </a:solidFill>
               </a:rPr>
-              <a:t>d:Delete</a:t>
+              <a:t/>
             </a:r>
             <a:br>
               <a:rPr lang="en-US" sz="1600" dirty="0">
@@ -4056,8 +4064,8 @@
         </p:nvSpPr>
         <p:spPr>
           <a:xfrm>
-            <a:off x="0" y="2743200"/>
-            <a:ext cx="1424846" cy="215444"/>
+            <a:off x="358660" y="2667000"/>
+            <a:ext cx="1066186" cy="338554"/>
           </a:xfrm>
           <a:prstGeom prst="rect">
             <a:avLst/>
@@ -4070,15 +4078,37 @@
           </a:bodyPr>
           <a:lstStyle/>
           <a:p>
-            <a:pPr algn="r"/>
-            <a:r>
-              <a:rPr lang="en-US" sz="1400" dirty="0">
+            <a:r>
+              <a:rPr lang="en-US" sz="1100" dirty="0">
                 <a:solidFill>
                   <a:srgbClr val="0070C0"/>
                 </a:solidFill>
               </a:rPr>
-              <a:t>execute(“delete 1”)</a:t>
-            </a:r>
+              <a:t>execute</a:t>
+            </a:r>
+            <a:r>
+              <a:rPr lang="en-US" sz="1100" dirty="0" smtClean="0">
+                <a:solidFill>
+                  <a:srgbClr val="0070C0"/>
+                </a:solidFill>
+              </a:rPr>
+              <a:t>(“</a:t>
+            </a:r>
+          </a:p>
+          <a:p>
+            <a:r>
+              <a:rPr lang="en-US" sz="1100" dirty="0" smtClean="0">
+                <a:solidFill>
+                  <a:srgbClr val="0070C0"/>
+                </a:solidFill>
+              </a:rPr>
+              <a:t>delete –t CS1231”)</a:t>
+            </a:r>
+            <a:endParaRPr lang="en-US" sz="1100" dirty="0">
+              <a:solidFill>
+                <a:srgbClr val="0070C0"/>
+              </a:solidFill>
+            </a:endParaRPr>
           </a:p>
         </p:txBody>
       </p:sp>
@@ -4090,8 +4120,8 @@
         </p:nvCxnSpPr>
         <p:spPr>
           <a:xfrm flipV="1">
-            <a:off x="5257218" y="3703214"/>
-            <a:ext cx="922392" cy="1"/>
+            <a:off x="5257218" y="3698482"/>
+            <a:ext cx="802443" cy="4734"/>
           </a:xfrm>
           <a:prstGeom prst="straightConnector1">
             <a:avLst/>
@@ -4640,8 +4670,8 @@
         </p:nvSpPr>
         <p:spPr>
           <a:xfrm>
-            <a:off x="6984957" y="4267200"/>
-            <a:ext cx="1424846" cy="215444"/>
+            <a:off x="6937728" y="4267200"/>
+            <a:ext cx="1672872" cy="215444"/>
           </a:xfrm>
           <a:prstGeom prst="rect">
             <a:avLst/>
@@ -4666,21 +4696,26 @@
           </a:lstStyle>
           <a:p>
             <a:r>
-              <a:rPr lang="en-US" dirty="0" err="1">
+              <a:rPr lang="en-US" dirty="0" err="1" smtClean="0">
                 <a:solidFill>
                   <a:srgbClr val="7030A0"/>
                 </a:solidFill>
               </a:rPr>
-              <a:t>deletePerson</a:t>
-            </a:r>
-            <a:r>
-              <a:rPr lang="en-US" dirty="0">
+              <a:t>deleteModule</a:t>
+            </a:r>
+            <a:r>
+              <a:rPr lang="en-US" dirty="0" smtClean="0">
                 <a:solidFill>
                   <a:srgbClr val="7030A0"/>
                 </a:solidFill>
               </a:rPr>
-              <a:t>(p)</a:t>
-            </a:r>
+              <a:t>(CS1231)</a:t>
+            </a:r>
+            <a:endParaRPr lang="en-US" dirty="0">
+              <a:solidFill>
+                <a:srgbClr val="7030A0"/>
+              </a:solidFill>
+            </a:endParaRPr>
           </a:p>
         </p:txBody>
       </p:sp>
@@ -4692,8 +4727,8 @@
         </p:nvSpPr>
         <p:spPr>
           <a:xfrm>
-            <a:off x="3847551" y="3657600"/>
-            <a:ext cx="767033" cy="184666"/>
+            <a:off x="3477409" y="3657600"/>
+            <a:ext cx="1451664" cy="184666"/>
           </a:xfrm>
           <a:prstGeom prst="rect">
             <a:avLst/>
@@ -4719,8 +4754,13 @@
           <a:p>
             <a:r>
               <a:rPr lang="en-US" sz="1200" dirty="0"/>
-              <a:t>parse(“1”)</a:t>
-            </a:r>
+              <a:t>parse</a:t>
+            </a:r>
+            <a:r>
+              <a:rPr lang="en-US" sz="1200" dirty="0" smtClean="0"/>
+              <a:t>(“-t CS1231”)</a:t>
+            </a:r>
+            <a:endParaRPr lang="en-US" sz="1200" dirty="0"/>
           </a:p>
         </p:txBody>
       </p:sp>
@@ -4732,8 +4772,8 @@
         </p:nvSpPr>
         <p:spPr>
           <a:xfrm>
-            <a:off x="1742982" y="2850922"/>
-            <a:ext cx="1424846" cy="215444"/>
+            <a:off x="1442736" y="2850922"/>
+            <a:ext cx="1725092" cy="169277"/>
           </a:xfrm>
           <a:prstGeom prst="rect">
             <a:avLst/>
@@ -4758,9 +4798,18 @@
           </a:lstStyle>
           <a:p>
             <a:r>
-              <a:rPr lang="en-US" dirty="0"/>
-              <a:t>parse(“delete 1”)</a:t>
-            </a:r>
+              <a:rPr lang="en-US" sz="1100" dirty="0"/>
+              <a:t>parse(“delete </a:t>
+            </a:r>
+            <a:r>
+              <a:rPr lang="en-US" sz="1100" dirty="0" smtClean="0"/>
+              <a:t>–t CS1231</a:t>
+            </a:r>
+            <a:r>
+              <a:rPr lang="en-US" sz="1100" dirty="0" smtClean="0"/>
+              <a:t>”)</a:t>
+            </a:r>
+            <a:endParaRPr lang="en-US" sz="1100" dirty="0"/>
           </a:p>
         </p:txBody>
       </p:sp>
@@ -4998,46 +5047,6 @@
       </p:cxnSp>
       <p:sp>
         <p:nvSpPr>
-          <p:cNvPr id="93" name="TextBox 92"/>
-          <p:cNvSpPr txBox="1"/>
-          <p:nvPr/>
-        </p:nvSpPr>
-        <p:spPr>
-          <a:xfrm>
-            <a:off x="2673845" y="4027787"/>
-            <a:ext cx="220343" cy="215444"/>
-          </a:xfrm>
-          <a:prstGeom prst="rect">
-            <a:avLst/>
-          </a:prstGeom>
-          <a:noFill/>
-        </p:spPr>
-        <p:txBody>
-          <a:bodyPr wrap="square" lIns="0" tIns="0" rIns="0" bIns="0" rtlCol="0">
-            <a:spAutoFit/>
-          </a:bodyPr>
-          <a:lstStyle>
-            <a:defPPr>
-              <a:defRPr lang="en-US"/>
-            </a:defPPr>
-            <a:lvl1pPr algn="r">
-              <a:defRPr sz="1400">
-                <a:solidFill>
-                  <a:srgbClr val="0070C0"/>
-                </a:solidFill>
-              </a:defRPr>
-            </a:lvl1pPr>
-          </a:lstStyle>
-          <a:p>
-            <a:r>
-              <a:rPr lang="en-US" dirty="0"/>
-              <a:t>d</a:t>
-            </a:r>
-          </a:p>
-        </p:txBody>
-      </p:sp>
-      <p:sp>
-        <p:nvSpPr>
           <p:cNvPr id="40" name="Rectangle 62"/>
           <p:cNvSpPr/>
           <p:nvPr/>
@@ -5088,14 +5097,14 @@
               <a:t>:</a:t>
             </a:r>
             <a:r>
-              <a:rPr lang="en-US" sz="1600" dirty="0" err="1">
+              <a:rPr lang="en-US" sz="1600" dirty="0" err="1" smtClean="0">
                 <a:solidFill>
                   <a:schemeClr val="bg1"/>
                 </a:solidFill>
               </a:rPr>
-              <a:t>DeleteCommand</a:t>
-            </a:r>
-            <a:endParaRPr lang="en-US" sz="1600" dirty="0">
+              <a:t>DeleteModule</a:t>
+            </a:r>
+            <a:endParaRPr lang="en-US" sz="1600" dirty="0" smtClean="0">
               <a:solidFill>
                 <a:schemeClr val="bg1"/>
               </a:solidFill>
@@ -5104,12 +5113,12 @@
           <a:p>
             <a:pPr algn="ctr"/>
             <a:r>
-              <a:rPr lang="en-US" sz="1600" dirty="0">
+              <a:rPr lang="en-US" sz="1600" dirty="0" err="1" smtClean="0">
                 <a:solidFill>
                   <a:schemeClr val="bg1"/>
                 </a:solidFill>
               </a:rPr>
-              <a:t>Parser</a:t>
+              <a:t>CommandParser</a:t>
             </a:r>
             <a:endParaRPr lang="en-SG" sz="1600" dirty="0">
               <a:solidFill>
@@ -5475,6 +5484,13 @@
   <p:clrMapOvr>
     <a:masterClrMapping/>
   </p:clrMapOvr>
+  <p:timing>
+    <p:tnLst>
+      <p:par>
+        <p:cTn id="1" dur="indefinite" restart="never" nodeType="tmRoot"/>
+      </p:par>
+    </p:tnLst>
+  </p:timing>
 </p:sld>
 </file>
 

--- a/docs/diagrams/LogicComponentSequenceDiagram.pptx
+++ b/docs/diagrams/LogicComponentSequenceDiagram.pptx
@@ -126,10 +126,6 @@
 </p:presentation>
 </file>
 
-<file path=ppt/revisionInfo.xml><?xml version="1.0" encoding="utf-8"?>
-<p1510:revInfo xmlns:a="http://schemas.openxmlformats.org/drawingml/2006/main" xmlns:r="http://schemas.openxmlformats.org/officeDocument/2006/relationships" xmlns:p1510="http://schemas.microsoft.com/office/powerpoint/2015/10/main"/>
-</file>
-
 <file path=ppt/notesMasters/notesMaster1.xml><?xml version="1.0" encoding="utf-8"?>
 <p:notesMaster xmlns:a="http://schemas.openxmlformats.org/drawingml/2006/main" xmlns:r="http://schemas.openxmlformats.org/officeDocument/2006/relationships" xmlns:p="http://schemas.openxmlformats.org/presentationml/2006/main">
   <p:cSld>
@@ -212,7 +208,7 @@
           <a:p>
             <a:fld id="{F5CC4B3F-88C1-4FFA-B1B6-F41C21DC6924}" type="datetimeFigureOut">
               <a:rPr lang="en-US" smtClean="0"/>
-              <a:t>7/11/2017</a:t>
+              <a:t>11/11/2018</a:t>
             </a:fld>
             <a:endParaRPr lang="en-US"/>
           </a:p>
@@ -658,7 +654,7 @@
           <a:p>
             <a:fld id="{78C97017-6FC3-485B-9764-EAC9E56C1D49}" type="datetimeFigureOut">
               <a:rPr lang="en-US" smtClean="0"/>
-              <a:t>7/11/2017</a:t>
+              <a:t>11/11/2018</a:t>
             </a:fld>
             <a:endParaRPr lang="en-US"/>
           </a:p>
@@ -826,7 +822,7 @@
           <a:p>
             <a:fld id="{78C97017-6FC3-485B-9764-EAC9E56C1D49}" type="datetimeFigureOut">
               <a:rPr lang="en-US" smtClean="0"/>
-              <a:t>7/11/2017</a:t>
+              <a:t>11/11/2018</a:t>
             </a:fld>
             <a:endParaRPr lang="en-US"/>
           </a:p>
@@ -1004,7 +1000,7 @@
           <a:p>
             <a:fld id="{78C97017-6FC3-485B-9764-EAC9E56C1D49}" type="datetimeFigureOut">
               <a:rPr lang="en-US" smtClean="0"/>
-              <a:t>7/11/2017</a:t>
+              <a:t>11/11/2018</a:t>
             </a:fld>
             <a:endParaRPr lang="en-US"/>
           </a:p>
@@ -1172,7 +1168,7 @@
           <a:p>
             <a:fld id="{78C97017-6FC3-485B-9764-EAC9E56C1D49}" type="datetimeFigureOut">
               <a:rPr lang="en-US" smtClean="0"/>
-              <a:t>7/11/2017</a:t>
+              <a:t>11/11/2018</a:t>
             </a:fld>
             <a:endParaRPr lang="en-US"/>
           </a:p>
@@ -1417,7 +1413,7 @@
           <a:p>
             <a:fld id="{78C97017-6FC3-485B-9764-EAC9E56C1D49}" type="datetimeFigureOut">
               <a:rPr lang="en-US" smtClean="0"/>
-              <a:t>7/11/2017</a:t>
+              <a:t>11/11/2018</a:t>
             </a:fld>
             <a:endParaRPr lang="en-US"/>
           </a:p>
@@ -1702,7 +1698,7 @@
           <a:p>
             <a:fld id="{78C97017-6FC3-485B-9764-EAC9E56C1D49}" type="datetimeFigureOut">
               <a:rPr lang="en-US" smtClean="0"/>
-              <a:t>7/11/2017</a:t>
+              <a:t>11/11/2018</a:t>
             </a:fld>
             <a:endParaRPr lang="en-US"/>
           </a:p>
@@ -2121,7 +2117,7 @@
           <a:p>
             <a:fld id="{78C97017-6FC3-485B-9764-EAC9E56C1D49}" type="datetimeFigureOut">
               <a:rPr lang="en-US" smtClean="0"/>
-              <a:t>7/11/2017</a:t>
+              <a:t>11/11/2018</a:t>
             </a:fld>
             <a:endParaRPr lang="en-US"/>
           </a:p>
@@ -2238,7 +2234,7 @@
           <a:p>
             <a:fld id="{78C97017-6FC3-485B-9764-EAC9E56C1D49}" type="datetimeFigureOut">
               <a:rPr lang="en-US" smtClean="0"/>
-              <a:t>7/11/2017</a:t>
+              <a:t>11/11/2018</a:t>
             </a:fld>
             <a:endParaRPr lang="en-US"/>
           </a:p>
@@ -2333,7 +2329,7 @@
           <a:p>
             <a:fld id="{78C97017-6FC3-485B-9764-EAC9E56C1D49}" type="datetimeFigureOut">
               <a:rPr lang="en-US" smtClean="0"/>
-              <a:t>7/11/2017</a:t>
+              <a:t>11/11/2018</a:t>
             </a:fld>
             <a:endParaRPr lang="en-US"/>
           </a:p>
@@ -2608,7 +2604,7 @@
           <a:p>
             <a:fld id="{78C97017-6FC3-485B-9764-EAC9E56C1D49}" type="datetimeFigureOut">
               <a:rPr lang="en-US" smtClean="0"/>
-              <a:t>7/11/2017</a:t>
+              <a:t>11/11/2018</a:t>
             </a:fld>
             <a:endParaRPr lang="en-US"/>
           </a:p>
@@ -2860,7 +2856,7 @@
           <a:p>
             <a:fld id="{78C97017-6FC3-485B-9764-EAC9E56C1D49}" type="datetimeFigureOut">
               <a:rPr lang="en-US" smtClean="0"/>
-              <a:t>7/11/2017</a:t>
+              <a:t>11/11/2018</a:t>
             </a:fld>
             <a:endParaRPr lang="en-US"/>
           </a:p>
@@ -3071,7 +3067,7 @@
           <a:p>
             <a:fld id="{78C97017-6FC3-485B-9764-EAC9E56C1D49}" type="datetimeFigureOut">
               <a:rPr lang="en-US" smtClean="0"/>
-              <a:t>7/11/2017</a:t>
+              <a:t>11/11/2018</a:t>
             </a:fld>
             <a:endParaRPr lang="en-US"/>
           </a:p>
@@ -3577,13 +3573,15 @@
       <p:cxnSp>
         <p:nvCxnSpPr>
           <p:cNvPr id="5" name="Straight Connector 4"/>
-          <p:cNvCxnSpPr/>
+          <p:cNvCxnSpPr>
+            <a:cxnSpLocks/>
+          </p:cNvCxnSpPr>
           <p:nvPr/>
         </p:nvCxnSpPr>
         <p:spPr>
           <a:xfrm>
             <a:off x="1572859" y="2660217"/>
-            <a:ext cx="0" cy="2597583"/>
+            <a:ext cx="0" cy="3321269"/>
           </a:xfrm>
           <a:prstGeom prst="line">
             <a:avLst/>
@@ -3666,8 +3664,8 @@
         </p:nvSpPr>
         <p:spPr>
           <a:xfrm>
-            <a:off x="2743200" y="2179309"/>
-            <a:ext cx="1219200" cy="467684"/>
+            <a:off x="2673845" y="2179309"/>
+            <a:ext cx="1424846" cy="467684"/>
           </a:xfrm>
           <a:prstGeom prst="rect">
             <a:avLst/>
@@ -3707,18 +3705,15 @@
                   <a:schemeClr val="bg1"/>
                 </a:solidFill>
               </a:rPr>
-              <a:t>:Address</a:t>
-            </a:r>
-          </a:p>
-          <a:p>
-            <a:pPr algn="ctr"/>
+              <a:t>:</a:t>
+            </a:r>
             <a:r>
               <a:rPr lang="en-US" sz="1600" dirty="0" err="1">
                 <a:solidFill>
                   <a:schemeClr val="bg1"/>
                 </a:solidFill>
               </a:rPr>
-              <a:t>BookParser</a:t>
+              <a:t>CarparkFinderParser</a:t>
             </a:r>
             <a:endParaRPr lang="en-SG" sz="1600" dirty="0">
               <a:solidFill>
@@ -3731,13 +3726,15 @@
       <p:cxnSp>
         <p:nvCxnSpPr>
           <p:cNvPr id="17" name="Straight Connector 16"/>
-          <p:cNvCxnSpPr/>
+          <p:cNvCxnSpPr>
+            <a:cxnSpLocks/>
+          </p:cNvCxnSpPr>
           <p:nvPr/>
         </p:nvCxnSpPr>
         <p:spPr>
           <a:xfrm>
             <a:off x="3356599" y="2663904"/>
-            <a:ext cx="0" cy="1695374"/>
+            <a:ext cx="29669" cy="3317582"/>
           </a:xfrm>
           <a:prstGeom prst="line">
             <a:avLst/>
@@ -3865,7 +3862,7 @@
                   <a:schemeClr val="bg1"/>
                 </a:solidFill>
               </a:rPr>
-              <a:t>d:Delete</a:t>
+              <a:t>f:Find</a:t>
             </a:r>
             <a:br>
               <a:rPr lang="en-US" sz="1600" dirty="0">
@@ -3894,6 +3891,7 @@
         <p:nvCxnSpPr>
           <p:cNvPr id="20" name="Straight Connector 19"/>
           <p:cNvCxnSpPr>
+            <a:cxnSpLocks/>
             <a:stCxn id="21" idx="0"/>
           </p:cNvCxnSpPr>
           <p:nvPr/>
@@ -3901,7 +3899,7 @@
         <p:spPr>
           <a:xfrm>
             <a:off x="6772574" y="3774278"/>
-            <a:ext cx="0" cy="1940722"/>
+            <a:ext cx="0" cy="2202609"/>
           </a:xfrm>
           <a:prstGeom prst="line">
             <a:avLst/>
@@ -4077,7 +4075,7 @@
                   <a:srgbClr val="0070C0"/>
                 </a:solidFill>
               </a:rPr>
-              <a:t>execute(“delete 1”)</a:t>
+              <a:t>execute(“find Y9”)</a:t>
             </a:r>
           </a:p>
         </p:txBody>
@@ -4640,8 +4638,8 @@
         </p:nvSpPr>
         <p:spPr>
           <a:xfrm>
-            <a:off x="6984957" y="4267200"/>
-            <a:ext cx="1424846" cy="215444"/>
+            <a:off x="6796636" y="4050281"/>
+            <a:ext cx="1752424" cy="430887"/>
           </a:xfrm>
           <a:prstGeom prst="rect">
             <a:avLst/>
@@ -4665,13 +4663,29 @@
             </a:lvl1pPr>
           </a:lstStyle>
           <a:p>
+            <a:pPr algn="ctr"/>
             <a:r>
               <a:rPr lang="en-US" dirty="0" err="1">
                 <a:solidFill>
                   <a:srgbClr val="7030A0"/>
                 </a:solidFill>
               </a:rPr>
-              <a:t>deletePerson</a:t>
+              <a:t>updateFiltered</a:t>
+            </a:r>
+            <a:endParaRPr lang="en-US" dirty="0">
+              <a:solidFill>
+                <a:srgbClr val="7030A0"/>
+              </a:solidFill>
+            </a:endParaRPr>
+          </a:p>
+          <a:p>
+            <a:r>
+              <a:rPr lang="en-US" dirty="0" err="1">
+                <a:solidFill>
+                  <a:srgbClr val="7030A0"/>
+                </a:solidFill>
+              </a:rPr>
+              <a:t>CarparkList</a:t>
             </a:r>
             <a:r>
               <a:rPr lang="en-US" dirty="0">
@@ -4679,7 +4693,7 @@
                   <a:srgbClr val="7030A0"/>
                 </a:solidFill>
               </a:rPr>
-              <a:t>(p)</a:t>
+              <a:t>(predicate)</a:t>
             </a:r>
           </a:p>
         </p:txBody>
@@ -4719,7 +4733,7 @@
           <a:p>
             <a:r>
               <a:rPr lang="en-US" sz="1200" dirty="0"/>
-              <a:t>parse(“1”)</a:t>
+              <a:t>parse(“Y9”)</a:t>
             </a:r>
           </a:p>
         </p:txBody>
@@ -4759,7 +4773,7 @@
           <a:p>
             <a:r>
               <a:rPr lang="en-US" dirty="0"/>
-              <a:t>parse(“delete 1”)</a:t>
+              <a:t>parse(“find Y9”)</a:t>
             </a:r>
           </a:p>
         </p:txBody>
@@ -4911,53 +4925,6 @@
           </a:p>
         </p:txBody>
       </p:sp>
-      <p:sp>
-        <p:nvSpPr>
-          <p:cNvPr id="86" name="Rectangle 85"/>
-          <p:cNvSpPr/>
-          <p:nvPr/>
-        </p:nvSpPr>
-        <p:spPr>
-          <a:xfrm>
-            <a:off x="7777323" y="5238824"/>
-            <a:ext cx="152400" cy="171376"/>
-          </a:xfrm>
-          <a:prstGeom prst="rect">
-            <a:avLst/>
-          </a:prstGeom>
-          <a:solidFill>
-            <a:srgbClr val="0070C0"/>
-          </a:solidFill>
-          <a:ln>
-            <a:solidFill>
-              <a:srgbClr val="0070C0"/>
-            </a:solidFill>
-          </a:ln>
-          <a:effectLst/>
-        </p:spPr>
-        <p:style>
-          <a:lnRef idx="1">
-            <a:schemeClr val="accent3"/>
-          </a:lnRef>
-          <a:fillRef idx="2">
-            <a:schemeClr val="accent3"/>
-          </a:fillRef>
-          <a:effectRef idx="1">
-            <a:schemeClr val="accent3"/>
-          </a:effectRef>
-          <a:fontRef idx="minor">
-            <a:schemeClr val="dk1"/>
-          </a:fontRef>
-        </p:style>
-        <p:txBody>
-          <a:bodyPr rtlCol="0" anchor="ctr"/>
-          <a:lstStyle/>
-          <a:p>
-            <a:pPr algn="ctr"/>
-            <a:endParaRPr lang="en-SG" sz="1400"/>
-          </a:p>
-        </p:txBody>
-      </p:sp>
       <p:cxnSp>
         <p:nvCxnSpPr>
           <p:cNvPr id="90" name="Straight Arrow Connector 89"/>
@@ -5031,7 +4998,7 @@
           <a:p>
             <a:r>
               <a:rPr lang="en-US" dirty="0"/>
-              <a:t>d</a:t>
+              <a:t>f</a:t>
             </a:r>
           </a:p>
         </p:txBody>
@@ -5093,7 +5060,7 @@
                   <a:schemeClr val="bg1"/>
                 </a:solidFill>
               </a:rPr>
-              <a:t>DeleteCommand</a:t>
+              <a:t>FindCommand</a:t>
             </a:r>
             <a:endParaRPr lang="en-US" sz="1600" dirty="0">
               <a:solidFill>
@@ -5441,6 +5408,183 @@
         <p:spPr>
           <a:xfrm>
             <a:off x="5033665" y="4199590"/>
+            <a:ext cx="258404" cy="261610"/>
+          </a:xfrm>
+          <a:prstGeom prst="rect">
+            <a:avLst/>
+          </a:prstGeom>
+          <a:noFill/>
+        </p:spPr>
+        <p:txBody>
+          <a:bodyPr wrap="none" rtlCol="0">
+            <a:spAutoFit/>
+          </a:bodyPr>
+          <a:lstStyle/>
+          <a:p>
+            <a:r>
+              <a:rPr lang="en-SG" sz="1100" dirty="0">
+                <a:solidFill>
+                  <a:srgbClr val="002060"/>
+                </a:solidFill>
+              </a:rPr>
+              <a:t>X</a:t>
+            </a:r>
+          </a:p>
+        </p:txBody>
+      </p:sp>
+      <p:sp>
+        <p:nvSpPr>
+          <p:cNvPr id="48" name="Rectangle 47">
+            <a:extLst>
+              <a:ext uri="{FF2B5EF4-FFF2-40B4-BE49-F238E27FC236}">
+                <a16:creationId xmlns:a16="http://schemas.microsoft.com/office/drawing/2014/main" id="{0F41B98D-7B30-48A4-B62A-6DCAC3A460E0}"/>
+              </a:ext>
+            </a:extLst>
+          </p:cNvPr>
+          <p:cNvSpPr/>
+          <p:nvPr/>
+        </p:nvSpPr>
+        <p:spPr>
+          <a:xfrm>
+            <a:off x="7777323" y="5238824"/>
+            <a:ext cx="152400" cy="171376"/>
+          </a:xfrm>
+          <a:prstGeom prst="rect">
+            <a:avLst/>
+          </a:prstGeom>
+          <a:solidFill>
+            <a:srgbClr val="0070C0"/>
+          </a:solidFill>
+          <a:ln>
+            <a:solidFill>
+              <a:srgbClr val="0070C0"/>
+            </a:solidFill>
+          </a:ln>
+          <a:effectLst/>
+        </p:spPr>
+        <p:style>
+          <a:lnRef idx="1">
+            <a:schemeClr val="accent3"/>
+          </a:lnRef>
+          <a:fillRef idx="2">
+            <a:schemeClr val="accent3"/>
+          </a:fillRef>
+          <a:effectRef idx="1">
+            <a:schemeClr val="accent3"/>
+          </a:effectRef>
+          <a:fontRef idx="minor">
+            <a:schemeClr val="dk1"/>
+          </a:fontRef>
+        </p:style>
+        <p:txBody>
+          <a:bodyPr rtlCol="0" anchor="ctr"/>
+          <a:lstStyle/>
+          <a:p>
+            <a:pPr algn="ctr"/>
+            <a:endParaRPr lang="en-SG" sz="1400"/>
+          </a:p>
+        </p:txBody>
+      </p:sp>
+      <p:cxnSp>
+        <p:nvCxnSpPr>
+          <p:cNvPr id="53" name="Straight Connector 52">
+            <a:extLst>
+              <a:ext uri="{FF2B5EF4-FFF2-40B4-BE49-F238E27FC236}">
+                <a16:creationId xmlns:a16="http://schemas.microsoft.com/office/drawing/2014/main" id="{991C4650-09D3-4989-9863-E4980B2AA3A1}"/>
+              </a:ext>
+            </a:extLst>
+          </p:cNvPr>
+          <p:cNvCxnSpPr>
+            <a:cxnSpLocks/>
+            <a:stCxn id="48" idx="0"/>
+          </p:cNvCxnSpPr>
+          <p:nvPr/>
+        </p:nvCxnSpPr>
+        <p:spPr>
+          <a:xfrm>
+            <a:off x="7853523" y="5238824"/>
+            <a:ext cx="0" cy="476176"/>
+          </a:xfrm>
+          <a:prstGeom prst="line">
+            <a:avLst/>
+          </a:prstGeom>
+          <a:ln w="19050">
+            <a:solidFill>
+              <a:srgbClr val="0070C0"/>
+            </a:solidFill>
+            <a:prstDash val="sysDash"/>
+          </a:ln>
+          <a:effectLst/>
+        </p:spPr>
+        <p:style>
+          <a:lnRef idx="1">
+            <a:schemeClr val="accent1"/>
+          </a:lnRef>
+          <a:fillRef idx="2">
+            <a:schemeClr val="accent1"/>
+          </a:fillRef>
+          <a:effectRef idx="1">
+            <a:schemeClr val="accent1"/>
+          </a:effectRef>
+          <a:fontRef idx="minor">
+            <a:schemeClr val="dk1"/>
+          </a:fontRef>
+        </p:style>
+      </p:cxnSp>
+      <p:sp>
+        <p:nvSpPr>
+          <p:cNvPr id="55" name="TextBox 54">
+            <a:extLst>
+              <a:ext uri="{FF2B5EF4-FFF2-40B4-BE49-F238E27FC236}">
+                <a16:creationId xmlns:a16="http://schemas.microsoft.com/office/drawing/2014/main" id="{A87BE203-155C-4D2D-8460-0C2B9F3D9789}"/>
+              </a:ext>
+            </a:extLst>
+          </p:cNvPr>
+          <p:cNvSpPr txBox="1"/>
+          <p:nvPr/>
+        </p:nvSpPr>
+        <p:spPr>
+          <a:xfrm>
+            <a:off x="6638911" y="5827154"/>
+            <a:ext cx="258404" cy="261610"/>
+          </a:xfrm>
+          <a:prstGeom prst="rect">
+            <a:avLst/>
+          </a:prstGeom>
+          <a:noFill/>
+        </p:spPr>
+        <p:txBody>
+          <a:bodyPr wrap="none" rtlCol="0">
+            <a:spAutoFit/>
+          </a:bodyPr>
+          <a:lstStyle/>
+          <a:p>
+            <a:r>
+              <a:rPr lang="en-SG" sz="1100" dirty="0">
+                <a:solidFill>
+                  <a:srgbClr val="002060"/>
+                </a:solidFill>
+              </a:rPr>
+              <a:t>X</a:t>
+            </a:r>
+          </a:p>
+        </p:txBody>
+      </p:sp>
+      <p:sp>
+        <p:nvSpPr>
+          <p:cNvPr id="56" name="TextBox 55">
+            <a:extLst>
+              <a:ext uri="{FF2B5EF4-FFF2-40B4-BE49-F238E27FC236}">
+                <a16:creationId xmlns:a16="http://schemas.microsoft.com/office/drawing/2014/main" id="{49B916DC-3A02-4D68-A213-6B6BF044B3C6}"/>
+              </a:ext>
+            </a:extLst>
+          </p:cNvPr>
+          <p:cNvSpPr txBox="1"/>
+          <p:nvPr/>
+        </p:nvSpPr>
+        <p:spPr>
+          <a:xfrm>
+            <a:off x="7724321" y="5565037"/>
             <a:ext cx="258404" cy="261610"/>
           </a:xfrm>
           <a:prstGeom prst="rect">

--- a/docs/diagrams/LogicComponentSequenceDiagram.pptx
+++ b/docs/diagrams/LogicComponentSequenceDiagram.pptx
@@ -126,10 +126,6 @@
 </p:presentation>
 </file>
 
-<file path=ppt/revisionInfo.xml><?xml version="1.0" encoding="utf-8"?>
-<p1510:revInfo xmlns:a="http://schemas.openxmlformats.org/drawingml/2006/main" xmlns:r="http://schemas.openxmlformats.org/officeDocument/2006/relationships" xmlns:p1510="http://schemas.microsoft.com/office/powerpoint/2015/10/main"/>
-</file>
-
 <file path=ppt/notesMasters/notesMaster1.xml><?xml version="1.0" encoding="utf-8"?>
 <p:notesMaster xmlns:a="http://schemas.openxmlformats.org/drawingml/2006/main" xmlns:r="http://schemas.openxmlformats.org/officeDocument/2006/relationships" xmlns:p="http://schemas.openxmlformats.org/presentationml/2006/main">
   <p:cSld>
@@ -212,7 +208,7 @@
           <a:p>
             <a:fld id="{F5CC4B3F-88C1-4FFA-B1B6-F41C21DC6924}" type="datetimeFigureOut">
               <a:rPr lang="en-US" smtClean="0"/>
-              <a:t>7/11/2017</a:t>
+              <a:t>11/12/2018</a:t>
             </a:fld>
             <a:endParaRPr lang="en-US"/>
           </a:p>
@@ -658,7 +654,7 @@
           <a:p>
             <a:fld id="{78C97017-6FC3-485B-9764-EAC9E56C1D49}" type="datetimeFigureOut">
               <a:rPr lang="en-US" smtClean="0"/>
-              <a:t>7/11/2017</a:t>
+              <a:t>11/12/2018</a:t>
             </a:fld>
             <a:endParaRPr lang="en-US"/>
           </a:p>
@@ -826,7 +822,7 @@
           <a:p>
             <a:fld id="{78C97017-6FC3-485B-9764-EAC9E56C1D49}" type="datetimeFigureOut">
               <a:rPr lang="en-US" smtClean="0"/>
-              <a:t>7/11/2017</a:t>
+              <a:t>11/12/2018</a:t>
             </a:fld>
             <a:endParaRPr lang="en-US"/>
           </a:p>
@@ -1004,7 +1000,7 @@
           <a:p>
             <a:fld id="{78C97017-6FC3-485B-9764-EAC9E56C1D49}" type="datetimeFigureOut">
               <a:rPr lang="en-US" smtClean="0"/>
-              <a:t>7/11/2017</a:t>
+              <a:t>11/12/2018</a:t>
             </a:fld>
             <a:endParaRPr lang="en-US"/>
           </a:p>
@@ -1172,7 +1168,7 @@
           <a:p>
             <a:fld id="{78C97017-6FC3-485B-9764-EAC9E56C1D49}" type="datetimeFigureOut">
               <a:rPr lang="en-US" smtClean="0"/>
-              <a:t>7/11/2017</a:t>
+              <a:t>11/12/2018</a:t>
             </a:fld>
             <a:endParaRPr lang="en-US"/>
           </a:p>
@@ -1417,7 +1413,7 @@
           <a:p>
             <a:fld id="{78C97017-6FC3-485B-9764-EAC9E56C1D49}" type="datetimeFigureOut">
               <a:rPr lang="en-US" smtClean="0"/>
-              <a:t>7/11/2017</a:t>
+              <a:t>11/12/2018</a:t>
             </a:fld>
             <a:endParaRPr lang="en-US"/>
           </a:p>
@@ -1702,7 +1698,7 @@
           <a:p>
             <a:fld id="{78C97017-6FC3-485B-9764-EAC9E56C1D49}" type="datetimeFigureOut">
               <a:rPr lang="en-US" smtClean="0"/>
-              <a:t>7/11/2017</a:t>
+              <a:t>11/12/2018</a:t>
             </a:fld>
             <a:endParaRPr lang="en-US"/>
           </a:p>
@@ -2121,7 +2117,7 @@
           <a:p>
             <a:fld id="{78C97017-6FC3-485B-9764-EAC9E56C1D49}" type="datetimeFigureOut">
               <a:rPr lang="en-US" smtClean="0"/>
-              <a:t>7/11/2017</a:t>
+              <a:t>11/12/2018</a:t>
             </a:fld>
             <a:endParaRPr lang="en-US"/>
           </a:p>
@@ -2238,7 +2234,7 @@
           <a:p>
             <a:fld id="{78C97017-6FC3-485B-9764-EAC9E56C1D49}" type="datetimeFigureOut">
               <a:rPr lang="en-US" smtClean="0"/>
-              <a:t>7/11/2017</a:t>
+              <a:t>11/12/2018</a:t>
             </a:fld>
             <a:endParaRPr lang="en-US"/>
           </a:p>
@@ -2333,7 +2329,7 @@
           <a:p>
             <a:fld id="{78C97017-6FC3-485B-9764-EAC9E56C1D49}" type="datetimeFigureOut">
               <a:rPr lang="en-US" smtClean="0"/>
-              <a:t>7/11/2017</a:t>
+              <a:t>11/12/2018</a:t>
             </a:fld>
             <a:endParaRPr lang="en-US"/>
           </a:p>
@@ -2608,7 +2604,7 @@
           <a:p>
             <a:fld id="{78C97017-6FC3-485B-9764-EAC9E56C1D49}" type="datetimeFigureOut">
               <a:rPr lang="en-US" smtClean="0"/>
-              <a:t>7/11/2017</a:t>
+              <a:t>11/12/2018</a:t>
             </a:fld>
             <a:endParaRPr lang="en-US"/>
           </a:p>
@@ -2860,7 +2856,7 @@
           <a:p>
             <a:fld id="{78C97017-6FC3-485B-9764-EAC9E56C1D49}" type="datetimeFigureOut">
               <a:rPr lang="en-US" smtClean="0"/>
-              <a:t>7/11/2017</a:t>
+              <a:t>11/12/2018</a:t>
             </a:fld>
             <a:endParaRPr lang="en-US"/>
           </a:p>
@@ -3071,7 +3067,7 @@
           <a:p>
             <a:fld id="{78C97017-6FC3-485B-9764-EAC9E56C1D49}" type="datetimeFigureOut">
               <a:rPr lang="en-US" smtClean="0"/>
-              <a:t>7/11/2017</a:t>
+              <a:t>11/12/2018</a:t>
             </a:fld>
             <a:endParaRPr lang="en-US"/>
           </a:p>
@@ -3667,7 +3663,7 @@
         <p:spPr>
           <a:xfrm>
             <a:off x="2743200" y="2179309"/>
-            <a:ext cx="1219200" cy="467684"/>
+            <a:ext cx="1219199" cy="467684"/>
           </a:xfrm>
           <a:prstGeom prst="rect">
             <a:avLst/>
@@ -3707,18 +3703,31 @@
                   <a:schemeClr val="bg1"/>
                 </a:solidFill>
               </a:rPr>
-              <a:t>:Address</a:t>
-            </a:r>
-          </a:p>
-          <a:p>
-            <a:pPr algn="ctr"/>
+              <a:t>:</a:t>
+            </a:r>
             <a:r>
               <a:rPr lang="en-US" sz="1600" dirty="0" err="1">
                 <a:solidFill>
                   <a:schemeClr val="bg1"/>
                 </a:solidFill>
               </a:rPr>
-              <a:t>BookParser</a:t>
+              <a:t>ThanePark</a:t>
+            </a:r>
+            <a:endParaRPr lang="en-US" sz="1600" dirty="0">
+              <a:solidFill>
+                <a:schemeClr val="bg1"/>
+              </a:solidFill>
+            </a:endParaRPr>
+          </a:p>
+          <a:p>
+            <a:pPr algn="ctr"/>
+            <a:r>
+              <a:rPr lang="en-US" sz="1600" dirty="0">
+                <a:solidFill>
+                  <a:schemeClr val="bg1"/>
+                </a:solidFill>
+              </a:rPr>
+              <a:t>Parser</a:t>
             </a:r>
             <a:endParaRPr lang="en-SG" sz="1600" dirty="0">
               <a:solidFill>
@@ -4671,7 +4680,7 @@
                   <a:srgbClr val="7030A0"/>
                 </a:solidFill>
               </a:rPr>
-              <a:t>deletePerson</a:t>
+              <a:t>deleteRide</a:t>
             </a:r>
             <a:r>
               <a:rPr lang="en-US" dirty="0">
@@ -4679,7 +4688,7 @@
                   <a:srgbClr val="7030A0"/>
                 </a:solidFill>
               </a:rPr>
-              <a:t>(p)</a:t>
+              <a:t>(r)</a:t>
             </a:r>
           </a:p>
         </p:txBody>

--- a/docs/diagrams/LogicComponentSequenceDiagram.pptx
+++ b/docs/diagrams/LogicComponentSequenceDiagram.pptx
@@ -5,10 +5,11 @@
     <p:sldMasterId id="2147483648" r:id="rId1"/>
   </p:sldMasterIdLst>
   <p:notesMasterIdLst>
-    <p:notesMasterId r:id="rId3"/>
+    <p:notesMasterId r:id="rId4"/>
   </p:notesMasterIdLst>
   <p:sldIdLst>
     <p:sldId id="267" r:id="rId2"/>
+    <p:sldId id="268" r:id="rId3"/>
   </p:sldIdLst>
   <p:sldSz cx="9144000" cy="6858000" type="screen4x3"/>
   <p:notesSz cx="6858000" cy="9144000"/>
@@ -126,10 +127,6 @@
 </p:presentation>
 </file>
 
-<file path=ppt/revisionInfo.xml><?xml version="1.0" encoding="utf-8"?>
-<p1510:revInfo xmlns:a="http://schemas.openxmlformats.org/drawingml/2006/main" xmlns:r="http://schemas.openxmlformats.org/officeDocument/2006/relationships" xmlns:p1510="http://schemas.microsoft.com/office/powerpoint/2015/10/main"/>
-</file>
-
 <file path=ppt/notesMasters/notesMaster1.xml><?xml version="1.0" encoding="utf-8"?>
 <p:notesMaster xmlns:a="http://schemas.openxmlformats.org/drawingml/2006/main" xmlns:r="http://schemas.openxmlformats.org/officeDocument/2006/relationships" xmlns:p="http://schemas.openxmlformats.org/presentationml/2006/main">
   <p:cSld>
@@ -212,7 +209,7 @@
           <a:p>
             <a:fld id="{F5CC4B3F-88C1-4FFA-B1B6-F41C21DC6924}" type="datetimeFigureOut">
               <a:rPr lang="en-US" smtClean="0"/>
-              <a:t>7/11/2017</a:t>
+              <a:t>11/12/2018</a:t>
             </a:fld>
             <a:endParaRPr lang="en-US"/>
           </a:p>
@@ -658,7 +655,7 @@
           <a:p>
             <a:fld id="{78C97017-6FC3-485B-9764-EAC9E56C1D49}" type="datetimeFigureOut">
               <a:rPr lang="en-US" smtClean="0"/>
-              <a:t>7/11/2017</a:t>
+              <a:t>11/12/2018</a:t>
             </a:fld>
             <a:endParaRPr lang="en-US"/>
           </a:p>
@@ -826,7 +823,7 @@
           <a:p>
             <a:fld id="{78C97017-6FC3-485B-9764-EAC9E56C1D49}" type="datetimeFigureOut">
               <a:rPr lang="en-US" smtClean="0"/>
-              <a:t>7/11/2017</a:t>
+              <a:t>11/12/2018</a:t>
             </a:fld>
             <a:endParaRPr lang="en-US"/>
           </a:p>
@@ -1004,7 +1001,7 @@
           <a:p>
             <a:fld id="{78C97017-6FC3-485B-9764-EAC9E56C1D49}" type="datetimeFigureOut">
               <a:rPr lang="en-US" smtClean="0"/>
-              <a:t>7/11/2017</a:t>
+              <a:t>11/12/2018</a:t>
             </a:fld>
             <a:endParaRPr lang="en-US"/>
           </a:p>
@@ -1172,7 +1169,7 @@
           <a:p>
             <a:fld id="{78C97017-6FC3-485B-9764-EAC9E56C1D49}" type="datetimeFigureOut">
               <a:rPr lang="en-US" smtClean="0"/>
-              <a:t>7/11/2017</a:t>
+              <a:t>11/12/2018</a:t>
             </a:fld>
             <a:endParaRPr lang="en-US"/>
           </a:p>
@@ -1417,7 +1414,7 @@
           <a:p>
             <a:fld id="{78C97017-6FC3-485B-9764-EAC9E56C1D49}" type="datetimeFigureOut">
               <a:rPr lang="en-US" smtClean="0"/>
-              <a:t>7/11/2017</a:t>
+              <a:t>11/12/2018</a:t>
             </a:fld>
             <a:endParaRPr lang="en-US"/>
           </a:p>
@@ -1702,7 +1699,7 @@
           <a:p>
             <a:fld id="{78C97017-6FC3-485B-9764-EAC9E56C1D49}" type="datetimeFigureOut">
               <a:rPr lang="en-US" smtClean="0"/>
-              <a:t>7/11/2017</a:t>
+              <a:t>11/12/2018</a:t>
             </a:fld>
             <a:endParaRPr lang="en-US"/>
           </a:p>
@@ -2121,7 +2118,7 @@
           <a:p>
             <a:fld id="{78C97017-6FC3-485B-9764-EAC9E56C1D49}" type="datetimeFigureOut">
               <a:rPr lang="en-US" smtClean="0"/>
-              <a:t>7/11/2017</a:t>
+              <a:t>11/12/2018</a:t>
             </a:fld>
             <a:endParaRPr lang="en-US"/>
           </a:p>
@@ -2238,7 +2235,7 @@
           <a:p>
             <a:fld id="{78C97017-6FC3-485B-9764-EAC9E56C1D49}" type="datetimeFigureOut">
               <a:rPr lang="en-US" smtClean="0"/>
-              <a:t>7/11/2017</a:t>
+              <a:t>11/12/2018</a:t>
             </a:fld>
             <a:endParaRPr lang="en-US"/>
           </a:p>
@@ -2333,7 +2330,7 @@
           <a:p>
             <a:fld id="{78C97017-6FC3-485B-9764-EAC9E56C1D49}" type="datetimeFigureOut">
               <a:rPr lang="en-US" smtClean="0"/>
-              <a:t>7/11/2017</a:t>
+              <a:t>11/12/2018</a:t>
             </a:fld>
             <a:endParaRPr lang="en-US"/>
           </a:p>
@@ -2608,7 +2605,7 @@
           <a:p>
             <a:fld id="{78C97017-6FC3-485B-9764-EAC9E56C1D49}" type="datetimeFigureOut">
               <a:rPr lang="en-US" smtClean="0"/>
-              <a:t>7/11/2017</a:t>
+              <a:t>11/12/2018</a:t>
             </a:fld>
             <a:endParaRPr lang="en-US"/>
           </a:p>
@@ -2860,7 +2857,7 @@
           <a:p>
             <a:fld id="{78C97017-6FC3-485B-9764-EAC9E56C1D49}" type="datetimeFigureOut">
               <a:rPr lang="en-US" smtClean="0"/>
-              <a:t>7/11/2017</a:t>
+              <a:t>11/12/2018</a:t>
             </a:fld>
             <a:endParaRPr lang="en-US"/>
           </a:p>
@@ -3071,7 +3068,7 @@
           <a:p>
             <a:fld id="{78C97017-6FC3-485B-9764-EAC9E56C1D49}" type="datetimeFigureOut">
               <a:rPr lang="en-US" smtClean="0"/>
-              <a:t>7/11/2017</a:t>
+              <a:t>11/12/2018</a:t>
             </a:fld>
             <a:endParaRPr lang="en-US"/>
           </a:p>
@@ -5469,6 +5466,2294 @@
     <p:extLst>
       <p:ext uri="{BB962C8B-B14F-4D97-AF65-F5344CB8AC3E}">
         <p14:creationId xmlns:p14="http://schemas.microsoft.com/office/powerpoint/2010/main" val="3945898909"/>
+      </p:ext>
+    </p:extLst>
+  </p:cSld>
+  <p:clrMapOvr>
+    <a:masterClrMapping/>
+  </p:clrMapOvr>
+</p:sld>
+</file>
+
+<file path=ppt/slides/slide2.xml><?xml version="1.0" encoding="utf-8"?>
+<p:sld xmlns:a="http://schemas.openxmlformats.org/drawingml/2006/main" xmlns:r="http://schemas.openxmlformats.org/officeDocument/2006/relationships" xmlns:p="http://schemas.openxmlformats.org/presentationml/2006/main">
+  <p:cSld>
+    <p:spTree>
+      <p:nvGrpSpPr>
+        <p:cNvPr id="1" name=""/>
+        <p:cNvGrpSpPr/>
+        <p:nvPr/>
+      </p:nvGrpSpPr>
+      <p:grpSpPr>
+        <a:xfrm>
+          <a:off x="0" y="0"/>
+          <a:ext cx="0" cy="0"/>
+          <a:chOff x="0" y="0"/>
+          <a:chExt cx="0" cy="0"/>
+        </a:xfrm>
+      </p:grpSpPr>
+      <p:sp>
+        <p:nvSpPr>
+          <p:cNvPr id="2" name="Rectangle 65">
+            <a:extLst>
+              <a:ext uri="{FF2B5EF4-FFF2-40B4-BE49-F238E27FC236}">
+                <a16:creationId xmlns:a16="http://schemas.microsoft.com/office/drawing/2014/main" id="{6D4F6FC7-E54D-455D-8357-97706581AA3F}"/>
+              </a:ext>
+            </a:extLst>
+          </p:cNvPr>
+          <p:cNvSpPr/>
+          <p:nvPr/>
+        </p:nvSpPr>
+        <p:spPr>
+          <a:xfrm>
+            <a:off x="467813" y="163018"/>
+            <a:ext cx="5863964" cy="6083850"/>
+          </a:xfrm>
+          <a:prstGeom prst="roundRect">
+            <a:avLst>
+              <a:gd name="adj" fmla="val 3484"/>
+            </a:avLst>
+          </a:prstGeom>
+          <a:solidFill>
+            <a:schemeClr val="accent1">
+              <a:lumMod val="20000"/>
+              <a:lumOff val="80000"/>
+            </a:schemeClr>
+          </a:solidFill>
+          <a:ln w="19050">
+            <a:noFill/>
+          </a:ln>
+          <a:effectLst/>
+        </p:spPr>
+        <p:style>
+          <a:lnRef idx="1">
+            <a:schemeClr val="accent2"/>
+          </a:lnRef>
+          <a:fillRef idx="2">
+            <a:schemeClr val="accent2"/>
+          </a:fillRef>
+          <a:effectRef idx="1">
+            <a:schemeClr val="accent2"/>
+          </a:effectRef>
+          <a:fontRef idx="minor">
+            <a:schemeClr val="dk1"/>
+          </a:fontRef>
+        </p:style>
+        <p:txBody>
+          <a:bodyPr rtlCol="0" anchor="t"/>
+          <a:lstStyle/>
+          <a:p>
+            <a:r>
+              <a:rPr lang="en-US" sz="1200" b="1" dirty="0">
+                <a:solidFill>
+                  <a:srgbClr val="0070C0"/>
+                </a:solidFill>
+              </a:rPr>
+              <a:t>Logic</a:t>
+            </a:r>
+            <a:endParaRPr lang="en-SG" sz="1200" b="1" dirty="0">
+              <a:solidFill>
+                <a:srgbClr val="0070C0"/>
+              </a:solidFill>
+            </a:endParaRPr>
+          </a:p>
+        </p:txBody>
+      </p:sp>
+      <p:sp>
+        <p:nvSpPr>
+          <p:cNvPr id="3" name="Rectangle 62">
+            <a:extLst>
+              <a:ext uri="{FF2B5EF4-FFF2-40B4-BE49-F238E27FC236}">
+                <a16:creationId xmlns:a16="http://schemas.microsoft.com/office/drawing/2014/main" id="{D3D76F02-AB86-4729-873A-EA3C0AD6E2BB}"/>
+              </a:ext>
+            </a:extLst>
+          </p:cNvPr>
+          <p:cNvSpPr/>
+          <p:nvPr/>
+        </p:nvSpPr>
+        <p:spPr>
+          <a:xfrm>
+            <a:off x="883145" y="543946"/>
+            <a:ext cx="1455629" cy="346760"/>
+          </a:xfrm>
+          <a:prstGeom prst="rect">
+            <a:avLst/>
+          </a:prstGeom>
+          <a:solidFill>
+            <a:srgbClr val="0070C0"/>
+          </a:solidFill>
+          <a:ln w="19050">
+            <a:solidFill>
+              <a:srgbClr val="0070C0"/>
+            </a:solidFill>
+          </a:ln>
+          <a:effectLst/>
+        </p:spPr>
+        <p:style>
+          <a:lnRef idx="1">
+            <a:schemeClr val="accent2"/>
+          </a:lnRef>
+          <a:fillRef idx="2">
+            <a:schemeClr val="accent2"/>
+          </a:fillRef>
+          <a:effectRef idx="1">
+            <a:schemeClr val="accent2"/>
+          </a:effectRef>
+          <a:fontRef idx="minor">
+            <a:schemeClr val="dk1"/>
+          </a:fontRef>
+        </p:style>
+        <p:txBody>
+          <a:bodyPr rtlCol="0" anchor="ctr"/>
+          <a:lstStyle/>
+          <a:p>
+            <a:pPr algn="ctr"/>
+            <a:r>
+              <a:rPr lang="en-US" sz="1600" dirty="0">
+                <a:solidFill>
+                  <a:schemeClr val="bg1"/>
+                </a:solidFill>
+              </a:rPr>
+              <a:t>:</a:t>
+            </a:r>
+            <a:r>
+              <a:rPr lang="en-US" sz="1600" dirty="0" err="1">
+                <a:solidFill>
+                  <a:schemeClr val="bg1"/>
+                </a:solidFill>
+              </a:rPr>
+              <a:t>LogicManager</a:t>
+            </a:r>
+            <a:endParaRPr lang="en-SG" sz="1600" dirty="0">
+              <a:solidFill>
+                <a:schemeClr val="bg1"/>
+              </a:solidFill>
+            </a:endParaRPr>
+          </a:p>
+        </p:txBody>
+      </p:sp>
+      <p:cxnSp>
+        <p:nvCxnSpPr>
+          <p:cNvPr id="4" name="Straight Connector 3">
+            <a:extLst>
+              <a:ext uri="{FF2B5EF4-FFF2-40B4-BE49-F238E27FC236}">
+                <a16:creationId xmlns:a16="http://schemas.microsoft.com/office/drawing/2014/main" id="{04E70EBA-FCF8-46D7-9539-8D34551A85C9}"/>
+              </a:ext>
+            </a:extLst>
+          </p:cNvPr>
+          <p:cNvCxnSpPr>
+            <a:cxnSpLocks/>
+          </p:cNvCxnSpPr>
+          <p:nvPr/>
+        </p:nvCxnSpPr>
+        <p:spPr>
+          <a:xfrm flipH="1">
+            <a:off x="1599768" y="907617"/>
+            <a:ext cx="11191" cy="5188383"/>
+          </a:xfrm>
+          <a:prstGeom prst="line">
+            <a:avLst/>
+          </a:prstGeom>
+          <a:ln w="19050">
+            <a:solidFill>
+              <a:srgbClr val="0070C0"/>
+            </a:solidFill>
+            <a:prstDash val="sysDash"/>
+          </a:ln>
+          <a:effectLst/>
+        </p:spPr>
+        <p:style>
+          <a:lnRef idx="1">
+            <a:schemeClr val="accent1"/>
+          </a:lnRef>
+          <a:fillRef idx="2">
+            <a:schemeClr val="accent1"/>
+          </a:fillRef>
+          <a:effectRef idx="1">
+            <a:schemeClr val="accent1"/>
+          </a:effectRef>
+          <a:fontRef idx="minor">
+            <a:schemeClr val="dk1"/>
+          </a:fontRef>
+        </p:style>
+      </p:cxnSp>
+      <p:sp>
+        <p:nvSpPr>
+          <p:cNvPr id="5" name="Rectangle 4">
+            <a:extLst>
+              <a:ext uri="{FF2B5EF4-FFF2-40B4-BE49-F238E27FC236}">
+                <a16:creationId xmlns:a16="http://schemas.microsoft.com/office/drawing/2014/main" id="{E9F83159-B7AF-465A-A9D5-9E9054B715C2}"/>
+              </a:ext>
+            </a:extLst>
+          </p:cNvPr>
+          <p:cNvSpPr/>
+          <p:nvPr/>
+        </p:nvSpPr>
+        <p:spPr>
+          <a:xfrm>
+            <a:off x="1530029" y="1258312"/>
+            <a:ext cx="148332" cy="4609088"/>
+          </a:xfrm>
+          <a:prstGeom prst="rect">
+            <a:avLst/>
+          </a:prstGeom>
+          <a:solidFill>
+            <a:srgbClr val="0070C0"/>
+          </a:solidFill>
+          <a:ln>
+            <a:solidFill>
+              <a:srgbClr val="0070C0"/>
+            </a:solidFill>
+          </a:ln>
+          <a:effectLst/>
+        </p:spPr>
+        <p:style>
+          <a:lnRef idx="1">
+            <a:schemeClr val="accent3"/>
+          </a:lnRef>
+          <a:fillRef idx="2">
+            <a:schemeClr val="accent3"/>
+          </a:fillRef>
+          <a:effectRef idx="1">
+            <a:schemeClr val="accent3"/>
+          </a:effectRef>
+          <a:fontRef idx="minor">
+            <a:schemeClr val="dk1"/>
+          </a:fontRef>
+        </p:style>
+        <p:txBody>
+          <a:bodyPr rtlCol="0" anchor="ctr"/>
+          <a:lstStyle/>
+          <a:p>
+            <a:pPr algn="ctr"/>
+            <a:endParaRPr lang="en-SG" sz="1400"/>
+          </a:p>
+        </p:txBody>
+      </p:sp>
+      <p:sp>
+        <p:nvSpPr>
+          <p:cNvPr id="6" name="Rectangle 62">
+            <a:extLst>
+              <a:ext uri="{FF2B5EF4-FFF2-40B4-BE49-F238E27FC236}">
+                <a16:creationId xmlns:a16="http://schemas.microsoft.com/office/drawing/2014/main" id="{D81E82F1-0037-4041-9259-EE7B0431F2DB}"/>
+              </a:ext>
+            </a:extLst>
+          </p:cNvPr>
+          <p:cNvSpPr/>
+          <p:nvPr/>
+        </p:nvSpPr>
+        <p:spPr>
+          <a:xfrm>
+            <a:off x="3437187" y="423022"/>
+            <a:ext cx="1455619" cy="467684"/>
+          </a:xfrm>
+          <a:prstGeom prst="rect">
+            <a:avLst/>
+          </a:prstGeom>
+          <a:solidFill>
+            <a:srgbClr val="0070C0"/>
+          </a:solidFill>
+          <a:ln w="19050">
+            <a:solidFill>
+              <a:srgbClr val="0070C0"/>
+            </a:solidFill>
+          </a:ln>
+          <a:effectLst/>
+        </p:spPr>
+        <p:style>
+          <a:lnRef idx="1">
+            <a:schemeClr val="accent2"/>
+          </a:lnRef>
+          <a:fillRef idx="2">
+            <a:schemeClr val="accent2"/>
+          </a:fillRef>
+          <a:effectRef idx="1">
+            <a:schemeClr val="accent2"/>
+          </a:effectRef>
+          <a:fontRef idx="minor">
+            <a:schemeClr val="dk1"/>
+          </a:fontRef>
+        </p:style>
+        <p:txBody>
+          <a:bodyPr rtlCol="0" anchor="ctr"/>
+          <a:lstStyle/>
+          <a:p>
+            <a:pPr algn="ctr"/>
+            <a:r>
+              <a:rPr lang="en-US" sz="1600" dirty="0">
+                <a:solidFill>
+                  <a:schemeClr val="bg1"/>
+                </a:solidFill>
+              </a:rPr>
+              <a:t>:</a:t>
+            </a:r>
+            <a:r>
+              <a:rPr lang="en-US" sz="1600" dirty="0" err="1">
+                <a:solidFill>
+                  <a:schemeClr val="bg1"/>
+                </a:solidFill>
+              </a:rPr>
+              <a:t>PiconsoParser</a:t>
+            </a:r>
+            <a:endParaRPr lang="en-SG" sz="1600" dirty="0">
+              <a:solidFill>
+                <a:schemeClr val="bg1"/>
+              </a:solidFill>
+            </a:endParaRPr>
+          </a:p>
+        </p:txBody>
+      </p:sp>
+      <p:cxnSp>
+        <p:nvCxnSpPr>
+          <p:cNvPr id="7" name="Straight Connector 6">
+            <a:extLst>
+              <a:ext uri="{FF2B5EF4-FFF2-40B4-BE49-F238E27FC236}">
+                <a16:creationId xmlns:a16="http://schemas.microsoft.com/office/drawing/2014/main" id="{F97D1DC7-0323-4FAB-9FCE-4D358C632B3E}"/>
+              </a:ext>
+            </a:extLst>
+          </p:cNvPr>
+          <p:cNvCxnSpPr>
+            <a:cxnSpLocks/>
+          </p:cNvCxnSpPr>
+          <p:nvPr/>
+        </p:nvCxnSpPr>
+        <p:spPr>
+          <a:xfrm>
+            <a:off x="4050587" y="907617"/>
+            <a:ext cx="0" cy="1482984"/>
+          </a:xfrm>
+          <a:prstGeom prst="line">
+            <a:avLst/>
+          </a:prstGeom>
+          <a:ln w="19050">
+            <a:solidFill>
+              <a:srgbClr val="0070C0"/>
+            </a:solidFill>
+            <a:prstDash val="sysDash"/>
+          </a:ln>
+          <a:effectLst/>
+        </p:spPr>
+        <p:style>
+          <a:lnRef idx="1">
+            <a:schemeClr val="accent1"/>
+          </a:lnRef>
+          <a:fillRef idx="2">
+            <a:schemeClr val="accent1"/>
+          </a:fillRef>
+          <a:effectRef idx="1">
+            <a:schemeClr val="accent1"/>
+          </a:effectRef>
+          <a:fontRef idx="minor">
+            <a:schemeClr val="dk1"/>
+          </a:fontRef>
+        </p:style>
+      </p:cxnSp>
+      <p:sp>
+        <p:nvSpPr>
+          <p:cNvPr id="8" name="Rectangle 7">
+            <a:extLst>
+              <a:ext uri="{FF2B5EF4-FFF2-40B4-BE49-F238E27FC236}">
+                <a16:creationId xmlns:a16="http://schemas.microsoft.com/office/drawing/2014/main" id="{0F09862C-0632-4396-A117-A6340D9ECD22}"/>
+              </a:ext>
+            </a:extLst>
+          </p:cNvPr>
+          <p:cNvSpPr/>
+          <p:nvPr/>
+        </p:nvSpPr>
+        <p:spPr>
+          <a:xfrm>
+            <a:off x="3978580" y="1365810"/>
+            <a:ext cx="154408" cy="767790"/>
+          </a:xfrm>
+          <a:prstGeom prst="rect">
+            <a:avLst/>
+          </a:prstGeom>
+          <a:solidFill>
+            <a:srgbClr val="0070C0"/>
+          </a:solidFill>
+          <a:ln>
+            <a:solidFill>
+              <a:srgbClr val="0070C0"/>
+            </a:solidFill>
+          </a:ln>
+          <a:effectLst/>
+        </p:spPr>
+        <p:style>
+          <a:lnRef idx="1">
+            <a:schemeClr val="accent3"/>
+          </a:lnRef>
+          <a:fillRef idx="2">
+            <a:schemeClr val="accent3"/>
+          </a:fillRef>
+          <a:effectRef idx="1">
+            <a:schemeClr val="accent3"/>
+          </a:effectRef>
+          <a:fontRef idx="minor">
+            <a:schemeClr val="dk1"/>
+          </a:fontRef>
+        </p:style>
+        <p:txBody>
+          <a:bodyPr rtlCol="0" anchor="ctr"/>
+          <a:lstStyle/>
+          <a:p>
+            <a:pPr algn="ctr"/>
+            <a:endParaRPr lang="en-SG" sz="1400">
+              <a:solidFill>
+                <a:schemeClr val="dk1"/>
+              </a:solidFill>
+            </a:endParaRPr>
+          </a:p>
+        </p:txBody>
+      </p:sp>
+      <p:cxnSp>
+        <p:nvCxnSpPr>
+          <p:cNvPr id="9" name="Straight Connector 8">
+            <a:extLst>
+              <a:ext uri="{FF2B5EF4-FFF2-40B4-BE49-F238E27FC236}">
+                <a16:creationId xmlns:a16="http://schemas.microsoft.com/office/drawing/2014/main" id="{9BA5718A-DD9B-4AD2-AB99-156161BAD73C}"/>
+              </a:ext>
+            </a:extLst>
+          </p:cNvPr>
+          <p:cNvCxnSpPr>
+            <a:cxnSpLocks/>
+            <a:stCxn id="10" idx="0"/>
+          </p:cNvCxnSpPr>
+          <p:nvPr/>
+        </p:nvCxnSpPr>
+        <p:spPr>
+          <a:xfrm>
+            <a:off x="5602082" y="1613633"/>
+            <a:ext cx="0" cy="4406167"/>
+          </a:xfrm>
+          <a:prstGeom prst="line">
+            <a:avLst/>
+          </a:prstGeom>
+          <a:ln w="19050">
+            <a:solidFill>
+              <a:srgbClr val="0070C0"/>
+            </a:solidFill>
+            <a:prstDash val="sysDash"/>
+          </a:ln>
+          <a:effectLst/>
+        </p:spPr>
+        <p:style>
+          <a:lnRef idx="1">
+            <a:schemeClr val="accent1"/>
+          </a:lnRef>
+          <a:fillRef idx="2">
+            <a:schemeClr val="accent1"/>
+          </a:fillRef>
+          <a:effectRef idx="1">
+            <a:schemeClr val="accent1"/>
+          </a:effectRef>
+          <a:fontRef idx="minor">
+            <a:schemeClr val="dk1"/>
+          </a:fontRef>
+        </p:style>
+      </p:cxnSp>
+      <p:sp>
+        <p:nvSpPr>
+          <p:cNvPr id="10" name="Rectangle 9">
+            <a:extLst>
+              <a:ext uri="{FF2B5EF4-FFF2-40B4-BE49-F238E27FC236}">
+                <a16:creationId xmlns:a16="http://schemas.microsoft.com/office/drawing/2014/main" id="{2703AC78-0D6A-4692-9B2F-15773EC889A3}"/>
+              </a:ext>
+            </a:extLst>
+          </p:cNvPr>
+          <p:cNvSpPr/>
+          <p:nvPr/>
+        </p:nvSpPr>
+        <p:spPr>
+          <a:xfrm>
+            <a:off x="5525882" y="1613633"/>
+            <a:ext cx="152400" cy="276003"/>
+          </a:xfrm>
+          <a:prstGeom prst="rect">
+            <a:avLst/>
+          </a:prstGeom>
+          <a:solidFill>
+            <a:srgbClr val="0070C0"/>
+          </a:solidFill>
+          <a:ln>
+            <a:solidFill>
+              <a:srgbClr val="0070C0"/>
+            </a:solidFill>
+          </a:ln>
+          <a:effectLst/>
+        </p:spPr>
+        <p:style>
+          <a:lnRef idx="1">
+            <a:schemeClr val="accent3"/>
+          </a:lnRef>
+          <a:fillRef idx="2">
+            <a:schemeClr val="accent3"/>
+          </a:fillRef>
+          <a:effectRef idx="1">
+            <a:schemeClr val="accent3"/>
+          </a:effectRef>
+          <a:fontRef idx="minor">
+            <a:schemeClr val="dk1"/>
+          </a:fontRef>
+        </p:style>
+        <p:txBody>
+          <a:bodyPr rtlCol="0" anchor="ctr"/>
+          <a:lstStyle/>
+          <a:p>
+            <a:pPr algn="ctr"/>
+            <a:endParaRPr lang="en-SG" sz="1400"/>
+          </a:p>
+        </p:txBody>
+      </p:sp>
+      <p:cxnSp>
+        <p:nvCxnSpPr>
+          <p:cNvPr id="11" name="Straight Arrow Connector 10">
+            <a:extLst>
+              <a:ext uri="{FF2B5EF4-FFF2-40B4-BE49-F238E27FC236}">
+                <a16:creationId xmlns:a16="http://schemas.microsoft.com/office/drawing/2014/main" id="{49F656B8-3260-4F89-BE59-DFFD9DA54227}"/>
+              </a:ext>
+            </a:extLst>
+          </p:cNvPr>
+          <p:cNvCxnSpPr/>
+          <p:nvPr/>
+        </p:nvCxnSpPr>
+        <p:spPr>
+          <a:xfrm>
+            <a:off x="419100" y="1261999"/>
+            <a:ext cx="1119851" cy="0"/>
+          </a:xfrm>
+          <a:prstGeom prst="straightConnector1">
+            <a:avLst/>
+          </a:prstGeom>
+          <a:ln w="19050">
+            <a:solidFill>
+              <a:srgbClr val="00B050"/>
+            </a:solidFill>
+            <a:tailEnd type="arrow"/>
+          </a:ln>
+        </p:spPr>
+        <p:style>
+          <a:lnRef idx="1">
+            <a:schemeClr val="accent1"/>
+          </a:lnRef>
+          <a:fillRef idx="0">
+            <a:schemeClr val="accent1"/>
+          </a:fillRef>
+          <a:effectRef idx="0">
+            <a:schemeClr val="accent1"/>
+          </a:effectRef>
+          <a:fontRef idx="minor">
+            <a:schemeClr val="tx1"/>
+          </a:fontRef>
+        </p:style>
+      </p:cxnSp>
+      <p:sp>
+        <p:nvSpPr>
+          <p:cNvPr id="12" name="TextBox 11">
+            <a:extLst>
+              <a:ext uri="{FF2B5EF4-FFF2-40B4-BE49-F238E27FC236}">
+                <a16:creationId xmlns:a16="http://schemas.microsoft.com/office/drawing/2014/main" id="{A1ECB3B2-1D65-430D-A609-7F19B15565F1}"/>
+              </a:ext>
+            </a:extLst>
+          </p:cNvPr>
+          <p:cNvSpPr txBox="1"/>
+          <p:nvPr/>
+        </p:nvSpPr>
+        <p:spPr>
+          <a:xfrm>
+            <a:off x="457200" y="1245513"/>
+            <a:ext cx="1114338" cy="430887"/>
+          </a:xfrm>
+          <a:prstGeom prst="rect">
+            <a:avLst/>
+          </a:prstGeom>
+          <a:noFill/>
+        </p:spPr>
+        <p:txBody>
+          <a:bodyPr wrap="square" lIns="0" tIns="0" rIns="0" bIns="0" rtlCol="0">
+            <a:spAutoFit/>
+          </a:bodyPr>
+          <a:lstStyle/>
+          <a:p>
+            <a:pPr algn="ctr"/>
+            <a:r>
+              <a:rPr lang="en-US" sz="1400" dirty="0">
+                <a:solidFill>
+                  <a:srgbClr val="0070C0"/>
+                </a:solidFill>
+              </a:rPr>
+              <a:t>Execute</a:t>
+            </a:r>
+          </a:p>
+          <a:p>
+            <a:pPr algn="ctr"/>
+            <a:r>
+              <a:rPr lang="en-US" sz="1400" dirty="0">
+                <a:solidFill>
+                  <a:srgbClr val="0070C0"/>
+                </a:solidFill>
+              </a:rPr>
+              <a:t>(“cd &lt;path&gt;”)</a:t>
+            </a:r>
+          </a:p>
+        </p:txBody>
+      </p:sp>
+      <p:cxnSp>
+        <p:nvCxnSpPr>
+          <p:cNvPr id="13" name="Straight Arrow Connector 12">
+            <a:extLst>
+              <a:ext uri="{FF2B5EF4-FFF2-40B4-BE49-F238E27FC236}">
+                <a16:creationId xmlns:a16="http://schemas.microsoft.com/office/drawing/2014/main" id="{C9D03FBF-8039-4CF6-BB3E-1D2BEC99FD17}"/>
+              </a:ext>
+            </a:extLst>
+          </p:cNvPr>
+          <p:cNvCxnSpPr/>
+          <p:nvPr/>
+        </p:nvCxnSpPr>
+        <p:spPr>
+          <a:xfrm flipV="1">
+            <a:off x="4135972" y="1512340"/>
+            <a:ext cx="922392" cy="1"/>
+          </a:xfrm>
+          <a:prstGeom prst="straightConnector1">
+            <a:avLst/>
+          </a:prstGeom>
+          <a:ln w="19050">
+            <a:solidFill>
+              <a:srgbClr val="0070C0"/>
+            </a:solidFill>
+            <a:tailEnd type="arrow"/>
+          </a:ln>
+        </p:spPr>
+        <p:style>
+          <a:lnRef idx="1">
+            <a:schemeClr val="accent1"/>
+          </a:lnRef>
+          <a:fillRef idx="0">
+            <a:schemeClr val="accent1"/>
+          </a:fillRef>
+          <a:effectRef idx="0">
+            <a:schemeClr val="accent1"/>
+          </a:effectRef>
+          <a:fontRef idx="minor">
+            <a:schemeClr val="tx1"/>
+          </a:fontRef>
+        </p:style>
+      </p:cxnSp>
+      <p:sp>
+        <p:nvSpPr>
+          <p:cNvPr id="14" name="TextBox 13">
+            <a:extLst>
+              <a:ext uri="{FF2B5EF4-FFF2-40B4-BE49-F238E27FC236}">
+                <a16:creationId xmlns:a16="http://schemas.microsoft.com/office/drawing/2014/main" id="{74B4D81B-7CAA-4B4C-B39C-D6AE2F08A3D0}"/>
+              </a:ext>
+            </a:extLst>
+          </p:cNvPr>
+          <p:cNvSpPr txBox="1"/>
+          <p:nvPr/>
+        </p:nvSpPr>
+        <p:spPr>
+          <a:xfrm>
+            <a:off x="3243421" y="2484071"/>
+            <a:ext cx="855809" cy="215444"/>
+          </a:xfrm>
+          <a:prstGeom prst="rect">
+            <a:avLst/>
+          </a:prstGeom>
+          <a:noFill/>
+        </p:spPr>
+        <p:txBody>
+          <a:bodyPr wrap="square" lIns="0" tIns="0" rIns="0" bIns="0" rtlCol="0">
+            <a:spAutoFit/>
+          </a:bodyPr>
+          <a:lstStyle>
+            <a:defPPr>
+              <a:defRPr lang="en-US"/>
+            </a:defPPr>
+            <a:lvl1pPr algn="r">
+              <a:defRPr sz="1400">
+                <a:solidFill>
+                  <a:srgbClr val="0070C0"/>
+                </a:solidFill>
+              </a:defRPr>
+            </a:lvl1pPr>
+          </a:lstStyle>
+          <a:p>
+            <a:r>
+              <a:rPr lang="en-US" dirty="0"/>
+              <a:t>execute()</a:t>
+            </a:r>
+          </a:p>
+        </p:txBody>
+      </p:sp>
+      <p:cxnSp>
+        <p:nvCxnSpPr>
+          <p:cNvPr id="15" name="Straight Arrow Connector 14">
+            <a:extLst>
+              <a:ext uri="{FF2B5EF4-FFF2-40B4-BE49-F238E27FC236}">
+                <a16:creationId xmlns:a16="http://schemas.microsoft.com/office/drawing/2014/main" id="{5ADC4E80-4846-4964-A8CC-858AE5D7C71B}"/>
+              </a:ext>
+            </a:extLst>
+          </p:cNvPr>
+          <p:cNvCxnSpPr/>
+          <p:nvPr/>
+        </p:nvCxnSpPr>
+        <p:spPr>
+          <a:xfrm>
+            <a:off x="4109108" y="1878232"/>
+            <a:ext cx="1492974" cy="0"/>
+          </a:xfrm>
+          <a:prstGeom prst="straightConnector1">
+            <a:avLst/>
+          </a:prstGeom>
+          <a:ln w="19050">
+            <a:solidFill>
+              <a:srgbClr val="0070C0"/>
+            </a:solidFill>
+            <a:prstDash val="sysDash"/>
+            <a:headEnd type="arrow" w="med" len="med"/>
+            <a:tailEnd type="none" w="med" len="med"/>
+          </a:ln>
+        </p:spPr>
+        <p:style>
+          <a:lnRef idx="1">
+            <a:schemeClr val="accent1"/>
+          </a:lnRef>
+          <a:fillRef idx="0">
+            <a:schemeClr val="accent1"/>
+          </a:fillRef>
+          <a:effectRef idx="0">
+            <a:schemeClr val="accent1"/>
+          </a:effectRef>
+          <a:fontRef idx="minor">
+            <a:schemeClr val="tx1"/>
+          </a:fontRef>
+        </p:style>
+      </p:cxnSp>
+      <p:cxnSp>
+        <p:nvCxnSpPr>
+          <p:cNvPr id="16" name="Straight Arrow Connector 15">
+            <a:extLst>
+              <a:ext uri="{FF2B5EF4-FFF2-40B4-BE49-F238E27FC236}">
+                <a16:creationId xmlns:a16="http://schemas.microsoft.com/office/drawing/2014/main" id="{0BF7E870-7C40-4C77-A1E3-C4442F5D1A84}"/>
+              </a:ext>
+            </a:extLst>
+          </p:cNvPr>
+          <p:cNvCxnSpPr>
+            <a:cxnSpLocks/>
+          </p:cNvCxnSpPr>
+          <p:nvPr/>
+        </p:nvCxnSpPr>
+        <p:spPr>
+          <a:xfrm>
+            <a:off x="1691351" y="2133600"/>
+            <a:ext cx="2348067" cy="0"/>
+          </a:xfrm>
+          <a:prstGeom prst="straightConnector1">
+            <a:avLst/>
+          </a:prstGeom>
+          <a:ln w="19050">
+            <a:solidFill>
+              <a:srgbClr val="0070C0"/>
+            </a:solidFill>
+            <a:prstDash val="sysDash"/>
+            <a:headEnd type="arrow" w="med" len="med"/>
+            <a:tailEnd type="none" w="med" len="med"/>
+          </a:ln>
+        </p:spPr>
+        <p:style>
+          <a:lnRef idx="1">
+            <a:schemeClr val="accent1"/>
+          </a:lnRef>
+          <a:fillRef idx="0">
+            <a:schemeClr val="accent1"/>
+          </a:fillRef>
+          <a:effectRef idx="0">
+            <a:schemeClr val="accent1"/>
+          </a:effectRef>
+          <a:fontRef idx="minor">
+            <a:schemeClr val="tx1"/>
+          </a:fontRef>
+        </p:style>
+      </p:cxnSp>
+      <p:cxnSp>
+        <p:nvCxnSpPr>
+          <p:cNvPr id="17" name="Straight Arrow Connector 16">
+            <a:extLst>
+              <a:ext uri="{FF2B5EF4-FFF2-40B4-BE49-F238E27FC236}">
+                <a16:creationId xmlns:a16="http://schemas.microsoft.com/office/drawing/2014/main" id="{071ED18F-5F05-493A-874D-0122AFF9C663}"/>
+              </a:ext>
+            </a:extLst>
+          </p:cNvPr>
+          <p:cNvCxnSpPr/>
+          <p:nvPr/>
+        </p:nvCxnSpPr>
+        <p:spPr>
+          <a:xfrm>
+            <a:off x="403717" y="5861770"/>
+            <a:ext cx="1196051" cy="0"/>
+          </a:xfrm>
+          <a:prstGeom prst="straightConnector1">
+            <a:avLst/>
+          </a:prstGeom>
+          <a:ln w="19050">
+            <a:solidFill>
+              <a:schemeClr val="accent1"/>
+            </a:solidFill>
+            <a:prstDash val="sysDash"/>
+            <a:headEnd type="arrow" w="med" len="med"/>
+            <a:tailEnd type="none" w="med" len="med"/>
+          </a:ln>
+        </p:spPr>
+        <p:style>
+          <a:lnRef idx="1">
+            <a:schemeClr val="accent1"/>
+          </a:lnRef>
+          <a:fillRef idx="0">
+            <a:schemeClr val="accent1"/>
+          </a:fillRef>
+          <a:effectRef idx="0">
+            <a:schemeClr val="accent1"/>
+          </a:effectRef>
+          <a:fontRef idx="minor">
+            <a:schemeClr val="tx1"/>
+          </a:fontRef>
+        </p:style>
+      </p:cxnSp>
+      <p:sp>
+        <p:nvSpPr>
+          <p:cNvPr id="18" name="Rectangle 17">
+            <a:extLst>
+              <a:ext uri="{FF2B5EF4-FFF2-40B4-BE49-F238E27FC236}">
+                <a16:creationId xmlns:a16="http://schemas.microsoft.com/office/drawing/2014/main" id="{76E34BC4-1D8B-4C57-AF99-AC3AED039261}"/>
+              </a:ext>
+            </a:extLst>
+          </p:cNvPr>
+          <p:cNvSpPr/>
+          <p:nvPr/>
+        </p:nvSpPr>
+        <p:spPr>
+          <a:xfrm>
+            <a:off x="5526489" y="2731314"/>
+            <a:ext cx="139020" cy="2998649"/>
+          </a:xfrm>
+          <a:prstGeom prst="rect">
+            <a:avLst/>
+          </a:prstGeom>
+          <a:solidFill>
+            <a:srgbClr val="0070C0"/>
+          </a:solidFill>
+          <a:ln>
+            <a:solidFill>
+              <a:srgbClr val="0070C0"/>
+            </a:solidFill>
+          </a:ln>
+          <a:effectLst/>
+        </p:spPr>
+        <p:style>
+          <a:lnRef idx="1">
+            <a:schemeClr val="accent3"/>
+          </a:lnRef>
+          <a:fillRef idx="2">
+            <a:schemeClr val="accent3"/>
+          </a:fillRef>
+          <a:effectRef idx="1">
+            <a:schemeClr val="accent3"/>
+          </a:effectRef>
+          <a:fontRef idx="minor">
+            <a:schemeClr val="dk1"/>
+          </a:fontRef>
+        </p:style>
+        <p:txBody>
+          <a:bodyPr rtlCol="0" anchor="ctr"/>
+          <a:lstStyle/>
+          <a:p>
+            <a:pPr algn="ctr"/>
+            <a:endParaRPr lang="en-SG" sz="1400"/>
+          </a:p>
+        </p:txBody>
+      </p:sp>
+      <p:sp>
+        <p:nvSpPr>
+          <p:cNvPr id="19" name="TextBox 18">
+            <a:extLst>
+              <a:ext uri="{FF2B5EF4-FFF2-40B4-BE49-F238E27FC236}">
+                <a16:creationId xmlns:a16="http://schemas.microsoft.com/office/drawing/2014/main" id="{31AB5184-71F7-40B3-8FB5-D51AB26382E3}"/>
+              </a:ext>
+            </a:extLst>
+          </p:cNvPr>
+          <p:cNvSpPr txBox="1"/>
+          <p:nvPr/>
+        </p:nvSpPr>
+        <p:spPr>
+          <a:xfrm>
+            <a:off x="5864722" y="2748246"/>
+            <a:ext cx="1298078" cy="184666"/>
+          </a:xfrm>
+          <a:prstGeom prst="rect">
+            <a:avLst/>
+          </a:prstGeom>
+          <a:noFill/>
+        </p:spPr>
+        <p:txBody>
+          <a:bodyPr wrap="square" lIns="0" tIns="0" rIns="0" bIns="0" rtlCol="0">
+            <a:spAutoFit/>
+          </a:bodyPr>
+          <a:lstStyle>
+            <a:defPPr>
+              <a:defRPr lang="en-US"/>
+            </a:defPPr>
+            <a:lvl1pPr algn="r">
+              <a:defRPr sz="1400">
+                <a:solidFill>
+                  <a:srgbClr val="0070C0"/>
+                </a:solidFill>
+              </a:defRPr>
+            </a:lvl1pPr>
+          </a:lstStyle>
+          <a:p>
+            <a:r>
+              <a:rPr lang="en-US" sz="1200" dirty="0" err="1">
+                <a:solidFill>
+                  <a:schemeClr val="accent4">
+                    <a:lumMod val="75000"/>
+                  </a:schemeClr>
+                </a:solidFill>
+              </a:rPr>
+              <a:t>getCurrDirectory</a:t>
+            </a:r>
+            <a:r>
+              <a:rPr lang="en-US" sz="1200" dirty="0">
+                <a:solidFill>
+                  <a:srgbClr val="7030A0"/>
+                </a:solidFill>
+              </a:rPr>
+              <a:t>()</a:t>
+            </a:r>
+            <a:endParaRPr lang="en-US" sz="1200" dirty="0"/>
+          </a:p>
+        </p:txBody>
+      </p:sp>
+      <p:sp>
+        <p:nvSpPr>
+          <p:cNvPr id="20" name="TextBox 19">
+            <a:extLst>
+              <a:ext uri="{FF2B5EF4-FFF2-40B4-BE49-F238E27FC236}">
+                <a16:creationId xmlns:a16="http://schemas.microsoft.com/office/drawing/2014/main" id="{9593379D-03FF-49D0-8FF2-03CC35540157}"/>
+              </a:ext>
+            </a:extLst>
+          </p:cNvPr>
+          <p:cNvSpPr txBox="1"/>
+          <p:nvPr/>
+        </p:nvSpPr>
+        <p:spPr>
+          <a:xfrm>
+            <a:off x="1885189" y="1106150"/>
+            <a:ext cx="1899551" cy="215444"/>
+          </a:xfrm>
+          <a:prstGeom prst="rect">
+            <a:avLst/>
+          </a:prstGeom>
+          <a:noFill/>
+        </p:spPr>
+        <p:txBody>
+          <a:bodyPr wrap="square" lIns="0" tIns="0" rIns="0" bIns="0" rtlCol="0">
+            <a:spAutoFit/>
+          </a:bodyPr>
+          <a:lstStyle>
+            <a:defPPr>
+              <a:defRPr lang="en-US"/>
+            </a:defPPr>
+            <a:lvl1pPr algn="r">
+              <a:defRPr sz="1400">
+                <a:solidFill>
+                  <a:srgbClr val="0070C0"/>
+                </a:solidFill>
+              </a:defRPr>
+            </a:lvl1pPr>
+          </a:lstStyle>
+          <a:p>
+            <a:r>
+              <a:rPr lang="en-US" dirty="0" err="1"/>
+              <a:t>parseCommand</a:t>
+            </a:r>
+            <a:r>
+              <a:rPr lang="en-US" dirty="0"/>
+              <a:t>(“cd”)</a:t>
+            </a:r>
+          </a:p>
+        </p:txBody>
+      </p:sp>
+      <p:sp>
+        <p:nvSpPr>
+          <p:cNvPr id="21" name="TextBox 20">
+            <a:extLst>
+              <a:ext uri="{FF2B5EF4-FFF2-40B4-BE49-F238E27FC236}">
+                <a16:creationId xmlns:a16="http://schemas.microsoft.com/office/drawing/2014/main" id="{1F1681CE-ACE9-4C69-B1EC-7B5AFDE6A1CD}"/>
+              </a:ext>
+            </a:extLst>
+          </p:cNvPr>
+          <p:cNvSpPr txBox="1"/>
+          <p:nvPr/>
+        </p:nvSpPr>
+        <p:spPr>
+          <a:xfrm>
+            <a:off x="3273402" y="5486400"/>
+            <a:ext cx="621216" cy="215444"/>
+          </a:xfrm>
+          <a:prstGeom prst="rect">
+            <a:avLst/>
+          </a:prstGeom>
+          <a:noFill/>
+        </p:spPr>
+        <p:txBody>
+          <a:bodyPr wrap="square" lIns="0" tIns="0" rIns="0" bIns="0" rtlCol="0">
+            <a:spAutoFit/>
+          </a:bodyPr>
+          <a:lstStyle>
+            <a:defPPr>
+              <a:defRPr lang="en-US"/>
+            </a:defPPr>
+            <a:lvl1pPr algn="r">
+              <a:defRPr sz="1400">
+                <a:solidFill>
+                  <a:srgbClr val="0070C0"/>
+                </a:solidFill>
+              </a:defRPr>
+            </a:lvl1pPr>
+          </a:lstStyle>
+          <a:p>
+            <a:r>
+              <a:rPr lang="en-US" dirty="0"/>
+              <a:t>result</a:t>
+            </a:r>
+          </a:p>
+        </p:txBody>
+      </p:sp>
+      <p:sp>
+        <p:nvSpPr>
+          <p:cNvPr id="22" name="TextBox 21">
+            <a:extLst>
+              <a:ext uri="{FF2B5EF4-FFF2-40B4-BE49-F238E27FC236}">
+                <a16:creationId xmlns:a16="http://schemas.microsoft.com/office/drawing/2014/main" id="{BD555F8A-3F01-4B86-9969-5870109AABDE}"/>
+              </a:ext>
+            </a:extLst>
+          </p:cNvPr>
+          <p:cNvSpPr txBox="1"/>
+          <p:nvPr/>
+        </p:nvSpPr>
+        <p:spPr>
+          <a:xfrm>
+            <a:off x="667988" y="5616671"/>
+            <a:ext cx="762000" cy="215444"/>
+          </a:xfrm>
+          <a:prstGeom prst="rect">
+            <a:avLst/>
+          </a:prstGeom>
+          <a:noFill/>
+        </p:spPr>
+        <p:txBody>
+          <a:bodyPr wrap="square" lIns="0" tIns="0" rIns="0" bIns="0" rtlCol="0">
+            <a:spAutoFit/>
+          </a:bodyPr>
+          <a:lstStyle>
+            <a:defPPr>
+              <a:defRPr lang="en-US"/>
+            </a:defPPr>
+            <a:lvl1pPr algn="r">
+              <a:defRPr sz="1400">
+                <a:solidFill>
+                  <a:srgbClr val="0070C0"/>
+                </a:solidFill>
+              </a:defRPr>
+            </a:lvl1pPr>
+          </a:lstStyle>
+          <a:p>
+            <a:r>
+              <a:rPr lang="en-US" dirty="0"/>
+              <a:t>result</a:t>
+            </a:r>
+          </a:p>
+        </p:txBody>
+      </p:sp>
+      <p:sp>
+        <p:nvSpPr>
+          <p:cNvPr id="23" name="TextBox 22">
+            <a:extLst>
+              <a:ext uri="{FF2B5EF4-FFF2-40B4-BE49-F238E27FC236}">
+                <a16:creationId xmlns:a16="http://schemas.microsoft.com/office/drawing/2014/main" id="{8E5BEFD5-D03F-48A6-8DBF-643641861353}"/>
+              </a:ext>
+            </a:extLst>
+          </p:cNvPr>
+          <p:cNvSpPr txBox="1"/>
+          <p:nvPr/>
+        </p:nvSpPr>
+        <p:spPr>
+          <a:xfrm>
+            <a:off x="2724792" y="1905793"/>
+            <a:ext cx="220343" cy="215444"/>
+          </a:xfrm>
+          <a:prstGeom prst="rect">
+            <a:avLst/>
+          </a:prstGeom>
+          <a:noFill/>
+        </p:spPr>
+        <p:txBody>
+          <a:bodyPr wrap="square" lIns="0" tIns="0" rIns="0" bIns="0" rtlCol="0">
+            <a:spAutoFit/>
+          </a:bodyPr>
+          <a:lstStyle>
+            <a:defPPr>
+              <a:defRPr lang="en-US"/>
+            </a:defPPr>
+            <a:lvl1pPr algn="r">
+              <a:defRPr sz="1400">
+                <a:solidFill>
+                  <a:srgbClr val="0070C0"/>
+                </a:solidFill>
+              </a:defRPr>
+            </a:lvl1pPr>
+          </a:lstStyle>
+          <a:p>
+            <a:r>
+              <a:rPr lang="en-US" dirty="0"/>
+              <a:t>cd</a:t>
+            </a:r>
+          </a:p>
+        </p:txBody>
+      </p:sp>
+      <p:sp>
+        <p:nvSpPr>
+          <p:cNvPr id="24" name="Rectangle 62">
+            <a:extLst>
+              <a:ext uri="{FF2B5EF4-FFF2-40B4-BE49-F238E27FC236}">
+                <a16:creationId xmlns:a16="http://schemas.microsoft.com/office/drawing/2014/main" id="{8CFEB53D-0469-465D-9938-6FD6D9250908}"/>
+              </a:ext>
+            </a:extLst>
+          </p:cNvPr>
+          <p:cNvSpPr/>
+          <p:nvPr/>
+        </p:nvSpPr>
+        <p:spPr>
+          <a:xfrm>
+            <a:off x="7162800" y="2362200"/>
+            <a:ext cx="841636" cy="300180"/>
+          </a:xfrm>
+          <a:prstGeom prst="rect">
+            <a:avLst/>
+          </a:prstGeom>
+          <a:solidFill>
+            <a:schemeClr val="accent4">
+              <a:lumMod val="40000"/>
+              <a:lumOff val="60000"/>
+            </a:schemeClr>
+          </a:solidFill>
+          <a:ln w="19050">
+            <a:solidFill>
+              <a:schemeClr val="accent4">
+                <a:lumMod val="40000"/>
+                <a:lumOff val="60000"/>
+              </a:schemeClr>
+            </a:solidFill>
+          </a:ln>
+          <a:effectLst/>
+        </p:spPr>
+        <p:style>
+          <a:lnRef idx="1">
+            <a:schemeClr val="accent2"/>
+          </a:lnRef>
+          <a:fillRef idx="2">
+            <a:schemeClr val="accent2"/>
+          </a:fillRef>
+          <a:effectRef idx="1">
+            <a:schemeClr val="accent2"/>
+          </a:effectRef>
+          <a:fontRef idx="minor">
+            <a:schemeClr val="dk1"/>
+          </a:fontRef>
+        </p:style>
+        <p:txBody>
+          <a:bodyPr rtlCol="0" anchor="ctr"/>
+          <a:lstStyle/>
+          <a:p>
+            <a:pPr algn="ctr"/>
+            <a:r>
+              <a:rPr lang="en-US" sz="1600" dirty="0">
+                <a:solidFill>
+                  <a:schemeClr val="bg1"/>
+                </a:solidFill>
+              </a:rPr>
+              <a:t>: Model</a:t>
+            </a:r>
+            <a:endParaRPr lang="en-SG" sz="1600" dirty="0">
+              <a:solidFill>
+                <a:schemeClr val="bg1"/>
+              </a:solidFill>
+            </a:endParaRPr>
+          </a:p>
+        </p:txBody>
+      </p:sp>
+      <p:cxnSp>
+        <p:nvCxnSpPr>
+          <p:cNvPr id="25" name="Straight Connector 24">
+            <a:extLst>
+              <a:ext uri="{FF2B5EF4-FFF2-40B4-BE49-F238E27FC236}">
+                <a16:creationId xmlns:a16="http://schemas.microsoft.com/office/drawing/2014/main" id="{7814DA09-D132-485B-8D2D-F17AB2463D45}"/>
+              </a:ext>
+            </a:extLst>
+          </p:cNvPr>
+          <p:cNvCxnSpPr>
+            <a:cxnSpLocks/>
+          </p:cNvCxnSpPr>
+          <p:nvPr/>
+        </p:nvCxnSpPr>
+        <p:spPr>
+          <a:xfrm flipH="1">
+            <a:off x="7587326" y="2653306"/>
+            <a:ext cx="16161" cy="3366494"/>
+          </a:xfrm>
+          <a:prstGeom prst="line">
+            <a:avLst/>
+          </a:prstGeom>
+          <a:ln w="19050">
+            <a:solidFill>
+              <a:schemeClr val="accent4">
+                <a:lumMod val="40000"/>
+                <a:lumOff val="60000"/>
+              </a:schemeClr>
+            </a:solidFill>
+            <a:prstDash val="sysDash"/>
+          </a:ln>
+          <a:effectLst/>
+        </p:spPr>
+        <p:style>
+          <a:lnRef idx="1">
+            <a:schemeClr val="accent1"/>
+          </a:lnRef>
+          <a:fillRef idx="2">
+            <a:schemeClr val="accent1"/>
+          </a:fillRef>
+          <a:effectRef idx="1">
+            <a:schemeClr val="accent1"/>
+          </a:effectRef>
+          <a:fontRef idx="minor">
+            <a:schemeClr val="dk1"/>
+          </a:fontRef>
+        </p:style>
+      </p:cxnSp>
+      <p:sp>
+        <p:nvSpPr>
+          <p:cNvPr id="26" name="Rectangle 25">
+            <a:extLst>
+              <a:ext uri="{FF2B5EF4-FFF2-40B4-BE49-F238E27FC236}">
+                <a16:creationId xmlns:a16="http://schemas.microsoft.com/office/drawing/2014/main" id="{62C7A96F-E4A4-4E0B-8D89-FEA9F082D87D}"/>
+              </a:ext>
+            </a:extLst>
+          </p:cNvPr>
+          <p:cNvSpPr/>
+          <p:nvPr/>
+        </p:nvSpPr>
+        <p:spPr>
+          <a:xfrm>
+            <a:off x="7500562" y="2958107"/>
+            <a:ext cx="152505" cy="375718"/>
+          </a:xfrm>
+          <a:prstGeom prst="rect">
+            <a:avLst/>
+          </a:prstGeom>
+          <a:solidFill>
+            <a:schemeClr val="accent4">
+              <a:lumMod val="40000"/>
+              <a:lumOff val="60000"/>
+            </a:schemeClr>
+          </a:solidFill>
+          <a:ln>
+            <a:solidFill>
+              <a:schemeClr val="accent4">
+                <a:lumMod val="40000"/>
+                <a:lumOff val="60000"/>
+              </a:schemeClr>
+            </a:solidFill>
+          </a:ln>
+          <a:effectLst/>
+        </p:spPr>
+        <p:style>
+          <a:lnRef idx="1">
+            <a:schemeClr val="accent3"/>
+          </a:lnRef>
+          <a:fillRef idx="2">
+            <a:schemeClr val="accent3"/>
+          </a:fillRef>
+          <a:effectRef idx="1">
+            <a:schemeClr val="accent3"/>
+          </a:effectRef>
+          <a:fontRef idx="minor">
+            <a:schemeClr val="dk1"/>
+          </a:fontRef>
+        </p:style>
+        <p:txBody>
+          <a:bodyPr rtlCol="0" anchor="ctr"/>
+          <a:lstStyle/>
+          <a:p>
+            <a:pPr algn="ctr"/>
+            <a:endParaRPr lang="en-SG" sz="1400"/>
+          </a:p>
+        </p:txBody>
+      </p:sp>
+      <p:cxnSp>
+        <p:nvCxnSpPr>
+          <p:cNvPr id="27" name="Straight Arrow Connector 26">
+            <a:extLst>
+              <a:ext uri="{FF2B5EF4-FFF2-40B4-BE49-F238E27FC236}">
+                <a16:creationId xmlns:a16="http://schemas.microsoft.com/office/drawing/2014/main" id="{1EF4A71F-9152-48C9-BD1C-C0D48E34E03E}"/>
+              </a:ext>
+            </a:extLst>
+          </p:cNvPr>
+          <p:cNvCxnSpPr>
+            <a:cxnSpLocks/>
+          </p:cNvCxnSpPr>
+          <p:nvPr/>
+        </p:nvCxnSpPr>
+        <p:spPr>
+          <a:xfrm>
+            <a:off x="5678282" y="2958107"/>
+            <a:ext cx="1822280" cy="1"/>
+          </a:xfrm>
+          <a:prstGeom prst="straightConnector1">
+            <a:avLst/>
+          </a:prstGeom>
+          <a:ln w="19050">
+            <a:solidFill>
+              <a:srgbClr val="0070C0"/>
+            </a:solidFill>
+            <a:tailEnd type="arrow"/>
+          </a:ln>
+        </p:spPr>
+        <p:style>
+          <a:lnRef idx="1">
+            <a:schemeClr val="accent1"/>
+          </a:lnRef>
+          <a:fillRef idx="0">
+            <a:schemeClr val="accent1"/>
+          </a:fillRef>
+          <a:effectRef idx="0">
+            <a:schemeClr val="accent1"/>
+          </a:effectRef>
+          <a:fontRef idx="minor">
+            <a:schemeClr val="tx1"/>
+          </a:fontRef>
+        </p:style>
+      </p:cxnSp>
+      <p:sp>
+        <p:nvSpPr>
+          <p:cNvPr id="28" name="TextBox 27">
+            <a:extLst>
+              <a:ext uri="{FF2B5EF4-FFF2-40B4-BE49-F238E27FC236}">
+                <a16:creationId xmlns:a16="http://schemas.microsoft.com/office/drawing/2014/main" id="{8C44D922-64B5-43D8-8BE8-58A27D9ACC69}"/>
+              </a:ext>
+            </a:extLst>
+          </p:cNvPr>
+          <p:cNvSpPr txBox="1"/>
+          <p:nvPr/>
+        </p:nvSpPr>
+        <p:spPr>
+          <a:xfrm>
+            <a:off x="5453591" y="5985258"/>
+            <a:ext cx="258404" cy="261610"/>
+          </a:xfrm>
+          <a:prstGeom prst="rect">
+            <a:avLst/>
+          </a:prstGeom>
+          <a:noFill/>
+        </p:spPr>
+        <p:txBody>
+          <a:bodyPr wrap="none" rtlCol="0">
+            <a:spAutoFit/>
+          </a:bodyPr>
+          <a:lstStyle/>
+          <a:p>
+            <a:r>
+              <a:rPr lang="en-SG" sz="1100" dirty="0">
+                <a:solidFill>
+                  <a:srgbClr val="002060"/>
+                </a:solidFill>
+              </a:rPr>
+              <a:t>X</a:t>
+            </a:r>
+          </a:p>
+        </p:txBody>
+      </p:sp>
+      <p:sp>
+        <p:nvSpPr>
+          <p:cNvPr id="29" name="Rectangle 62">
+            <a:extLst>
+              <a:ext uri="{FF2B5EF4-FFF2-40B4-BE49-F238E27FC236}">
+                <a16:creationId xmlns:a16="http://schemas.microsoft.com/office/drawing/2014/main" id="{ED147EE6-C42A-4F90-97B6-B1E4FA9B0872}"/>
+              </a:ext>
+            </a:extLst>
+          </p:cNvPr>
+          <p:cNvSpPr/>
+          <p:nvPr/>
+        </p:nvSpPr>
+        <p:spPr>
+          <a:xfrm>
+            <a:off x="5035976" y="1260268"/>
+            <a:ext cx="1093635" cy="461538"/>
+          </a:xfrm>
+          <a:prstGeom prst="rect">
+            <a:avLst/>
+          </a:prstGeom>
+          <a:solidFill>
+            <a:srgbClr val="0070C0"/>
+          </a:solidFill>
+          <a:ln w="19050">
+            <a:solidFill>
+              <a:srgbClr val="0070C0"/>
+            </a:solidFill>
+          </a:ln>
+          <a:effectLst/>
+        </p:spPr>
+        <p:style>
+          <a:lnRef idx="1">
+            <a:schemeClr val="accent2"/>
+          </a:lnRef>
+          <a:fillRef idx="2">
+            <a:schemeClr val="accent2"/>
+          </a:fillRef>
+          <a:effectRef idx="1">
+            <a:schemeClr val="accent2"/>
+          </a:effectRef>
+          <a:fontRef idx="minor">
+            <a:schemeClr val="dk1"/>
+          </a:fontRef>
+        </p:style>
+        <p:txBody>
+          <a:bodyPr rtlCol="0" anchor="ctr"/>
+          <a:lstStyle/>
+          <a:p>
+            <a:pPr algn="ctr"/>
+            <a:r>
+              <a:rPr lang="en-US" sz="1600" dirty="0" err="1">
+                <a:solidFill>
+                  <a:schemeClr val="bg1"/>
+                </a:solidFill>
+              </a:rPr>
+              <a:t>cd:Cd</a:t>
+            </a:r>
+            <a:br>
+              <a:rPr lang="en-US" sz="1600" dirty="0">
+                <a:solidFill>
+                  <a:schemeClr val="bg1"/>
+                </a:solidFill>
+              </a:rPr>
+            </a:br>
+            <a:r>
+              <a:rPr lang="en-US" sz="1600" dirty="0">
+                <a:solidFill>
+                  <a:schemeClr val="bg1"/>
+                </a:solidFill>
+              </a:rPr>
+              <a:t>Command</a:t>
+            </a:r>
+            <a:endParaRPr lang="en-SG" sz="1600" dirty="0">
+              <a:solidFill>
+                <a:schemeClr val="bg1"/>
+              </a:solidFill>
+            </a:endParaRPr>
+          </a:p>
+        </p:txBody>
+      </p:sp>
+      <p:cxnSp>
+        <p:nvCxnSpPr>
+          <p:cNvPr id="30" name="Straight Arrow Connector 29">
+            <a:extLst>
+              <a:ext uri="{FF2B5EF4-FFF2-40B4-BE49-F238E27FC236}">
+                <a16:creationId xmlns:a16="http://schemas.microsoft.com/office/drawing/2014/main" id="{D26CE975-4451-4D48-B5D7-E3A2C35B7811}"/>
+              </a:ext>
+            </a:extLst>
+          </p:cNvPr>
+          <p:cNvCxnSpPr>
+            <a:cxnSpLocks/>
+          </p:cNvCxnSpPr>
+          <p:nvPr/>
+        </p:nvCxnSpPr>
+        <p:spPr>
+          <a:xfrm>
+            <a:off x="1691351" y="2731314"/>
+            <a:ext cx="3832164" cy="1"/>
+          </a:xfrm>
+          <a:prstGeom prst="straightConnector1">
+            <a:avLst/>
+          </a:prstGeom>
+          <a:ln w="19050">
+            <a:solidFill>
+              <a:srgbClr val="0070C0"/>
+            </a:solidFill>
+            <a:tailEnd type="arrow"/>
+          </a:ln>
+        </p:spPr>
+        <p:style>
+          <a:lnRef idx="1">
+            <a:schemeClr val="accent1"/>
+          </a:lnRef>
+          <a:fillRef idx="0">
+            <a:schemeClr val="accent1"/>
+          </a:fillRef>
+          <a:effectRef idx="0">
+            <a:schemeClr val="accent1"/>
+          </a:effectRef>
+          <a:fontRef idx="minor">
+            <a:schemeClr val="tx1"/>
+          </a:fontRef>
+        </p:style>
+      </p:cxnSp>
+      <p:cxnSp>
+        <p:nvCxnSpPr>
+          <p:cNvPr id="31" name="Straight Arrow Connector 30">
+            <a:extLst>
+              <a:ext uri="{FF2B5EF4-FFF2-40B4-BE49-F238E27FC236}">
+                <a16:creationId xmlns:a16="http://schemas.microsoft.com/office/drawing/2014/main" id="{870F3C9C-AE28-47DC-B777-738633810D75}"/>
+              </a:ext>
+            </a:extLst>
+          </p:cNvPr>
+          <p:cNvCxnSpPr>
+            <a:cxnSpLocks/>
+          </p:cNvCxnSpPr>
+          <p:nvPr/>
+        </p:nvCxnSpPr>
+        <p:spPr>
+          <a:xfrm>
+            <a:off x="1708245" y="1363918"/>
+            <a:ext cx="2256705" cy="1"/>
+          </a:xfrm>
+          <a:prstGeom prst="straightConnector1">
+            <a:avLst/>
+          </a:prstGeom>
+          <a:ln w="19050">
+            <a:solidFill>
+              <a:srgbClr val="0070C0"/>
+            </a:solidFill>
+            <a:tailEnd type="arrow"/>
+          </a:ln>
+        </p:spPr>
+        <p:style>
+          <a:lnRef idx="1">
+            <a:schemeClr val="accent1"/>
+          </a:lnRef>
+          <a:fillRef idx="0">
+            <a:schemeClr val="accent1"/>
+          </a:fillRef>
+          <a:effectRef idx="0">
+            <a:schemeClr val="accent1"/>
+          </a:effectRef>
+          <a:fontRef idx="minor">
+            <a:schemeClr val="tx1"/>
+          </a:fontRef>
+        </p:style>
+      </p:cxnSp>
+      <p:cxnSp>
+        <p:nvCxnSpPr>
+          <p:cNvPr id="32" name="Straight Arrow Connector 31">
+            <a:extLst>
+              <a:ext uri="{FF2B5EF4-FFF2-40B4-BE49-F238E27FC236}">
+                <a16:creationId xmlns:a16="http://schemas.microsoft.com/office/drawing/2014/main" id="{E94E87D8-B406-4F97-B72B-C3E323680317}"/>
+              </a:ext>
+            </a:extLst>
+          </p:cNvPr>
+          <p:cNvCxnSpPr>
+            <a:cxnSpLocks/>
+          </p:cNvCxnSpPr>
+          <p:nvPr/>
+        </p:nvCxnSpPr>
+        <p:spPr>
+          <a:xfrm>
+            <a:off x="1691998" y="5734846"/>
+            <a:ext cx="3831517" cy="0"/>
+          </a:xfrm>
+          <a:prstGeom prst="straightConnector1">
+            <a:avLst/>
+          </a:prstGeom>
+          <a:ln w="19050">
+            <a:solidFill>
+              <a:srgbClr val="0070C0"/>
+            </a:solidFill>
+            <a:prstDash val="sysDash"/>
+            <a:headEnd type="arrow" w="med" len="med"/>
+            <a:tailEnd type="none" w="med" len="med"/>
+          </a:ln>
+        </p:spPr>
+        <p:style>
+          <a:lnRef idx="1">
+            <a:schemeClr val="accent1"/>
+          </a:lnRef>
+          <a:fillRef idx="0">
+            <a:schemeClr val="accent1"/>
+          </a:fillRef>
+          <a:effectRef idx="0">
+            <a:schemeClr val="accent1"/>
+          </a:effectRef>
+          <a:fontRef idx="minor">
+            <a:schemeClr val="tx1"/>
+          </a:fontRef>
+        </p:style>
+      </p:cxnSp>
+      <p:cxnSp>
+        <p:nvCxnSpPr>
+          <p:cNvPr id="33" name="Straight Arrow Connector 32">
+            <a:extLst>
+              <a:ext uri="{FF2B5EF4-FFF2-40B4-BE49-F238E27FC236}">
+                <a16:creationId xmlns:a16="http://schemas.microsoft.com/office/drawing/2014/main" id="{262DBD89-67FB-4752-B823-50C8CFC0DDF4}"/>
+              </a:ext>
+            </a:extLst>
+          </p:cNvPr>
+          <p:cNvCxnSpPr>
+            <a:cxnSpLocks/>
+            <a:endCxn id="26" idx="2"/>
+          </p:cNvCxnSpPr>
+          <p:nvPr/>
+        </p:nvCxnSpPr>
+        <p:spPr>
+          <a:xfrm>
+            <a:off x="5665509" y="3333825"/>
+            <a:ext cx="1911306" cy="0"/>
+          </a:xfrm>
+          <a:prstGeom prst="straightConnector1">
+            <a:avLst/>
+          </a:prstGeom>
+          <a:ln w="19050">
+            <a:solidFill>
+              <a:schemeClr val="accent4">
+                <a:lumMod val="40000"/>
+                <a:lumOff val="60000"/>
+              </a:schemeClr>
+            </a:solidFill>
+            <a:prstDash val="sysDash"/>
+            <a:headEnd type="arrow" w="med" len="med"/>
+            <a:tailEnd type="none" w="med" len="med"/>
+          </a:ln>
+        </p:spPr>
+        <p:style>
+          <a:lnRef idx="1">
+            <a:schemeClr val="accent1"/>
+          </a:lnRef>
+          <a:fillRef idx="0">
+            <a:schemeClr val="accent1"/>
+          </a:fillRef>
+          <a:effectRef idx="0">
+            <a:schemeClr val="accent1"/>
+          </a:effectRef>
+          <a:fontRef idx="minor">
+            <a:schemeClr val="tx1"/>
+          </a:fontRef>
+        </p:style>
+      </p:cxnSp>
+      <p:sp>
+        <p:nvSpPr>
+          <p:cNvPr id="34" name="Rectangle 33">
+            <a:extLst>
+              <a:ext uri="{FF2B5EF4-FFF2-40B4-BE49-F238E27FC236}">
+                <a16:creationId xmlns:a16="http://schemas.microsoft.com/office/drawing/2014/main" id="{0D706932-3CC2-4FD0-BACD-FA145550CBB5}"/>
+              </a:ext>
+            </a:extLst>
+          </p:cNvPr>
+          <p:cNvSpPr/>
+          <p:nvPr/>
+        </p:nvSpPr>
+        <p:spPr>
+          <a:xfrm>
+            <a:off x="7503240" y="3948293"/>
+            <a:ext cx="153786" cy="511193"/>
+          </a:xfrm>
+          <a:prstGeom prst="rect">
+            <a:avLst/>
+          </a:prstGeom>
+          <a:solidFill>
+            <a:schemeClr val="accent4">
+              <a:lumMod val="40000"/>
+              <a:lumOff val="60000"/>
+            </a:schemeClr>
+          </a:solidFill>
+          <a:ln>
+            <a:solidFill>
+              <a:schemeClr val="accent4">
+                <a:lumMod val="40000"/>
+                <a:lumOff val="60000"/>
+              </a:schemeClr>
+            </a:solidFill>
+          </a:ln>
+          <a:effectLst/>
+        </p:spPr>
+        <p:style>
+          <a:lnRef idx="1">
+            <a:schemeClr val="accent3"/>
+          </a:lnRef>
+          <a:fillRef idx="2">
+            <a:schemeClr val="accent3"/>
+          </a:fillRef>
+          <a:effectRef idx="1">
+            <a:schemeClr val="accent3"/>
+          </a:effectRef>
+          <a:fontRef idx="minor">
+            <a:schemeClr val="dk1"/>
+          </a:fontRef>
+        </p:style>
+        <p:txBody>
+          <a:bodyPr rtlCol="0" anchor="ctr"/>
+          <a:lstStyle/>
+          <a:p>
+            <a:pPr algn="ctr"/>
+            <a:endParaRPr lang="en-SG" sz="1400"/>
+          </a:p>
+        </p:txBody>
+      </p:sp>
+      <p:cxnSp>
+        <p:nvCxnSpPr>
+          <p:cNvPr id="35" name="Straight Arrow Connector 34">
+            <a:extLst>
+              <a:ext uri="{FF2B5EF4-FFF2-40B4-BE49-F238E27FC236}">
+                <a16:creationId xmlns:a16="http://schemas.microsoft.com/office/drawing/2014/main" id="{204149EE-E85B-4263-8E77-08ABFA9CF834}"/>
+              </a:ext>
+            </a:extLst>
+          </p:cNvPr>
+          <p:cNvCxnSpPr>
+            <a:cxnSpLocks/>
+          </p:cNvCxnSpPr>
+          <p:nvPr/>
+        </p:nvCxnSpPr>
+        <p:spPr>
+          <a:xfrm>
+            <a:off x="5636122" y="3948293"/>
+            <a:ext cx="1864440" cy="0"/>
+          </a:xfrm>
+          <a:prstGeom prst="straightConnector1">
+            <a:avLst/>
+          </a:prstGeom>
+          <a:ln w="19050">
+            <a:solidFill>
+              <a:srgbClr val="0070C0"/>
+            </a:solidFill>
+            <a:tailEnd type="arrow"/>
+          </a:ln>
+        </p:spPr>
+        <p:style>
+          <a:lnRef idx="1">
+            <a:schemeClr val="accent1"/>
+          </a:lnRef>
+          <a:fillRef idx="0">
+            <a:schemeClr val="accent1"/>
+          </a:fillRef>
+          <a:effectRef idx="0">
+            <a:schemeClr val="accent1"/>
+          </a:effectRef>
+          <a:fontRef idx="minor">
+            <a:schemeClr val="tx1"/>
+          </a:fontRef>
+        </p:style>
+      </p:cxnSp>
+      <p:sp>
+        <p:nvSpPr>
+          <p:cNvPr id="36" name="TextBox 35">
+            <a:extLst>
+              <a:ext uri="{FF2B5EF4-FFF2-40B4-BE49-F238E27FC236}">
+                <a16:creationId xmlns:a16="http://schemas.microsoft.com/office/drawing/2014/main" id="{E663BE8B-2DBB-499B-B231-F118B0E2B1E3}"/>
+              </a:ext>
+            </a:extLst>
+          </p:cNvPr>
+          <p:cNvSpPr txBox="1"/>
+          <p:nvPr/>
+        </p:nvSpPr>
+        <p:spPr>
+          <a:xfrm>
+            <a:off x="5750166" y="3720006"/>
+            <a:ext cx="1678512" cy="184666"/>
+          </a:xfrm>
+          <a:prstGeom prst="rect">
+            <a:avLst/>
+          </a:prstGeom>
+          <a:noFill/>
+          <a:ln>
+            <a:noFill/>
+          </a:ln>
+        </p:spPr>
+        <p:txBody>
+          <a:bodyPr wrap="square" lIns="0" tIns="0" rIns="0" bIns="0" rtlCol="0">
+            <a:spAutoFit/>
+          </a:bodyPr>
+          <a:lstStyle>
+            <a:defPPr>
+              <a:defRPr lang="en-US"/>
+            </a:defPPr>
+            <a:lvl1pPr algn="r">
+              <a:defRPr sz="1400">
+                <a:solidFill>
+                  <a:srgbClr val="0070C0"/>
+                </a:solidFill>
+              </a:defRPr>
+            </a:lvl1pPr>
+          </a:lstStyle>
+          <a:p>
+            <a:r>
+              <a:rPr lang="en-US" sz="1200" dirty="0" err="1">
+                <a:solidFill>
+                  <a:srgbClr val="7030A0"/>
+                </a:solidFill>
+              </a:rPr>
+              <a:t>updateCurrDirectory</a:t>
+            </a:r>
+            <a:r>
+              <a:rPr lang="en-US" sz="1200" dirty="0">
+                <a:solidFill>
+                  <a:schemeClr val="accent4">
+                    <a:lumMod val="75000"/>
+                  </a:schemeClr>
+                </a:solidFill>
+              </a:rPr>
+              <a:t>(Path)</a:t>
+            </a:r>
+          </a:p>
+        </p:txBody>
+      </p:sp>
+      <p:cxnSp>
+        <p:nvCxnSpPr>
+          <p:cNvPr id="37" name="Straight Arrow Connector 36">
+            <a:extLst>
+              <a:ext uri="{FF2B5EF4-FFF2-40B4-BE49-F238E27FC236}">
+                <a16:creationId xmlns:a16="http://schemas.microsoft.com/office/drawing/2014/main" id="{418FEBC4-8663-4BFC-92FA-5F0EDC7A5F09}"/>
+              </a:ext>
+            </a:extLst>
+          </p:cNvPr>
+          <p:cNvCxnSpPr>
+            <a:cxnSpLocks/>
+            <a:endCxn id="34" idx="2"/>
+          </p:cNvCxnSpPr>
+          <p:nvPr/>
+        </p:nvCxnSpPr>
+        <p:spPr>
+          <a:xfrm flipV="1">
+            <a:off x="5665509" y="4459486"/>
+            <a:ext cx="1914624" cy="13346"/>
+          </a:xfrm>
+          <a:prstGeom prst="straightConnector1">
+            <a:avLst/>
+          </a:prstGeom>
+          <a:ln w="19050">
+            <a:solidFill>
+              <a:schemeClr val="accent4">
+                <a:lumMod val="40000"/>
+                <a:lumOff val="60000"/>
+              </a:schemeClr>
+            </a:solidFill>
+            <a:prstDash val="sysDash"/>
+            <a:headEnd type="arrow" w="med" len="med"/>
+            <a:tailEnd type="none" w="med" len="med"/>
+          </a:ln>
+        </p:spPr>
+        <p:style>
+          <a:lnRef idx="1">
+            <a:schemeClr val="accent1"/>
+          </a:lnRef>
+          <a:fillRef idx="0">
+            <a:schemeClr val="accent1"/>
+          </a:fillRef>
+          <a:effectRef idx="0">
+            <a:schemeClr val="accent1"/>
+          </a:effectRef>
+          <a:fontRef idx="minor">
+            <a:schemeClr val="tx1"/>
+          </a:fontRef>
+        </p:style>
+      </p:cxnSp>
+      <p:sp>
+        <p:nvSpPr>
+          <p:cNvPr id="38" name="TextBox 37">
+            <a:extLst>
+              <a:ext uri="{FF2B5EF4-FFF2-40B4-BE49-F238E27FC236}">
+                <a16:creationId xmlns:a16="http://schemas.microsoft.com/office/drawing/2014/main" id="{9C282CE0-CD4D-4D1F-8490-3CAED3840896}"/>
+              </a:ext>
+            </a:extLst>
+          </p:cNvPr>
+          <p:cNvSpPr txBox="1"/>
+          <p:nvPr/>
+        </p:nvSpPr>
+        <p:spPr>
+          <a:xfrm>
+            <a:off x="4579997" y="3459622"/>
+            <a:ext cx="976549" cy="261610"/>
+          </a:xfrm>
+          <a:prstGeom prst="rect">
+            <a:avLst/>
+          </a:prstGeom>
+          <a:noFill/>
+        </p:spPr>
+        <p:txBody>
+          <a:bodyPr wrap="none" rtlCol="0">
+            <a:spAutoFit/>
+          </a:bodyPr>
+          <a:lstStyle/>
+          <a:p>
+            <a:r>
+              <a:rPr lang="en-SG" sz="1100" dirty="0"/>
+              <a:t>[</a:t>
+            </a:r>
+            <a:r>
+              <a:rPr lang="en-SG" sz="1100" dirty="0" err="1"/>
+              <a:t>isDirectory</a:t>
+            </a:r>
+            <a:r>
+              <a:rPr lang="en-SG" sz="1100" dirty="0"/>
+              <a:t>()]</a:t>
+            </a:r>
+          </a:p>
+        </p:txBody>
+      </p:sp>
+      <p:sp>
+        <p:nvSpPr>
+          <p:cNvPr id="39" name="Rectangle: Single Corner Snipped 38">
+            <a:extLst>
+              <a:ext uri="{FF2B5EF4-FFF2-40B4-BE49-F238E27FC236}">
+                <a16:creationId xmlns:a16="http://schemas.microsoft.com/office/drawing/2014/main" id="{8023679F-C5E0-4380-AEB9-A9FB70321BE6}"/>
+              </a:ext>
+            </a:extLst>
+          </p:cNvPr>
+          <p:cNvSpPr/>
+          <p:nvPr/>
+        </p:nvSpPr>
+        <p:spPr>
+          <a:xfrm flipV="1">
+            <a:off x="4272419" y="3462020"/>
+            <a:ext cx="346080" cy="276997"/>
+          </a:xfrm>
+          <a:prstGeom prst="snip1Rect">
+            <a:avLst>
+              <a:gd name="adj" fmla="val 38996"/>
+            </a:avLst>
+          </a:prstGeom>
+          <a:noFill/>
+        </p:spPr>
+        <p:style>
+          <a:lnRef idx="2">
+            <a:schemeClr val="accent1">
+              <a:shade val="50000"/>
+            </a:schemeClr>
+          </a:lnRef>
+          <a:fillRef idx="1">
+            <a:schemeClr val="accent1"/>
+          </a:fillRef>
+          <a:effectRef idx="0">
+            <a:schemeClr val="accent1"/>
+          </a:effectRef>
+          <a:fontRef idx="minor">
+            <a:schemeClr val="lt1"/>
+          </a:fontRef>
+        </p:style>
+        <p:txBody>
+          <a:bodyPr rtlCol="0" anchor="ctr"/>
+          <a:lstStyle/>
+          <a:p>
+            <a:pPr algn="ctr"/>
+            <a:endParaRPr lang="en-SG" dirty="0"/>
+          </a:p>
+        </p:txBody>
+      </p:sp>
+      <p:sp>
+        <p:nvSpPr>
+          <p:cNvPr id="40" name="TextBox 39">
+            <a:extLst>
+              <a:ext uri="{FF2B5EF4-FFF2-40B4-BE49-F238E27FC236}">
+                <a16:creationId xmlns:a16="http://schemas.microsoft.com/office/drawing/2014/main" id="{C4E58444-1F28-4494-8F1A-44205479E85F}"/>
+              </a:ext>
+            </a:extLst>
+          </p:cNvPr>
+          <p:cNvSpPr txBox="1"/>
+          <p:nvPr/>
+        </p:nvSpPr>
+        <p:spPr>
+          <a:xfrm>
+            <a:off x="4244255" y="3429000"/>
+            <a:ext cx="397160" cy="276999"/>
+          </a:xfrm>
+          <a:prstGeom prst="rect">
+            <a:avLst/>
+          </a:prstGeom>
+          <a:noFill/>
+        </p:spPr>
+        <p:txBody>
+          <a:bodyPr wrap="none" rtlCol="0">
+            <a:spAutoFit/>
+          </a:bodyPr>
+          <a:lstStyle/>
+          <a:p>
+            <a:r>
+              <a:rPr lang="en-SG" sz="1200" dirty="0"/>
+              <a:t>opt</a:t>
+            </a:r>
+          </a:p>
+        </p:txBody>
+      </p:sp>
+      <p:sp>
+        <p:nvSpPr>
+          <p:cNvPr id="41" name="Rectangle 62">
+            <a:extLst>
+              <a:ext uri="{FF2B5EF4-FFF2-40B4-BE49-F238E27FC236}">
+                <a16:creationId xmlns:a16="http://schemas.microsoft.com/office/drawing/2014/main" id="{D53A6B96-E495-4A7E-8089-5188D8AE91E7}"/>
+              </a:ext>
+            </a:extLst>
+          </p:cNvPr>
+          <p:cNvSpPr/>
+          <p:nvPr/>
+        </p:nvSpPr>
+        <p:spPr>
+          <a:xfrm>
+            <a:off x="5827120" y="4740309"/>
+            <a:ext cx="1579824" cy="580894"/>
+          </a:xfrm>
+          <a:prstGeom prst="rect">
+            <a:avLst/>
+          </a:prstGeom>
+          <a:solidFill>
+            <a:srgbClr val="0070C0"/>
+          </a:solidFill>
+          <a:ln w="19050">
+            <a:solidFill>
+              <a:srgbClr val="0070C0"/>
+            </a:solidFill>
+          </a:ln>
+          <a:effectLst/>
+        </p:spPr>
+        <p:style>
+          <a:lnRef idx="1">
+            <a:schemeClr val="accent2"/>
+          </a:lnRef>
+          <a:fillRef idx="2">
+            <a:schemeClr val="accent2"/>
+          </a:fillRef>
+          <a:effectRef idx="1">
+            <a:schemeClr val="accent2"/>
+          </a:effectRef>
+          <a:fontRef idx="minor">
+            <a:schemeClr val="dk1"/>
+          </a:fontRef>
+        </p:style>
+        <p:txBody>
+          <a:bodyPr rtlCol="0" anchor="ctr"/>
+          <a:lstStyle/>
+          <a:p>
+            <a:pPr algn="ctr"/>
+            <a:r>
+              <a:rPr lang="en-US" sz="1600" dirty="0" err="1">
+                <a:solidFill>
+                  <a:schemeClr val="bg1"/>
+                </a:solidFill>
+              </a:rPr>
+              <a:t>result:CommandResult</a:t>
+            </a:r>
+            <a:endParaRPr lang="en-SG" sz="1600" dirty="0">
+              <a:solidFill>
+                <a:schemeClr val="bg1"/>
+              </a:solidFill>
+            </a:endParaRPr>
+          </a:p>
+        </p:txBody>
+      </p:sp>
+      <p:sp>
+        <p:nvSpPr>
+          <p:cNvPr id="42" name="Rectangle 41">
+            <a:extLst>
+              <a:ext uri="{FF2B5EF4-FFF2-40B4-BE49-F238E27FC236}">
+                <a16:creationId xmlns:a16="http://schemas.microsoft.com/office/drawing/2014/main" id="{4C94154C-0459-4B35-92CA-7FBE10E66457}"/>
+              </a:ext>
+            </a:extLst>
+          </p:cNvPr>
+          <p:cNvSpPr/>
+          <p:nvPr/>
+        </p:nvSpPr>
+        <p:spPr>
+          <a:xfrm>
+            <a:off x="6532588" y="5294701"/>
+            <a:ext cx="145274" cy="261481"/>
+          </a:xfrm>
+          <a:prstGeom prst="rect">
+            <a:avLst/>
+          </a:prstGeom>
+          <a:solidFill>
+            <a:srgbClr val="0070C0"/>
+          </a:solidFill>
+          <a:ln>
+            <a:solidFill>
+              <a:srgbClr val="0070C0"/>
+            </a:solidFill>
+          </a:ln>
+          <a:effectLst/>
+        </p:spPr>
+        <p:style>
+          <a:lnRef idx="1">
+            <a:schemeClr val="accent3"/>
+          </a:lnRef>
+          <a:fillRef idx="2">
+            <a:schemeClr val="accent3"/>
+          </a:fillRef>
+          <a:effectRef idx="1">
+            <a:schemeClr val="accent3"/>
+          </a:effectRef>
+          <a:fontRef idx="minor">
+            <a:schemeClr val="dk1"/>
+          </a:fontRef>
+        </p:style>
+        <p:txBody>
+          <a:bodyPr rtlCol="0" anchor="ctr"/>
+          <a:lstStyle/>
+          <a:p>
+            <a:pPr algn="ctr"/>
+            <a:endParaRPr lang="en-SG" sz="1400">
+              <a:solidFill>
+                <a:schemeClr val="dk1"/>
+              </a:solidFill>
+            </a:endParaRPr>
+          </a:p>
+        </p:txBody>
+      </p:sp>
+      <p:cxnSp>
+        <p:nvCxnSpPr>
+          <p:cNvPr id="43" name="Straight Arrow Connector 42">
+            <a:extLst>
+              <a:ext uri="{FF2B5EF4-FFF2-40B4-BE49-F238E27FC236}">
+                <a16:creationId xmlns:a16="http://schemas.microsoft.com/office/drawing/2014/main" id="{A35E4D97-11A2-455C-A33F-A005F7E16D74}"/>
+              </a:ext>
+            </a:extLst>
+          </p:cNvPr>
+          <p:cNvCxnSpPr>
+            <a:cxnSpLocks/>
+            <a:endCxn id="41" idx="1"/>
+          </p:cNvCxnSpPr>
+          <p:nvPr/>
+        </p:nvCxnSpPr>
+        <p:spPr>
+          <a:xfrm>
+            <a:off x="5685617" y="5029186"/>
+            <a:ext cx="141503" cy="1570"/>
+          </a:xfrm>
+          <a:prstGeom prst="straightConnector1">
+            <a:avLst/>
+          </a:prstGeom>
+          <a:ln w="19050">
+            <a:solidFill>
+              <a:srgbClr val="0070C0"/>
+            </a:solidFill>
+            <a:tailEnd type="arrow"/>
+          </a:ln>
+        </p:spPr>
+        <p:style>
+          <a:lnRef idx="1">
+            <a:schemeClr val="accent1"/>
+          </a:lnRef>
+          <a:fillRef idx="0">
+            <a:schemeClr val="accent1"/>
+          </a:fillRef>
+          <a:effectRef idx="0">
+            <a:schemeClr val="accent1"/>
+          </a:effectRef>
+          <a:fontRef idx="minor">
+            <a:schemeClr val="tx1"/>
+          </a:fontRef>
+        </p:style>
+      </p:cxnSp>
+      <p:cxnSp>
+        <p:nvCxnSpPr>
+          <p:cNvPr id="44" name="Straight Arrow Connector 43">
+            <a:extLst>
+              <a:ext uri="{FF2B5EF4-FFF2-40B4-BE49-F238E27FC236}">
+                <a16:creationId xmlns:a16="http://schemas.microsoft.com/office/drawing/2014/main" id="{CBFD8871-7125-41CB-BDA4-6C3176A2DBC2}"/>
+              </a:ext>
+            </a:extLst>
+          </p:cNvPr>
+          <p:cNvCxnSpPr>
+            <a:cxnSpLocks/>
+            <a:endCxn id="42" idx="2"/>
+          </p:cNvCxnSpPr>
+          <p:nvPr/>
+        </p:nvCxnSpPr>
+        <p:spPr>
+          <a:xfrm>
+            <a:off x="5678460" y="5556182"/>
+            <a:ext cx="926765" cy="0"/>
+          </a:xfrm>
+          <a:prstGeom prst="straightConnector1">
+            <a:avLst/>
+          </a:prstGeom>
+          <a:ln w="19050">
+            <a:solidFill>
+              <a:srgbClr val="0070C0"/>
+            </a:solidFill>
+            <a:prstDash val="sysDash"/>
+            <a:headEnd type="arrow" w="med" len="med"/>
+            <a:tailEnd type="none" w="med" len="med"/>
+          </a:ln>
+        </p:spPr>
+        <p:style>
+          <a:lnRef idx="1">
+            <a:schemeClr val="accent1"/>
+          </a:lnRef>
+          <a:fillRef idx="0">
+            <a:schemeClr val="accent1"/>
+          </a:fillRef>
+          <a:effectRef idx="0">
+            <a:schemeClr val="accent1"/>
+          </a:effectRef>
+          <a:fontRef idx="minor">
+            <a:schemeClr val="tx1"/>
+          </a:fontRef>
+        </p:style>
+      </p:cxnSp>
+      <p:sp>
+        <p:nvSpPr>
+          <p:cNvPr id="45" name="Rectangle 44">
+            <a:extLst>
+              <a:ext uri="{FF2B5EF4-FFF2-40B4-BE49-F238E27FC236}">
+                <a16:creationId xmlns:a16="http://schemas.microsoft.com/office/drawing/2014/main" id="{0C576938-C938-4DEB-802D-1AB984C46435}"/>
+              </a:ext>
+            </a:extLst>
+          </p:cNvPr>
+          <p:cNvSpPr/>
+          <p:nvPr/>
+        </p:nvSpPr>
+        <p:spPr>
+          <a:xfrm>
+            <a:off x="4260415" y="3458338"/>
+            <a:ext cx="3572023" cy="1196731"/>
+          </a:xfrm>
+          <a:prstGeom prst="rect">
+            <a:avLst/>
+          </a:prstGeom>
+          <a:noFill/>
+        </p:spPr>
+        <p:style>
+          <a:lnRef idx="2">
+            <a:schemeClr val="accent1">
+              <a:shade val="50000"/>
+            </a:schemeClr>
+          </a:lnRef>
+          <a:fillRef idx="1">
+            <a:schemeClr val="accent1"/>
+          </a:fillRef>
+          <a:effectRef idx="0">
+            <a:schemeClr val="accent1"/>
+          </a:effectRef>
+          <a:fontRef idx="minor">
+            <a:schemeClr val="lt1"/>
+          </a:fontRef>
+        </p:style>
+        <p:txBody>
+          <a:bodyPr rtlCol="0" anchor="ctr"/>
+          <a:lstStyle/>
+          <a:p>
+            <a:pPr algn="ctr"/>
+            <a:endParaRPr lang="en-SG"/>
+          </a:p>
+        </p:txBody>
+      </p:sp>
+    </p:spTree>
+    <p:extLst>
+      <p:ext uri="{BB962C8B-B14F-4D97-AF65-F5344CB8AC3E}">
+        <p14:creationId xmlns:p14="http://schemas.microsoft.com/office/powerpoint/2010/main" val="1556424908"/>
       </p:ext>
     </p:extLst>
   </p:cSld>

--- a/docs/diagrams/LogicComponentSequenceDiagram.pptx
+++ b/docs/diagrams/LogicComponentSequenceDiagram.pptx
@@ -208,7 +208,7 @@
           <a:p>
             <a:fld id="{F5CC4B3F-88C1-4FFA-B1B6-F41C21DC6924}" type="datetimeFigureOut">
               <a:rPr lang="en-US" smtClean="0"/>
-              <a:t>11/11/2018</a:t>
+              <a:t>11/12/2018</a:t>
             </a:fld>
             <a:endParaRPr lang="en-US"/>
           </a:p>
@@ -654,7 +654,7 @@
           <a:p>
             <a:fld id="{78C97017-6FC3-485B-9764-EAC9E56C1D49}" type="datetimeFigureOut">
               <a:rPr lang="en-US" smtClean="0"/>
-              <a:t>11/11/2018</a:t>
+              <a:t>11/12/2018</a:t>
             </a:fld>
             <a:endParaRPr lang="en-US"/>
           </a:p>
@@ -822,7 +822,7 @@
           <a:p>
             <a:fld id="{78C97017-6FC3-485B-9764-EAC9E56C1D49}" type="datetimeFigureOut">
               <a:rPr lang="en-US" smtClean="0"/>
-              <a:t>11/11/2018</a:t>
+              <a:t>11/12/2018</a:t>
             </a:fld>
             <a:endParaRPr lang="en-US"/>
           </a:p>
@@ -1000,7 +1000,7 @@
           <a:p>
             <a:fld id="{78C97017-6FC3-485B-9764-EAC9E56C1D49}" type="datetimeFigureOut">
               <a:rPr lang="en-US" smtClean="0"/>
-              <a:t>11/11/2018</a:t>
+              <a:t>11/12/2018</a:t>
             </a:fld>
             <a:endParaRPr lang="en-US"/>
           </a:p>
@@ -1168,7 +1168,7 @@
           <a:p>
             <a:fld id="{78C97017-6FC3-485B-9764-EAC9E56C1D49}" type="datetimeFigureOut">
               <a:rPr lang="en-US" smtClean="0"/>
-              <a:t>11/11/2018</a:t>
+              <a:t>11/12/2018</a:t>
             </a:fld>
             <a:endParaRPr lang="en-US"/>
           </a:p>
@@ -1413,7 +1413,7 @@
           <a:p>
             <a:fld id="{78C97017-6FC3-485B-9764-EAC9E56C1D49}" type="datetimeFigureOut">
               <a:rPr lang="en-US" smtClean="0"/>
-              <a:t>11/11/2018</a:t>
+              <a:t>11/12/2018</a:t>
             </a:fld>
             <a:endParaRPr lang="en-US"/>
           </a:p>
@@ -1698,7 +1698,7 @@
           <a:p>
             <a:fld id="{78C97017-6FC3-485B-9764-EAC9E56C1D49}" type="datetimeFigureOut">
               <a:rPr lang="en-US" smtClean="0"/>
-              <a:t>11/11/2018</a:t>
+              <a:t>11/12/2018</a:t>
             </a:fld>
             <a:endParaRPr lang="en-US"/>
           </a:p>
@@ -2117,7 +2117,7 @@
           <a:p>
             <a:fld id="{78C97017-6FC3-485B-9764-EAC9E56C1D49}" type="datetimeFigureOut">
               <a:rPr lang="en-US" smtClean="0"/>
-              <a:t>11/11/2018</a:t>
+              <a:t>11/12/2018</a:t>
             </a:fld>
             <a:endParaRPr lang="en-US"/>
           </a:p>
@@ -2234,7 +2234,7 @@
           <a:p>
             <a:fld id="{78C97017-6FC3-485B-9764-EAC9E56C1D49}" type="datetimeFigureOut">
               <a:rPr lang="en-US" smtClean="0"/>
-              <a:t>11/11/2018</a:t>
+              <a:t>11/12/2018</a:t>
             </a:fld>
             <a:endParaRPr lang="en-US"/>
           </a:p>
@@ -2329,7 +2329,7 @@
           <a:p>
             <a:fld id="{78C97017-6FC3-485B-9764-EAC9E56C1D49}" type="datetimeFigureOut">
               <a:rPr lang="en-US" smtClean="0"/>
-              <a:t>11/11/2018</a:t>
+              <a:t>11/12/2018</a:t>
             </a:fld>
             <a:endParaRPr lang="en-US"/>
           </a:p>
@@ -2604,7 +2604,7 @@
           <a:p>
             <a:fld id="{78C97017-6FC3-485B-9764-EAC9E56C1D49}" type="datetimeFigureOut">
               <a:rPr lang="en-US" smtClean="0"/>
-              <a:t>11/11/2018</a:t>
+              <a:t>11/12/2018</a:t>
             </a:fld>
             <a:endParaRPr lang="en-US"/>
           </a:p>
@@ -2856,7 +2856,7 @@
           <a:p>
             <a:fld id="{78C97017-6FC3-485B-9764-EAC9E56C1D49}" type="datetimeFigureOut">
               <a:rPr lang="en-US" smtClean="0"/>
-              <a:t>11/11/2018</a:t>
+              <a:t>11/12/2018</a:t>
             </a:fld>
             <a:endParaRPr lang="en-US"/>
           </a:p>
@@ -3067,7 +3067,7 @@
           <a:p>
             <a:fld id="{78C97017-6FC3-485B-9764-EAC9E56C1D49}" type="datetimeFigureOut">
               <a:rPr lang="en-US" smtClean="0"/>
-              <a:t>11/11/2018</a:t>
+              <a:t>11/12/2018</a:t>
             </a:fld>
             <a:endParaRPr lang="en-US"/>
           </a:p>
@@ -3456,7 +3456,7 @@
         </p:nvSpPr>
         <p:spPr>
           <a:xfrm>
-            <a:off x="5856199" y="1740137"/>
+            <a:off x="6014191" y="1740137"/>
             <a:ext cx="3206009" cy="3567874"/>
           </a:xfrm>
           <a:prstGeom prst="roundRect">
@@ -3797,7 +3797,7 @@
                   <a:schemeClr val="bg1"/>
                 </a:solidFill>
               </a:rPr>
-              <a:t>:Address</a:t>
+              <a:t>:Health</a:t>
             </a:r>
           </a:p>
           <a:p>
@@ -4497,7 +4497,7 @@
         </p:nvSpPr>
         <p:spPr>
           <a:xfrm>
-            <a:off x="5924175" y="3095802"/>
+            <a:off x="6055424" y="3095802"/>
             <a:ext cx="802576" cy="238408"/>
           </a:xfrm>
           <a:prstGeom prst="rect">

--- a/docs/diagrams/LogicComponentSequenceDiagram.pptx
+++ b/docs/diagrams/LogicComponentSequenceDiagram.pptx
@@ -208,7 +208,7 @@
           <a:p>
             <a:fld id="{F5CC4B3F-88C1-4FFA-B1B6-F41C21DC6924}" type="datetimeFigureOut">
               <a:rPr lang="en-US" smtClean="0"/>
-              <a:t>10/25/2018</a:t>
+              <a:t>11/12/2018</a:t>
             </a:fld>
             <a:endParaRPr lang="en-US"/>
           </a:p>
@@ -654,7 +654,7 @@
           <a:p>
             <a:fld id="{78C97017-6FC3-485B-9764-EAC9E56C1D49}" type="datetimeFigureOut">
               <a:rPr lang="en-US" smtClean="0"/>
-              <a:t>10/25/2018</a:t>
+              <a:t>11/12/2018</a:t>
             </a:fld>
             <a:endParaRPr lang="en-US"/>
           </a:p>
@@ -822,7 +822,7 @@
           <a:p>
             <a:fld id="{78C97017-6FC3-485B-9764-EAC9E56C1D49}" type="datetimeFigureOut">
               <a:rPr lang="en-US" smtClean="0"/>
-              <a:t>10/25/2018</a:t>
+              <a:t>11/12/2018</a:t>
             </a:fld>
             <a:endParaRPr lang="en-US"/>
           </a:p>
@@ -1000,7 +1000,7 @@
           <a:p>
             <a:fld id="{78C97017-6FC3-485B-9764-EAC9E56C1D49}" type="datetimeFigureOut">
               <a:rPr lang="en-US" smtClean="0"/>
-              <a:t>10/25/2018</a:t>
+              <a:t>11/12/2018</a:t>
             </a:fld>
             <a:endParaRPr lang="en-US"/>
           </a:p>
@@ -1168,7 +1168,7 @@
           <a:p>
             <a:fld id="{78C97017-6FC3-485B-9764-EAC9E56C1D49}" type="datetimeFigureOut">
               <a:rPr lang="en-US" smtClean="0"/>
-              <a:t>10/25/2018</a:t>
+              <a:t>11/12/2018</a:t>
             </a:fld>
             <a:endParaRPr lang="en-US"/>
           </a:p>
@@ -1413,7 +1413,7 @@
           <a:p>
             <a:fld id="{78C97017-6FC3-485B-9764-EAC9E56C1D49}" type="datetimeFigureOut">
               <a:rPr lang="en-US" smtClean="0"/>
-              <a:t>10/25/2018</a:t>
+              <a:t>11/12/2018</a:t>
             </a:fld>
             <a:endParaRPr lang="en-US"/>
           </a:p>
@@ -1698,7 +1698,7 @@
           <a:p>
             <a:fld id="{78C97017-6FC3-485B-9764-EAC9E56C1D49}" type="datetimeFigureOut">
               <a:rPr lang="en-US" smtClean="0"/>
-              <a:t>10/25/2018</a:t>
+              <a:t>11/12/2018</a:t>
             </a:fld>
             <a:endParaRPr lang="en-US"/>
           </a:p>
@@ -2117,7 +2117,7 @@
           <a:p>
             <a:fld id="{78C97017-6FC3-485B-9764-EAC9E56C1D49}" type="datetimeFigureOut">
               <a:rPr lang="en-US" smtClean="0"/>
-              <a:t>10/25/2018</a:t>
+              <a:t>11/12/2018</a:t>
             </a:fld>
             <a:endParaRPr lang="en-US"/>
           </a:p>
@@ -2234,7 +2234,7 @@
           <a:p>
             <a:fld id="{78C97017-6FC3-485B-9764-EAC9E56C1D49}" type="datetimeFigureOut">
               <a:rPr lang="en-US" smtClean="0"/>
-              <a:t>10/25/2018</a:t>
+              <a:t>11/12/2018</a:t>
             </a:fld>
             <a:endParaRPr lang="en-US"/>
           </a:p>
@@ -2329,7 +2329,7 @@
           <a:p>
             <a:fld id="{78C97017-6FC3-485B-9764-EAC9E56C1D49}" type="datetimeFigureOut">
               <a:rPr lang="en-US" smtClean="0"/>
-              <a:t>10/25/2018</a:t>
+              <a:t>11/12/2018</a:t>
             </a:fld>
             <a:endParaRPr lang="en-US"/>
           </a:p>
@@ -2604,7 +2604,7 @@
           <a:p>
             <a:fld id="{78C97017-6FC3-485B-9764-EAC9E56C1D49}" type="datetimeFigureOut">
               <a:rPr lang="en-US" smtClean="0"/>
-              <a:t>10/25/2018</a:t>
+              <a:t>11/12/2018</a:t>
             </a:fld>
             <a:endParaRPr lang="en-US"/>
           </a:p>
@@ -2856,7 +2856,7 @@
           <a:p>
             <a:fld id="{78C97017-6FC3-485B-9764-EAC9E56C1D49}" type="datetimeFigureOut">
               <a:rPr lang="en-US" smtClean="0"/>
-              <a:t>10/25/2018</a:t>
+              <a:t>11/12/2018</a:t>
             </a:fld>
             <a:endParaRPr lang="en-US"/>
           </a:p>
@@ -3067,7 +3067,7 @@
           <a:p>
             <a:fld id="{78C97017-6FC3-485B-9764-EAC9E56C1D49}" type="datetimeFigureOut">
               <a:rPr lang="en-US" smtClean="0"/>
-              <a:t>10/25/2018</a:t>
+              <a:t>11/12/2018</a:t>
             </a:fld>
             <a:endParaRPr lang="en-US"/>
           </a:p>
@@ -3703,15 +3703,22 @@
                   <a:schemeClr val="bg1"/>
                 </a:solidFill>
               </a:rPr>
-              <a:t>:</a:t>
-            </a:r>
-            <a:r>
-              <a:rPr lang="en-US" sz="1600" dirty="0" err="1">
+              <a:t>:Scheduler</a:t>
+            </a:r>
+            <a:br>
+              <a:rPr lang="en-US" sz="1600" dirty="0">
                 <a:solidFill>
                   <a:schemeClr val="bg1"/>
                 </a:solidFill>
               </a:rPr>
-              <a:t>SchedulerParser</a:t>
+            </a:br>
+            <a:r>
+              <a:rPr lang="en-US" sz="1600" dirty="0">
+                <a:solidFill>
+                  <a:schemeClr val="bg1"/>
+                </a:solidFill>
+              </a:rPr>
+              <a:t>Parser</a:t>
             </a:r>
             <a:endParaRPr lang="en-SG" sz="1600" dirty="0">
               <a:solidFill>
